--- a/docs/AMR-MUST.pptx
+++ b/docs/AMR-MUST.pptx
@@ -7,7 +7,7 @@
     <p:sldMasterId id="2147483653" r:id="rId3"/>
   </p:sldMasterIdLst>
   <p:notesMasterIdLst>
-    <p:notesMasterId r:id="rId22"/>
+    <p:notesMasterId r:id="rId24"/>
   </p:notesMasterIdLst>
   <p:sldIdLst>
     <p:sldId id="256" r:id="rId4"/>
@@ -23,11 +23,13 @@
     <p:sldId id="292" r:id="rId14"/>
     <p:sldId id="290" r:id="rId15"/>
     <p:sldId id="284" r:id="rId16"/>
-    <p:sldId id="297" r:id="rId17"/>
-    <p:sldId id="298" r:id="rId18"/>
-    <p:sldId id="300" r:id="rId19"/>
-    <p:sldId id="262" r:id="rId20"/>
-    <p:sldId id="299" r:id="rId21"/>
+    <p:sldId id="301" r:id="rId17"/>
+    <p:sldId id="302" r:id="rId18"/>
+    <p:sldId id="297" r:id="rId19"/>
+    <p:sldId id="298" r:id="rId20"/>
+    <p:sldId id="300" r:id="rId21"/>
+    <p:sldId id="262" r:id="rId22"/>
+    <p:sldId id="299" r:id="rId23"/>
   </p:sldIdLst>
   <p:sldSz cx="9144000" cy="5143500" type="screen16x9"/>
   <p:notesSz cx="6858000" cy="9144000"/>
@@ -451,7 +453,7 @@
           <a:p>
             <a:fld id="{C935DA3F-ED3A-4897-B8F3-C49A97F730D1}" type="datetimeFigureOut">
               <a:rPr lang="ko-KR" altLang="en-US" smtClean="0"/>
-              <a:t>2023-10-25</a:t>
+              <a:t>2023-10-28</a:t>
             </a:fld>
             <a:endParaRPr lang="ko-KR" altLang="en-US"/>
           </a:p>
@@ -21284,7 +21286,7 @@
                   <a:schemeClr val="lt2"/>
                 </a:solidFill>
               </a:rPr>
-              <a:t>Aotunomouse Mobile Robot</a:t>
+              <a:t>Aotunomous Mobile Robot</a:t>
             </a:r>
             <a:r>
               <a:rPr lang="en" sz="3600" dirty="0"/>
@@ -22884,6 +22886,4743 @@
           <a:chExt cx="0" cy="0"/>
         </a:xfrm>
       </p:grpSpPr>
+      <p:sp>
+        <p:nvSpPr>
+          <p:cNvPr id="36" name="Text Placeholder 1"/>
+          <p:cNvSpPr txBox="1">
+            <a:spLocks/>
+          </p:cNvSpPr>
+          <p:nvPr/>
+        </p:nvSpPr>
+        <p:spPr>
+          <a:xfrm>
+            <a:off x="107504" y="-20538"/>
+            <a:ext cx="2016224" cy="1200283"/>
+          </a:xfrm>
+          <a:prstGeom prst="rect">
+            <a:avLst/>
+          </a:prstGeom>
+        </p:spPr>
+        <p:txBody>
+          <a:bodyPr/>
+          <a:lstStyle>
+            <a:lvl1pPr marL="342900" indent="-342900" algn="l" defTabSz="914400" rtl="0" eaLnBrk="1" latinLnBrk="1" hangingPunct="1">
+              <a:spcBef>
+                <a:spcPct val="20000"/>
+              </a:spcBef>
+              <a:buFont typeface="Arial" pitchFamily="34" charset="0"/>
+              <a:buChar char="•"/>
+              <a:defRPr sz="3200" kern="1200">
+                <a:solidFill>
+                  <a:schemeClr val="tx1"/>
+                </a:solidFill>
+                <a:latin typeface="+mn-lt"/>
+                <a:ea typeface="+mn-ea"/>
+                <a:cs typeface="+mn-cs"/>
+              </a:defRPr>
+            </a:lvl1pPr>
+            <a:lvl2pPr marL="742950" indent="-285750" algn="l" defTabSz="914400" rtl="0" eaLnBrk="1" latinLnBrk="1" hangingPunct="1">
+              <a:spcBef>
+                <a:spcPct val="20000"/>
+              </a:spcBef>
+              <a:buFont typeface="Arial" pitchFamily="34" charset="0"/>
+              <a:buChar char="–"/>
+              <a:defRPr sz="2800" kern="1200">
+                <a:solidFill>
+                  <a:schemeClr val="tx1"/>
+                </a:solidFill>
+                <a:latin typeface="+mn-lt"/>
+                <a:ea typeface="+mn-ea"/>
+                <a:cs typeface="+mn-cs"/>
+              </a:defRPr>
+            </a:lvl2pPr>
+            <a:lvl3pPr marL="1143000" indent="-228600" algn="l" defTabSz="914400" rtl="0" eaLnBrk="1" latinLnBrk="1" hangingPunct="1">
+              <a:spcBef>
+                <a:spcPct val="20000"/>
+              </a:spcBef>
+              <a:buFont typeface="Arial" pitchFamily="34" charset="0"/>
+              <a:buChar char="•"/>
+              <a:defRPr sz="2400" kern="1200">
+                <a:solidFill>
+                  <a:schemeClr val="tx1"/>
+                </a:solidFill>
+                <a:latin typeface="+mn-lt"/>
+                <a:ea typeface="+mn-ea"/>
+                <a:cs typeface="+mn-cs"/>
+              </a:defRPr>
+            </a:lvl3pPr>
+            <a:lvl4pPr marL="1600200" indent="-228600" algn="l" defTabSz="914400" rtl="0" eaLnBrk="1" latinLnBrk="1" hangingPunct="1">
+              <a:spcBef>
+                <a:spcPct val="20000"/>
+              </a:spcBef>
+              <a:buFont typeface="Arial" pitchFamily="34" charset="0"/>
+              <a:buChar char="–"/>
+              <a:defRPr sz="2000" kern="1200">
+                <a:solidFill>
+                  <a:schemeClr val="tx1"/>
+                </a:solidFill>
+                <a:latin typeface="+mn-lt"/>
+                <a:ea typeface="+mn-ea"/>
+                <a:cs typeface="+mn-cs"/>
+              </a:defRPr>
+            </a:lvl4pPr>
+            <a:lvl5pPr marL="2057400" indent="-228600" algn="l" defTabSz="914400" rtl="0" eaLnBrk="1" latinLnBrk="1" hangingPunct="1">
+              <a:spcBef>
+                <a:spcPct val="20000"/>
+              </a:spcBef>
+              <a:buFont typeface="Arial" pitchFamily="34" charset="0"/>
+              <a:buChar char="»"/>
+              <a:defRPr sz="2000" kern="1200">
+                <a:solidFill>
+                  <a:schemeClr val="tx1"/>
+                </a:solidFill>
+                <a:latin typeface="+mn-lt"/>
+                <a:ea typeface="+mn-ea"/>
+                <a:cs typeface="+mn-cs"/>
+              </a:defRPr>
+            </a:lvl5pPr>
+            <a:lvl6pPr marL="2514600" indent="-228600" algn="l" defTabSz="914400" rtl="0" eaLnBrk="1" latinLnBrk="1" hangingPunct="1">
+              <a:spcBef>
+                <a:spcPct val="20000"/>
+              </a:spcBef>
+              <a:buFont typeface="Arial" pitchFamily="34" charset="0"/>
+              <a:buChar char="•"/>
+              <a:defRPr sz="2000" kern="1200">
+                <a:solidFill>
+                  <a:schemeClr val="tx1"/>
+                </a:solidFill>
+                <a:latin typeface="+mn-lt"/>
+                <a:ea typeface="+mn-ea"/>
+                <a:cs typeface="+mn-cs"/>
+              </a:defRPr>
+            </a:lvl6pPr>
+            <a:lvl7pPr marL="2971800" indent="-228600" algn="l" defTabSz="914400" rtl="0" eaLnBrk="1" latinLnBrk="1" hangingPunct="1">
+              <a:spcBef>
+                <a:spcPct val="20000"/>
+              </a:spcBef>
+              <a:buFont typeface="Arial" pitchFamily="34" charset="0"/>
+              <a:buChar char="•"/>
+              <a:defRPr sz="2000" kern="1200">
+                <a:solidFill>
+                  <a:schemeClr val="tx1"/>
+                </a:solidFill>
+                <a:latin typeface="+mn-lt"/>
+                <a:ea typeface="+mn-ea"/>
+                <a:cs typeface="+mn-cs"/>
+              </a:defRPr>
+            </a:lvl7pPr>
+            <a:lvl8pPr marL="3429000" indent="-228600" algn="l" defTabSz="914400" rtl="0" eaLnBrk="1" latinLnBrk="1" hangingPunct="1">
+              <a:spcBef>
+                <a:spcPct val="20000"/>
+              </a:spcBef>
+              <a:buFont typeface="Arial" pitchFamily="34" charset="0"/>
+              <a:buChar char="•"/>
+              <a:defRPr sz="2000" kern="1200">
+                <a:solidFill>
+                  <a:schemeClr val="tx1"/>
+                </a:solidFill>
+                <a:latin typeface="+mn-lt"/>
+                <a:ea typeface="+mn-ea"/>
+                <a:cs typeface="+mn-cs"/>
+              </a:defRPr>
+            </a:lvl8pPr>
+            <a:lvl9pPr marL="3886200" indent="-228600" algn="l" defTabSz="914400" rtl="0" eaLnBrk="1" latinLnBrk="1" hangingPunct="1">
+              <a:spcBef>
+                <a:spcPct val="20000"/>
+              </a:spcBef>
+              <a:buFont typeface="Arial" pitchFamily="34" charset="0"/>
+              <a:buChar char="•"/>
+              <a:defRPr sz="2000" kern="1200">
+                <a:solidFill>
+                  <a:schemeClr val="tx1"/>
+                </a:solidFill>
+                <a:latin typeface="+mn-lt"/>
+                <a:ea typeface="+mn-ea"/>
+                <a:cs typeface="+mn-cs"/>
+              </a:defRPr>
+            </a:lvl9pPr>
+          </a:lstStyle>
+          <a:p>
+            <a:pPr marL="0" indent="0">
+              <a:buNone/>
+            </a:pPr>
+            <a:r>
+              <a:rPr lang="de-DE" altLang="ko-KR" b="1" dirty="0">
+                <a:solidFill>
+                  <a:schemeClr val="tx1">
+                    <a:lumMod val="75000"/>
+                    <a:lumOff val="25000"/>
+                  </a:schemeClr>
+                </a:solidFill>
+                <a:latin typeface="+mj-lt"/>
+                <a:cs typeface="Arial" pitchFamily="34" charset="0"/>
+              </a:rPr>
+              <a:t>Material selection</a:t>
+            </a:r>
+            <a:endParaRPr lang="en-US" altLang="ko-KR" b="1" dirty="0">
+              <a:solidFill>
+                <a:schemeClr val="tx1">
+                  <a:lumMod val="75000"/>
+                  <a:lumOff val="25000"/>
+                </a:schemeClr>
+              </a:solidFill>
+              <a:latin typeface="+mj-lt"/>
+              <a:cs typeface="Arial" pitchFamily="34" charset="0"/>
+            </a:endParaRPr>
+          </a:p>
+        </p:txBody>
+      </p:sp>
+      <p:sp>
+        <p:nvSpPr>
+          <p:cNvPr id="3" name="TextBox 2">
+            <a:extLst>
+              <a:ext uri="{FF2B5EF4-FFF2-40B4-BE49-F238E27FC236}">
+                <a16:creationId xmlns:a16="http://schemas.microsoft.com/office/drawing/2014/main" id="{706814CA-C5A7-7FF4-2C88-EAC4D014C592}"/>
+              </a:ext>
+            </a:extLst>
+          </p:cNvPr>
+          <p:cNvSpPr txBox="1"/>
+          <p:nvPr/>
+        </p:nvSpPr>
+        <p:spPr>
+          <a:xfrm>
+            <a:off x="2051720" y="51470"/>
+            <a:ext cx="6683408" cy="954107"/>
+          </a:xfrm>
+          <a:prstGeom prst="rect">
+            <a:avLst/>
+          </a:prstGeom>
+          <a:noFill/>
+        </p:spPr>
+        <p:txBody>
+          <a:bodyPr wrap="square" rtlCol="0">
+            <a:spAutoFit/>
+          </a:bodyPr>
+          <a:lstStyle/>
+          <a:p>
+            <a:pPr algn="just"/>
+            <a:r>
+              <a:rPr lang="en-US" sz="1400" dirty="0"/>
+              <a:t>Many different materials are used in the manufacture of autonomous mobile robot bodies, and the most commonly used materials nowadays are steel, aluminum, </a:t>
+            </a:r>
+          </a:p>
+          <a:p>
+            <a:pPr algn="just"/>
+            <a:r>
+              <a:rPr lang="en-US" sz="1400" dirty="0"/>
+              <a:t>and stainless steel.</a:t>
+            </a:r>
+          </a:p>
+          <a:p>
+            <a:pPr algn="just"/>
+            <a:r>
+              <a:rPr lang="en-US" sz="1400" dirty="0"/>
+              <a:t>The following table shows a simple comparison between these materials</a:t>
+            </a:r>
+          </a:p>
+        </p:txBody>
+      </p:sp>
+      <mc:AlternateContent xmlns:mc="http://schemas.openxmlformats.org/markup-compatibility/2006">
+        <mc:Choice xmlns:a14="http://schemas.microsoft.com/office/drawing/2010/main" Requires="a14">
+          <p:graphicFrame>
+            <p:nvGraphicFramePr>
+              <p:cNvPr id="11" name="Table 10">
+                <a:extLst>
+                  <a:ext uri="{FF2B5EF4-FFF2-40B4-BE49-F238E27FC236}">
+                    <a16:creationId xmlns:a16="http://schemas.microsoft.com/office/drawing/2014/main" id="{6947FAD1-1A31-DF3B-1C3A-BAF14361ED35}"/>
+                  </a:ext>
+                </a:extLst>
+              </p:cNvPr>
+              <p:cNvGraphicFramePr>
+                <a:graphicFrameLocks noGrp="1"/>
+              </p:cNvGraphicFramePr>
+              <p:nvPr>
+                <p:extLst>
+                  <p:ext uri="{D42A27DB-BD31-4B8C-83A1-F6EECF244321}">
+                    <p14:modId xmlns:p14="http://schemas.microsoft.com/office/powerpoint/2010/main" val="1668401498"/>
+                  </p:ext>
+                </p:extLst>
+              </p:nvPr>
+            </p:nvGraphicFramePr>
+            <p:xfrm>
+              <a:off x="827582" y="1059582"/>
+              <a:ext cx="7776866" cy="4046387"/>
+            </p:xfrm>
+            <a:graphic>
+              <a:graphicData uri="http://schemas.openxmlformats.org/drawingml/2006/table">
+                <a:tbl>
+                  <a:tblPr firstRow="1" firstCol="1" bandRow="1">
+                    <a:tableStyleId>{5C22544A-7EE6-4342-B048-85BDC9FD1C3A}</a:tableStyleId>
+                  </a:tblPr>
+                  <a:tblGrid>
+                    <a:gridCol w="1295844">
+                      <a:extLst>
+                        <a:ext uri="{9D8B030D-6E8A-4147-A177-3AD203B41FA5}">
+                          <a16:colId xmlns:a16="http://schemas.microsoft.com/office/drawing/2014/main" val="2973517586"/>
+                        </a:ext>
+                      </a:extLst>
+                    </a:gridCol>
+                    <a:gridCol w="1295844">
+                      <a:extLst>
+                        <a:ext uri="{9D8B030D-6E8A-4147-A177-3AD203B41FA5}">
+                          <a16:colId xmlns:a16="http://schemas.microsoft.com/office/drawing/2014/main" val="1895361919"/>
+                        </a:ext>
+                      </a:extLst>
+                    </a:gridCol>
+                    <a:gridCol w="1295844">
+                      <a:extLst>
+                        <a:ext uri="{9D8B030D-6E8A-4147-A177-3AD203B41FA5}">
+                          <a16:colId xmlns:a16="http://schemas.microsoft.com/office/drawing/2014/main" val="2109454116"/>
+                        </a:ext>
+                      </a:extLst>
+                    </a:gridCol>
+                    <a:gridCol w="1153028">
+                      <a:extLst>
+                        <a:ext uri="{9D8B030D-6E8A-4147-A177-3AD203B41FA5}">
+                          <a16:colId xmlns:a16="http://schemas.microsoft.com/office/drawing/2014/main" val="1073207242"/>
+                        </a:ext>
+                      </a:extLst>
+                    </a:gridCol>
+                    <a:gridCol w="1439561">
+                      <a:extLst>
+                        <a:ext uri="{9D8B030D-6E8A-4147-A177-3AD203B41FA5}">
+                          <a16:colId xmlns:a16="http://schemas.microsoft.com/office/drawing/2014/main" val="1036216511"/>
+                        </a:ext>
+                      </a:extLst>
+                    </a:gridCol>
+                    <a:gridCol w="1296745">
+                      <a:extLst>
+                        <a:ext uri="{9D8B030D-6E8A-4147-A177-3AD203B41FA5}">
+                          <a16:colId xmlns:a16="http://schemas.microsoft.com/office/drawing/2014/main" val="3860746640"/>
+                        </a:ext>
+                      </a:extLst>
+                    </a:gridCol>
+                  </a:tblGrid>
+                  <a:tr h="477965">
+                    <a:tc>
+                      <a:txBody>
+                        <a:bodyPr/>
+                        <a:lstStyle/>
+                        <a:p>
+                          <a:pPr algn="ctr">
+                            <a:lnSpc>
+                              <a:spcPct val="100000"/>
+                            </a:lnSpc>
+                            <a:spcAft>
+                              <a:spcPts val="800"/>
+                            </a:spcAft>
+                          </a:pPr>
+                          <a:r>
+                            <a:rPr lang="en-US" sz="1050" b="1" dirty="0">
+                              <a:effectLst/>
+                            </a:rPr>
+                            <a:t> Material</a:t>
+                          </a:r>
+                          <a:endParaRPr lang="en-US" sz="1050" b="1" dirty="0">
+                            <a:effectLst/>
+                            <a:latin typeface="Calibri" panose="020F0502020204030204" pitchFamily="34" charset="0"/>
+                            <a:ea typeface="Calibri" panose="020F0502020204030204" pitchFamily="34" charset="0"/>
+                            <a:cs typeface="Arial" panose="020B0604020202020204" pitchFamily="34" charset="0"/>
+                          </a:endParaRPr>
+                        </a:p>
+                      </a:txBody>
+                      <a:tcPr marL="28727" marR="28727" marT="0" marB="0"/>
+                    </a:tc>
+                    <a:tc>
+                      <a:txBody>
+                        <a:bodyPr/>
+                        <a:lstStyle/>
+                        <a:p>
+                          <a:pPr algn="ctr">
+                            <a:lnSpc>
+                              <a:spcPct val="100000"/>
+                            </a:lnSpc>
+                            <a:spcAft>
+                              <a:spcPts val="800"/>
+                            </a:spcAft>
+                          </a:pPr>
+                          <a:r>
+                            <a:rPr lang="en-US" sz="1050" b="1" dirty="0">
+                              <a:effectLst/>
+                            </a:rPr>
+                            <a:t> Thickness</a:t>
+                          </a:r>
+                          <a:endParaRPr lang="en-US" sz="1050" b="1" dirty="0">
+                            <a:effectLst/>
+                            <a:latin typeface="Calibri" panose="020F0502020204030204" pitchFamily="34" charset="0"/>
+                            <a:ea typeface="Calibri" panose="020F0502020204030204" pitchFamily="34" charset="0"/>
+                            <a:cs typeface="Arial" panose="020B0604020202020204" pitchFamily="34" charset="0"/>
+                          </a:endParaRPr>
+                        </a:p>
+                      </a:txBody>
+                      <a:tcPr marL="28727" marR="28727" marT="0" marB="0"/>
+                    </a:tc>
+                    <a:tc>
+                      <a:txBody>
+                        <a:bodyPr/>
+                        <a:lstStyle/>
+                        <a:p>
+                          <a:pPr algn="ctr">
+                            <a:lnSpc>
+                              <a:spcPct val="100000"/>
+                            </a:lnSpc>
+                            <a:spcAft>
+                              <a:spcPts val="800"/>
+                            </a:spcAft>
+                          </a:pPr>
+                          <a:r>
+                            <a:rPr lang="en-US" sz="1050" b="1" dirty="0">
+                              <a:effectLst/>
+                            </a:rPr>
+                            <a:t> Weight </a:t>
+                          </a:r>
+                        </a:p>
+                        <a:p>
+                          <a:pPr algn="ctr">
+                            <a:lnSpc>
+                              <a:spcPct val="100000"/>
+                            </a:lnSpc>
+                            <a:spcAft>
+                              <a:spcPts val="800"/>
+                            </a:spcAft>
+                          </a:pPr>
+                          <a:r>
+                            <a:rPr lang="en-US" sz="1050" b="1" dirty="0">
+                              <a:effectLst/>
+                            </a:rPr>
+                            <a:t>Approx</a:t>
+                          </a:r>
+                          <a:endParaRPr lang="en-US" sz="1050" b="1" dirty="0">
+                            <a:effectLst/>
+                            <a:latin typeface="Calibri" panose="020F0502020204030204" pitchFamily="34" charset="0"/>
+                            <a:ea typeface="Calibri" panose="020F0502020204030204" pitchFamily="34" charset="0"/>
+                            <a:cs typeface="Arial" panose="020B0604020202020204" pitchFamily="34" charset="0"/>
+                          </a:endParaRPr>
+                        </a:p>
+                      </a:txBody>
+                      <a:tcPr marL="28727" marR="28727" marT="0" marB="0"/>
+                    </a:tc>
+                    <a:tc>
+                      <a:txBody>
+                        <a:bodyPr/>
+                        <a:lstStyle/>
+                        <a:p>
+                          <a:pPr algn="ctr">
+                            <a:lnSpc>
+                              <a:spcPct val="100000"/>
+                            </a:lnSpc>
+                            <a:spcAft>
+                              <a:spcPts val="800"/>
+                            </a:spcAft>
+                          </a:pPr>
+                          <a:r>
+                            <a:rPr lang="en-US" sz="1050" b="1" dirty="0">
+                              <a:effectLst/>
+                            </a:rPr>
+                            <a:t> Load</a:t>
+                          </a:r>
+                          <a:endParaRPr lang="en-US" sz="1050" b="1" dirty="0">
+                            <a:effectLst/>
+                            <a:latin typeface="Calibri" panose="020F0502020204030204" pitchFamily="34" charset="0"/>
+                            <a:ea typeface="Calibri" panose="020F0502020204030204" pitchFamily="34" charset="0"/>
+                            <a:cs typeface="Arial" panose="020B0604020202020204" pitchFamily="34" charset="0"/>
+                          </a:endParaRPr>
+                        </a:p>
+                      </a:txBody>
+                      <a:tcPr marL="28727" marR="28727" marT="0" marB="0"/>
+                    </a:tc>
+                    <a:tc>
+                      <a:txBody>
+                        <a:bodyPr/>
+                        <a:lstStyle/>
+                        <a:p>
+                          <a:pPr algn="ctr">
+                            <a:lnSpc>
+                              <a:spcPct val="100000"/>
+                            </a:lnSpc>
+                            <a:spcAft>
+                              <a:spcPts val="800"/>
+                            </a:spcAft>
+                          </a:pPr>
+                          <a:r>
+                            <a:rPr lang="en-US" sz="1050" b="1" dirty="0">
+                              <a:effectLst/>
+                            </a:rPr>
+                            <a:t> Deformation </a:t>
+                          </a:r>
+                        </a:p>
+                        <a:p>
+                          <a:pPr algn="ctr">
+                            <a:lnSpc>
+                              <a:spcPct val="100000"/>
+                            </a:lnSpc>
+                            <a:spcAft>
+                              <a:spcPts val="800"/>
+                            </a:spcAft>
+                          </a:pPr>
+                          <a:r>
+                            <a:rPr lang="en-US" sz="1050" b="1" dirty="0">
+                              <a:effectLst/>
+                            </a:rPr>
+                            <a:t>On top part</a:t>
+                          </a:r>
+                          <a:endParaRPr lang="en-US" sz="1050" b="1" dirty="0">
+                            <a:effectLst/>
+                            <a:latin typeface="Calibri" panose="020F0502020204030204" pitchFamily="34" charset="0"/>
+                            <a:ea typeface="Calibri" panose="020F0502020204030204" pitchFamily="34" charset="0"/>
+                            <a:cs typeface="Arial" panose="020B0604020202020204" pitchFamily="34" charset="0"/>
+                          </a:endParaRPr>
+                        </a:p>
+                      </a:txBody>
+                      <a:tcPr marL="28727" marR="28727" marT="0" marB="0"/>
+                    </a:tc>
+                    <a:tc>
+                      <a:txBody>
+                        <a:bodyPr/>
+                        <a:lstStyle/>
+                        <a:p>
+                          <a:pPr algn="ctr">
+                            <a:lnSpc>
+                              <a:spcPct val="100000"/>
+                            </a:lnSpc>
+                            <a:spcAft>
+                              <a:spcPts val="800"/>
+                            </a:spcAft>
+                          </a:pPr>
+                          <a:r>
+                            <a:rPr lang="en-US" sz="1050" b="1" dirty="0">
+                              <a:effectLst/>
+                            </a:rPr>
+                            <a:t> </a:t>
+                          </a:r>
+                          <a:endParaRPr lang="en-US" sz="1050" b="1" dirty="0">
+                            <a:effectLst/>
+                            <a:latin typeface="Calibri" panose="020F0502020204030204" pitchFamily="34" charset="0"/>
+                            <a:ea typeface="Calibri" panose="020F0502020204030204" pitchFamily="34" charset="0"/>
+                            <a:cs typeface="Arial" panose="020B0604020202020204" pitchFamily="34" charset="0"/>
+                          </a:endParaRPr>
+                        </a:p>
+                      </a:txBody>
+                      <a:tcPr marL="28727" marR="28727" marT="0" marB="0"/>
+                    </a:tc>
+                    <a:extLst>
+                      <a:ext uri="{0D108BD9-81ED-4DB2-BD59-A6C34878D82A}">
+                        <a16:rowId xmlns:a16="http://schemas.microsoft.com/office/drawing/2014/main" val="1984738391"/>
+                      </a:ext>
+                    </a:extLst>
+                  </a:tr>
+                  <a:tr h="457244">
+                    <a:tc>
+                      <a:txBody>
+                        <a:bodyPr/>
+                        <a:lstStyle/>
+                        <a:p>
+                          <a:pPr algn="ctr">
+                            <a:lnSpc>
+                              <a:spcPct val="100000"/>
+                            </a:lnSpc>
+                            <a:spcAft>
+                              <a:spcPts val="800"/>
+                            </a:spcAft>
+                          </a:pPr>
+                          <a:endParaRPr lang="en-US" sz="1050" b="1" dirty="0">
+                            <a:effectLst/>
+                          </a:endParaRPr>
+                        </a:p>
+                        <a:p>
+                          <a:pPr algn="ctr">
+                            <a:lnSpc>
+                              <a:spcPct val="100000"/>
+                            </a:lnSpc>
+                            <a:spcAft>
+                              <a:spcPts val="800"/>
+                            </a:spcAft>
+                          </a:pPr>
+                          <a:r>
+                            <a:rPr lang="en-US" sz="1050" b="1" dirty="0">
+                              <a:effectLst/>
+                            </a:rPr>
+                            <a:t> Steel</a:t>
+                          </a:r>
+                          <a:endParaRPr lang="en-US" sz="1050" b="1" dirty="0">
+                            <a:effectLst/>
+                            <a:latin typeface="Calibri" panose="020F0502020204030204" pitchFamily="34" charset="0"/>
+                            <a:ea typeface="Calibri" panose="020F0502020204030204" pitchFamily="34" charset="0"/>
+                            <a:cs typeface="Arial" panose="020B0604020202020204" pitchFamily="34" charset="0"/>
+                          </a:endParaRPr>
+                        </a:p>
+                      </a:txBody>
+                      <a:tcPr marL="28727" marR="28727" marT="0" marB="0"/>
+                    </a:tc>
+                    <a:tc>
+                      <a:txBody>
+                        <a:bodyPr/>
+                        <a:lstStyle/>
+                        <a:p>
+                          <a:pPr algn="ctr">
+                            <a:lnSpc>
+                              <a:spcPct val="100000"/>
+                            </a:lnSpc>
+                            <a:spcAft>
+                              <a:spcPts val="800"/>
+                            </a:spcAft>
+                          </a:pPr>
+                          <a:r>
+                            <a:rPr lang="en-US" sz="1050" b="1" dirty="0">
+                              <a:effectLst/>
+                            </a:rPr>
+                            <a:t> 0.2 mm</a:t>
+                          </a:r>
+                          <a:endParaRPr lang="en-US" sz="1050" b="1" dirty="0">
+                            <a:effectLst/>
+                            <a:latin typeface="Calibri" panose="020F0502020204030204" pitchFamily="34" charset="0"/>
+                            <a:ea typeface="Calibri" panose="020F0502020204030204" pitchFamily="34" charset="0"/>
+                            <a:cs typeface="Arial" panose="020B0604020202020204" pitchFamily="34" charset="0"/>
+                          </a:endParaRPr>
+                        </a:p>
+                      </a:txBody>
+                      <a:tcPr marL="28727" marR="28727" marT="0" marB="0"/>
+                    </a:tc>
+                    <a:tc>
+                      <a:txBody>
+                        <a:bodyPr/>
+                        <a:lstStyle/>
+                        <a:p>
+                          <a:pPr algn="ctr">
+                            <a:lnSpc>
+                              <a:spcPct val="100000"/>
+                            </a:lnSpc>
+                            <a:spcAft>
+                              <a:spcPts val="800"/>
+                            </a:spcAft>
+                          </a:pPr>
+                          <a:r>
+                            <a:rPr lang="en-US" sz="1050" b="1" dirty="0">
+                              <a:effectLst/>
+                            </a:rPr>
+                            <a:t> 16 KG</a:t>
+                          </a:r>
+                          <a:endParaRPr lang="en-US" sz="1050" b="1" dirty="0">
+                            <a:effectLst/>
+                            <a:latin typeface="Calibri" panose="020F0502020204030204" pitchFamily="34" charset="0"/>
+                            <a:ea typeface="Calibri" panose="020F0502020204030204" pitchFamily="34" charset="0"/>
+                            <a:cs typeface="Arial" panose="020B0604020202020204" pitchFamily="34" charset="0"/>
+                          </a:endParaRPr>
+                        </a:p>
+                      </a:txBody>
+                      <a:tcPr marL="28727" marR="28727" marT="0" marB="0"/>
+                    </a:tc>
+                    <a:tc>
+                      <a:txBody>
+                        <a:bodyPr/>
+                        <a:lstStyle/>
+                        <a:p>
+                          <a:pPr algn="ctr">
+                            <a:lnSpc>
+                              <a:spcPct val="100000"/>
+                            </a:lnSpc>
+                            <a:spcAft>
+                              <a:spcPts val="800"/>
+                            </a:spcAft>
+                          </a:pPr>
+                          <a:r>
+                            <a:rPr lang="en-US" sz="1050" b="1" dirty="0">
+                              <a:effectLst/>
+                            </a:rPr>
+                            <a:t> 250 Kg</a:t>
+                          </a:r>
+                          <a:endParaRPr lang="en-US" sz="1050" b="1" dirty="0">
+                            <a:effectLst/>
+                            <a:latin typeface="Calibri" panose="020F0502020204030204" pitchFamily="34" charset="0"/>
+                            <a:ea typeface="Calibri" panose="020F0502020204030204" pitchFamily="34" charset="0"/>
+                            <a:cs typeface="Arial" panose="020B0604020202020204" pitchFamily="34" charset="0"/>
+                          </a:endParaRPr>
+                        </a:p>
+                      </a:txBody>
+                      <a:tcPr marL="28727" marR="28727" marT="0" marB="0"/>
+                    </a:tc>
+                    <a:tc>
+                      <a:txBody>
+                        <a:bodyPr/>
+                        <a:lstStyle/>
+                        <a:p>
+                          <a:pPr algn="ctr">
+                            <a:lnSpc>
+                              <a:spcPct val="100000"/>
+                            </a:lnSpc>
+                            <a:spcAft>
+                              <a:spcPts val="800"/>
+                            </a:spcAft>
+                          </a:pPr>
+                          <a:r>
+                            <a:rPr lang="en-US" sz="1050" b="1" dirty="0">
+                              <a:effectLst/>
+                            </a:rPr>
+                            <a:t> </a:t>
+                          </a:r>
+                          <a14:m>
+                            <m:oMath xmlns:m="http://schemas.openxmlformats.org/officeDocument/2006/math">
+                              <m:r>
+                                <a:rPr lang="en-US" sz="1050" b="1" i="1" smtClean="0">
+                                  <a:effectLst/>
+                                  <a:latin typeface="Cambria Math" panose="02040503050406030204" pitchFamily="18" charset="0"/>
+                                </a:rPr>
+                                <m:t>𝟓</m:t>
+                              </m:r>
+                              <m:r>
+                                <a:rPr lang="en-US" sz="1050" b="1">
+                                  <a:effectLst/>
+                                  <a:latin typeface="Cambria Math" panose="02040503050406030204" pitchFamily="18" charset="0"/>
+                                </a:rPr>
+                                <m:t>.</m:t>
+                              </m:r>
+                              <m:r>
+                                <a:rPr lang="en-US" sz="1050" b="1" i="1">
+                                  <a:effectLst/>
+                                  <a:latin typeface="Cambria Math" panose="02040503050406030204" pitchFamily="18" charset="0"/>
+                                </a:rPr>
+                                <m:t>𝟓𝟔</m:t>
+                              </m:r>
+                              <m:r>
+                                <a:rPr lang="en-US" sz="1050" b="1">
+                                  <a:effectLst/>
+                                  <a:latin typeface="Cambria Math" panose="02040503050406030204" pitchFamily="18" charset="0"/>
+                                </a:rPr>
+                                <m:t>×</m:t>
+                              </m:r>
+                              <m:sSup>
+                                <m:sSupPr>
+                                  <m:ctrlPr>
+                                    <a:rPr lang="en-US" sz="1050" b="1">
+                                      <a:effectLst/>
+                                    </a:rPr>
+                                  </m:ctrlPr>
+                                </m:sSupPr>
+                                <m:e>
+                                  <m:r>
+                                    <a:rPr lang="en-US" sz="1050" b="1" i="1" smtClean="0">
+                                      <a:effectLst/>
+                                      <a:latin typeface="Cambria Math" panose="02040503050406030204" pitchFamily="18" charset="0"/>
+                                    </a:rPr>
+                                    <m:t>𝟏𝟎</m:t>
+                                  </m:r>
+                                </m:e>
+                                <m:sup>
+                                  <m:r>
+                                    <a:rPr lang="en-US" sz="1050" b="1" smtClean="0">
+                                      <a:effectLst/>
+                                      <a:latin typeface="Cambria Math" panose="02040503050406030204" pitchFamily="18" charset="0"/>
+                                    </a:rPr>
+                                    <m:t>−</m:t>
+                                  </m:r>
+                                  <m:r>
+                                    <a:rPr lang="en-US" sz="1050" b="1" i="1">
+                                      <a:effectLst/>
+                                      <a:latin typeface="Cambria Math" panose="02040503050406030204" pitchFamily="18" charset="0"/>
+                                    </a:rPr>
+                                    <m:t>𝟏</m:t>
+                                  </m:r>
+                                </m:sup>
+                              </m:sSup>
+                            </m:oMath>
+                          </a14:m>
+                          <a:endParaRPr lang="en-US" sz="1050" b="1" dirty="0">
+                            <a:effectLst/>
+                          </a:endParaRPr>
+                        </a:p>
+                        <a:p>
+                          <a:pPr algn="ctr">
+                            <a:lnSpc>
+                              <a:spcPct val="100000"/>
+                            </a:lnSpc>
+                            <a:spcAft>
+                              <a:spcPts val="800"/>
+                            </a:spcAft>
+                          </a:pPr>
+                          <a14:m>
+                            <m:oMathPara xmlns:m="http://schemas.openxmlformats.org/officeDocument/2006/math">
+                              <m:oMathParaPr>
+                                <m:jc m:val="centerGroup"/>
+                              </m:oMathParaPr>
+                              <m:oMath xmlns:m="http://schemas.openxmlformats.org/officeDocument/2006/math">
+                                <m:r>
+                                  <a:rPr lang="en-US" sz="1050" b="1" smtClean="0">
+                                    <a:effectLst/>
+                                    <a:latin typeface="Cambria Math" panose="02040503050406030204" pitchFamily="18" charset="0"/>
+                                  </a:rPr>
+                                  <m:t> </m:t>
+                                </m:r>
+                                <m:r>
+                                  <a:rPr lang="en-US" sz="1050" b="1" i="1">
+                                    <a:effectLst/>
+                                    <a:latin typeface="Cambria Math" panose="02040503050406030204" pitchFamily="18" charset="0"/>
+                                  </a:rPr>
+                                  <m:t>𝐦𝐦</m:t>
+                                </m:r>
+                              </m:oMath>
+                            </m:oMathPara>
+                          </a14:m>
+                          <a:endParaRPr lang="en-US" sz="1050" b="1" dirty="0">
+                            <a:effectLst/>
+                            <a:latin typeface="Calibri" panose="020F0502020204030204" pitchFamily="34" charset="0"/>
+                            <a:ea typeface="Calibri" panose="020F0502020204030204" pitchFamily="34" charset="0"/>
+                            <a:cs typeface="Arial" panose="020B0604020202020204" pitchFamily="34" charset="0"/>
+                          </a:endParaRPr>
+                        </a:p>
+                      </a:txBody>
+                      <a:tcPr marL="28727" marR="28727" marT="0" marB="0"/>
+                    </a:tc>
+                    <a:tc>
+                      <a:txBody>
+                        <a:bodyPr/>
+                        <a:lstStyle/>
+                        <a:p>
+                          <a:pPr algn="ctr">
+                            <a:lnSpc>
+                              <a:spcPct val="100000"/>
+                            </a:lnSpc>
+                            <a:spcAft>
+                              <a:spcPts val="800"/>
+                            </a:spcAft>
+                          </a:pPr>
+                          <a:r>
+                            <a:rPr lang="en-US" sz="1050" b="1" dirty="0">
+                              <a:effectLst/>
+                            </a:rPr>
+                            <a:t> </a:t>
+                          </a:r>
+                          <a:endParaRPr lang="en-US" sz="1050" b="1" dirty="0">
+                            <a:effectLst/>
+                            <a:latin typeface="Calibri" panose="020F0502020204030204" pitchFamily="34" charset="0"/>
+                            <a:ea typeface="Calibri" panose="020F0502020204030204" pitchFamily="34" charset="0"/>
+                            <a:cs typeface="Arial" panose="020B0604020202020204" pitchFamily="34" charset="0"/>
+                          </a:endParaRPr>
+                        </a:p>
+                      </a:txBody>
+                      <a:tcPr marL="28727" marR="28727" marT="0" marB="0"/>
+                    </a:tc>
+                    <a:extLst>
+                      <a:ext uri="{0D108BD9-81ED-4DB2-BD59-A6C34878D82A}">
+                        <a16:rowId xmlns:a16="http://schemas.microsoft.com/office/drawing/2014/main" val="3825272532"/>
+                      </a:ext>
+                    </a:extLst>
+                  </a:tr>
+                  <a:tr h="457244">
+                    <a:tc>
+                      <a:txBody>
+                        <a:bodyPr/>
+                        <a:lstStyle/>
+                        <a:p>
+                          <a:pPr algn="ctr">
+                            <a:lnSpc>
+                              <a:spcPct val="100000"/>
+                            </a:lnSpc>
+                            <a:spcAft>
+                              <a:spcPts val="800"/>
+                            </a:spcAft>
+                          </a:pPr>
+                          <a:r>
+                            <a:rPr lang="en-US" sz="1050" b="1" dirty="0">
+                              <a:effectLst/>
+                            </a:rPr>
+                            <a:t> </a:t>
+                          </a:r>
+                        </a:p>
+                        <a:p>
+                          <a:pPr algn="ctr">
+                            <a:lnSpc>
+                              <a:spcPct val="100000"/>
+                            </a:lnSpc>
+                            <a:spcAft>
+                              <a:spcPts val="800"/>
+                            </a:spcAft>
+                          </a:pPr>
+                          <a:r>
+                            <a:rPr lang="en-US" sz="1050" b="1" dirty="0">
+                              <a:effectLst/>
+                            </a:rPr>
+                            <a:t>Steel</a:t>
+                          </a:r>
+                          <a:endParaRPr lang="en-US" sz="1050" b="1" dirty="0">
+                            <a:effectLst/>
+                            <a:latin typeface="Calibri" panose="020F0502020204030204" pitchFamily="34" charset="0"/>
+                            <a:ea typeface="Calibri" panose="020F0502020204030204" pitchFamily="34" charset="0"/>
+                            <a:cs typeface="Arial" panose="020B0604020202020204" pitchFamily="34" charset="0"/>
+                          </a:endParaRPr>
+                        </a:p>
+                      </a:txBody>
+                      <a:tcPr marL="28727" marR="28727" marT="0" marB="0"/>
+                    </a:tc>
+                    <a:tc>
+                      <a:txBody>
+                        <a:bodyPr/>
+                        <a:lstStyle/>
+                        <a:p>
+                          <a:pPr algn="ctr">
+                            <a:lnSpc>
+                              <a:spcPct val="100000"/>
+                            </a:lnSpc>
+                            <a:spcAft>
+                              <a:spcPts val="800"/>
+                            </a:spcAft>
+                          </a:pPr>
+                          <a:r>
+                            <a:rPr lang="en-US" sz="1050" b="1" dirty="0">
+                              <a:effectLst/>
+                            </a:rPr>
+                            <a:t> 0.3 mm</a:t>
+                          </a:r>
+                          <a:endParaRPr lang="en-US" sz="1050" b="1" dirty="0">
+                            <a:effectLst/>
+                            <a:latin typeface="Calibri" panose="020F0502020204030204" pitchFamily="34" charset="0"/>
+                            <a:ea typeface="Calibri" panose="020F0502020204030204" pitchFamily="34" charset="0"/>
+                            <a:cs typeface="Arial" panose="020B0604020202020204" pitchFamily="34" charset="0"/>
+                          </a:endParaRPr>
+                        </a:p>
+                      </a:txBody>
+                      <a:tcPr marL="28727" marR="28727" marT="0" marB="0"/>
+                    </a:tc>
+                    <a:tc>
+                      <a:txBody>
+                        <a:bodyPr/>
+                        <a:lstStyle/>
+                        <a:p>
+                          <a:pPr algn="ctr">
+                            <a:lnSpc>
+                              <a:spcPct val="100000"/>
+                            </a:lnSpc>
+                            <a:spcAft>
+                              <a:spcPts val="800"/>
+                            </a:spcAft>
+                          </a:pPr>
+                          <a:r>
+                            <a:rPr lang="en-US" sz="1050" b="1" dirty="0">
+                              <a:effectLst/>
+                            </a:rPr>
+                            <a:t> 21.5 KG</a:t>
+                          </a:r>
+                          <a:endParaRPr lang="en-US" sz="1050" b="1" dirty="0">
+                            <a:effectLst/>
+                            <a:latin typeface="Calibri" panose="020F0502020204030204" pitchFamily="34" charset="0"/>
+                            <a:ea typeface="Calibri" panose="020F0502020204030204" pitchFamily="34" charset="0"/>
+                            <a:cs typeface="Arial" panose="020B0604020202020204" pitchFamily="34" charset="0"/>
+                          </a:endParaRPr>
+                        </a:p>
+                      </a:txBody>
+                      <a:tcPr marL="28727" marR="28727" marT="0" marB="0"/>
+                    </a:tc>
+                    <a:tc>
+                      <a:txBody>
+                        <a:bodyPr/>
+                        <a:lstStyle/>
+                        <a:p>
+                          <a:pPr algn="ctr">
+                            <a:lnSpc>
+                              <a:spcPct val="100000"/>
+                            </a:lnSpc>
+                            <a:spcAft>
+                              <a:spcPts val="800"/>
+                            </a:spcAft>
+                          </a:pPr>
+                          <a:r>
+                            <a:rPr lang="en-US" sz="1050" b="1" dirty="0">
+                              <a:effectLst/>
+                            </a:rPr>
+                            <a:t> 350 KG</a:t>
+                          </a:r>
+                          <a:endParaRPr lang="en-US" sz="1050" b="1" dirty="0">
+                            <a:effectLst/>
+                            <a:latin typeface="Calibri" panose="020F0502020204030204" pitchFamily="34" charset="0"/>
+                            <a:ea typeface="Calibri" panose="020F0502020204030204" pitchFamily="34" charset="0"/>
+                            <a:cs typeface="Arial" panose="020B0604020202020204" pitchFamily="34" charset="0"/>
+                          </a:endParaRPr>
+                        </a:p>
+                      </a:txBody>
+                      <a:tcPr marL="28727" marR="28727" marT="0" marB="0"/>
+                    </a:tc>
+                    <a:tc>
+                      <a:txBody>
+                        <a:bodyPr/>
+                        <a:lstStyle/>
+                        <a:p>
+                          <a:pPr algn="ctr">
+                            <a:lnSpc>
+                              <a:spcPct val="100000"/>
+                            </a:lnSpc>
+                            <a:spcAft>
+                              <a:spcPts val="800"/>
+                            </a:spcAft>
+                          </a:pPr>
+                          <a:r>
+                            <a:rPr lang="en-US" sz="1050" b="1" dirty="0">
+                              <a:effectLst/>
+                            </a:rPr>
+                            <a:t> </a:t>
+                          </a:r>
+                          <a14:m>
+                            <m:oMath xmlns:m="http://schemas.openxmlformats.org/officeDocument/2006/math">
+                              <m:r>
+                                <a:rPr lang="en-US" sz="1050" b="1" i="1" smtClean="0">
+                                  <a:effectLst/>
+                                  <a:latin typeface="Cambria Math" panose="02040503050406030204" pitchFamily="18" charset="0"/>
+                                </a:rPr>
+                                <m:t>𝟕</m:t>
+                              </m:r>
+                              <m:r>
+                                <a:rPr lang="en-US" sz="1050" b="1">
+                                  <a:effectLst/>
+                                  <a:latin typeface="Cambria Math" panose="02040503050406030204" pitchFamily="18" charset="0"/>
+                                </a:rPr>
+                                <m:t>.</m:t>
+                              </m:r>
+                              <m:r>
+                                <a:rPr lang="en-US" sz="1050" b="1" i="1">
+                                  <a:effectLst/>
+                                  <a:latin typeface="Cambria Math" panose="02040503050406030204" pitchFamily="18" charset="0"/>
+                                </a:rPr>
+                                <m:t>𝟓</m:t>
+                              </m:r>
+                              <m:r>
+                                <a:rPr lang="en-US" sz="1050" b="1">
+                                  <a:effectLst/>
+                                  <a:latin typeface="Cambria Math" panose="02040503050406030204" pitchFamily="18" charset="0"/>
+                                </a:rPr>
+                                <m:t>×</m:t>
+                              </m:r>
+                              <m:sSup>
+                                <m:sSupPr>
+                                  <m:ctrlPr>
+                                    <a:rPr lang="en-US" sz="1050" b="1">
+                                      <a:effectLst/>
+                                    </a:rPr>
+                                  </m:ctrlPr>
+                                </m:sSupPr>
+                                <m:e>
+                                  <m:r>
+                                    <a:rPr lang="en-US" sz="1050" b="1" i="1" smtClean="0">
+                                      <a:effectLst/>
+                                      <a:latin typeface="Cambria Math" panose="02040503050406030204" pitchFamily="18" charset="0"/>
+                                    </a:rPr>
+                                    <m:t>𝟏𝟎</m:t>
+                                  </m:r>
+                                </m:e>
+                                <m:sup>
+                                  <m:r>
+                                    <a:rPr lang="en-US" sz="1050" b="1" smtClean="0">
+                                      <a:effectLst/>
+                                      <a:latin typeface="Cambria Math" panose="02040503050406030204" pitchFamily="18" charset="0"/>
+                                    </a:rPr>
+                                    <m:t>−</m:t>
+                                  </m:r>
+                                  <m:r>
+                                    <a:rPr lang="en-US" sz="1050" b="1" i="1">
+                                      <a:effectLst/>
+                                      <a:latin typeface="Cambria Math" panose="02040503050406030204" pitchFamily="18" charset="0"/>
+                                    </a:rPr>
+                                    <m:t>𝟏</m:t>
+                                  </m:r>
+                                </m:sup>
+                              </m:sSup>
+                            </m:oMath>
+                          </a14:m>
+                          <a:endParaRPr lang="en-US" sz="1050" b="1" dirty="0">
+                            <a:effectLst/>
+                          </a:endParaRPr>
+                        </a:p>
+                        <a:p>
+                          <a:pPr algn="ctr">
+                            <a:lnSpc>
+                              <a:spcPct val="100000"/>
+                            </a:lnSpc>
+                            <a:spcAft>
+                              <a:spcPts val="800"/>
+                            </a:spcAft>
+                          </a:pPr>
+                          <a14:m>
+                            <m:oMathPara xmlns:m="http://schemas.openxmlformats.org/officeDocument/2006/math">
+                              <m:oMathParaPr>
+                                <m:jc m:val="centerGroup"/>
+                              </m:oMathParaPr>
+                              <m:oMath xmlns:m="http://schemas.openxmlformats.org/officeDocument/2006/math">
+                                <m:r>
+                                  <a:rPr lang="en-US" sz="1050" b="1" smtClean="0">
+                                    <a:effectLst/>
+                                    <a:latin typeface="Cambria Math" panose="02040503050406030204" pitchFamily="18" charset="0"/>
+                                  </a:rPr>
+                                  <m:t> </m:t>
+                                </m:r>
+                                <m:r>
+                                  <a:rPr lang="en-US" sz="1050" b="1" i="1">
+                                    <a:effectLst/>
+                                    <a:latin typeface="Cambria Math" panose="02040503050406030204" pitchFamily="18" charset="0"/>
+                                  </a:rPr>
+                                  <m:t>𝐦𝐦</m:t>
+                                </m:r>
+                              </m:oMath>
+                            </m:oMathPara>
+                          </a14:m>
+                          <a:endParaRPr lang="en-US" sz="1050" b="1" dirty="0">
+                            <a:effectLst/>
+                            <a:latin typeface="Calibri" panose="020F0502020204030204" pitchFamily="34" charset="0"/>
+                            <a:ea typeface="Calibri" panose="020F0502020204030204" pitchFamily="34" charset="0"/>
+                            <a:cs typeface="Arial" panose="020B0604020202020204" pitchFamily="34" charset="0"/>
+                          </a:endParaRPr>
+                        </a:p>
+                      </a:txBody>
+                      <a:tcPr marL="28727" marR="28727" marT="0" marB="0"/>
+                    </a:tc>
+                    <a:tc>
+                      <a:txBody>
+                        <a:bodyPr/>
+                        <a:lstStyle/>
+                        <a:p>
+                          <a:pPr algn="ctr">
+                            <a:lnSpc>
+                              <a:spcPct val="100000"/>
+                            </a:lnSpc>
+                            <a:spcAft>
+                              <a:spcPts val="800"/>
+                            </a:spcAft>
+                          </a:pPr>
+                          <a:r>
+                            <a:rPr lang="en-US" sz="1050" b="1" dirty="0">
+                              <a:effectLst/>
+                            </a:rPr>
+                            <a:t> </a:t>
+                          </a:r>
+                          <a:endParaRPr lang="en-US" sz="1050" b="1" dirty="0">
+                            <a:effectLst/>
+                            <a:latin typeface="Calibri" panose="020F0502020204030204" pitchFamily="34" charset="0"/>
+                            <a:ea typeface="Calibri" panose="020F0502020204030204" pitchFamily="34" charset="0"/>
+                            <a:cs typeface="Arial" panose="020B0604020202020204" pitchFamily="34" charset="0"/>
+                          </a:endParaRPr>
+                        </a:p>
+                      </a:txBody>
+                      <a:tcPr marL="28727" marR="28727" marT="0" marB="0"/>
+                    </a:tc>
+                    <a:extLst>
+                      <a:ext uri="{0D108BD9-81ED-4DB2-BD59-A6C34878D82A}">
+                        <a16:rowId xmlns:a16="http://schemas.microsoft.com/office/drawing/2014/main" val="2983160938"/>
+                      </a:ext>
+                    </a:extLst>
+                  </a:tr>
+                  <a:tr h="365883">
+                    <a:tc>
+                      <a:txBody>
+                        <a:bodyPr/>
+                        <a:lstStyle/>
+                        <a:p>
+                          <a:pPr algn="ctr">
+                            <a:lnSpc>
+                              <a:spcPct val="100000"/>
+                            </a:lnSpc>
+                            <a:spcAft>
+                              <a:spcPts val="800"/>
+                            </a:spcAft>
+                          </a:pPr>
+                          <a:r>
+                            <a:rPr lang="en-US" sz="1050" b="1" dirty="0">
+                              <a:effectLst/>
+                            </a:rPr>
+                            <a:t> Aluminum</a:t>
+                          </a:r>
+                          <a:endParaRPr lang="en-US" sz="1050" b="1" dirty="0">
+                            <a:effectLst/>
+                            <a:latin typeface="Calibri" panose="020F0502020204030204" pitchFamily="34" charset="0"/>
+                            <a:ea typeface="Calibri" panose="020F0502020204030204" pitchFamily="34" charset="0"/>
+                            <a:cs typeface="Arial" panose="020B0604020202020204" pitchFamily="34" charset="0"/>
+                          </a:endParaRPr>
+                        </a:p>
+                      </a:txBody>
+                      <a:tcPr marL="28727" marR="28727" marT="0" marB="0"/>
+                    </a:tc>
+                    <a:tc>
+                      <a:txBody>
+                        <a:bodyPr/>
+                        <a:lstStyle/>
+                        <a:p>
+                          <a:pPr algn="ctr">
+                            <a:lnSpc>
+                              <a:spcPct val="100000"/>
+                            </a:lnSpc>
+                            <a:spcAft>
+                              <a:spcPts val="800"/>
+                            </a:spcAft>
+                          </a:pPr>
+                          <a:r>
+                            <a:rPr lang="en-US" sz="1050" b="1" dirty="0">
+                              <a:effectLst/>
+                            </a:rPr>
+                            <a:t> 0.2 mm</a:t>
+                          </a:r>
+                          <a:endParaRPr lang="en-US" sz="1050" b="1" dirty="0">
+                            <a:effectLst/>
+                            <a:latin typeface="Calibri" panose="020F0502020204030204" pitchFamily="34" charset="0"/>
+                            <a:ea typeface="Calibri" panose="020F0502020204030204" pitchFamily="34" charset="0"/>
+                            <a:cs typeface="Arial" panose="020B0604020202020204" pitchFamily="34" charset="0"/>
+                          </a:endParaRPr>
+                        </a:p>
+                      </a:txBody>
+                      <a:tcPr marL="28727" marR="28727" marT="0" marB="0"/>
+                    </a:tc>
+                    <a:tc>
+                      <a:txBody>
+                        <a:bodyPr/>
+                        <a:lstStyle/>
+                        <a:p>
+                          <a:pPr algn="ctr">
+                            <a:lnSpc>
+                              <a:spcPct val="100000"/>
+                            </a:lnSpc>
+                            <a:spcAft>
+                              <a:spcPts val="800"/>
+                            </a:spcAft>
+                          </a:pPr>
+                          <a:r>
+                            <a:rPr lang="en-US" sz="1050" b="1" dirty="0">
+                              <a:effectLst/>
+                            </a:rPr>
+                            <a:t> 5.5 KG</a:t>
+                          </a:r>
+                          <a:endParaRPr lang="en-US" sz="1050" b="1" dirty="0">
+                            <a:effectLst/>
+                            <a:latin typeface="Calibri" panose="020F0502020204030204" pitchFamily="34" charset="0"/>
+                            <a:ea typeface="Calibri" panose="020F0502020204030204" pitchFamily="34" charset="0"/>
+                            <a:cs typeface="Arial" panose="020B0604020202020204" pitchFamily="34" charset="0"/>
+                          </a:endParaRPr>
+                        </a:p>
+                      </a:txBody>
+                      <a:tcPr marL="28727" marR="28727" marT="0" marB="0"/>
+                    </a:tc>
+                    <a:tc>
+                      <a:txBody>
+                        <a:bodyPr/>
+                        <a:lstStyle/>
+                        <a:p>
+                          <a:pPr algn="ctr">
+                            <a:lnSpc>
+                              <a:spcPct val="100000"/>
+                            </a:lnSpc>
+                            <a:spcAft>
+                              <a:spcPts val="800"/>
+                            </a:spcAft>
+                          </a:pPr>
+                          <a:r>
+                            <a:rPr lang="en-US" sz="1050" b="1" dirty="0">
+                              <a:effectLst/>
+                            </a:rPr>
+                            <a:t> 250 KG</a:t>
+                          </a:r>
+                          <a:endParaRPr lang="en-US" sz="1050" b="1" dirty="0">
+                            <a:effectLst/>
+                            <a:latin typeface="Calibri" panose="020F0502020204030204" pitchFamily="34" charset="0"/>
+                            <a:ea typeface="Calibri" panose="020F0502020204030204" pitchFamily="34" charset="0"/>
+                            <a:cs typeface="Arial" panose="020B0604020202020204" pitchFamily="34" charset="0"/>
+                          </a:endParaRPr>
+                        </a:p>
+                      </a:txBody>
+                      <a:tcPr marL="28727" marR="28727" marT="0" marB="0"/>
+                    </a:tc>
+                    <a:tc>
+                      <a:txBody>
+                        <a:bodyPr/>
+                        <a:lstStyle/>
+                        <a:p>
+                          <a:pPr algn="ctr">
+                            <a:lnSpc>
+                              <a:spcPct val="100000"/>
+                            </a:lnSpc>
+                            <a:spcAft>
+                              <a:spcPts val="800"/>
+                            </a:spcAft>
+                          </a:pPr>
+                          <a:r>
+                            <a:rPr lang="en-US" sz="1050" b="1" dirty="0">
+                              <a:effectLst/>
+                            </a:rPr>
+                            <a:t> 1.5 mm</a:t>
+                          </a:r>
+                          <a:endParaRPr lang="en-US" sz="1050" b="1" dirty="0">
+                            <a:effectLst/>
+                            <a:latin typeface="Calibri" panose="020F0502020204030204" pitchFamily="34" charset="0"/>
+                            <a:ea typeface="Calibri" panose="020F0502020204030204" pitchFamily="34" charset="0"/>
+                            <a:cs typeface="Arial" panose="020B0604020202020204" pitchFamily="34" charset="0"/>
+                          </a:endParaRPr>
+                        </a:p>
+                      </a:txBody>
+                      <a:tcPr marL="28727" marR="28727" marT="0" marB="0"/>
+                    </a:tc>
+                    <a:tc>
+                      <a:txBody>
+                        <a:bodyPr/>
+                        <a:lstStyle/>
+                        <a:p>
+                          <a:pPr algn="ctr">
+                            <a:lnSpc>
+                              <a:spcPct val="100000"/>
+                            </a:lnSpc>
+                            <a:spcAft>
+                              <a:spcPts val="800"/>
+                            </a:spcAft>
+                          </a:pPr>
+                          <a:r>
+                            <a:rPr lang="en-US" sz="1050" b="1" dirty="0">
+                              <a:effectLst/>
+                            </a:rPr>
+                            <a:t> </a:t>
+                          </a:r>
+                        </a:p>
+                        <a:p>
+                          <a:pPr algn="ctr">
+                            <a:lnSpc>
+                              <a:spcPct val="100000"/>
+                            </a:lnSpc>
+                            <a:spcAft>
+                              <a:spcPts val="800"/>
+                            </a:spcAft>
+                          </a:pPr>
+                          <a:r>
+                            <a:rPr lang="en-US" sz="1050" b="1" dirty="0">
+                              <a:effectLst/>
+                            </a:rPr>
+                            <a:t> </a:t>
+                          </a:r>
+                          <a:endParaRPr lang="en-US" sz="1050" b="1" dirty="0">
+                            <a:effectLst/>
+                            <a:latin typeface="Calibri" panose="020F0502020204030204" pitchFamily="34" charset="0"/>
+                            <a:ea typeface="Calibri" panose="020F0502020204030204" pitchFamily="34" charset="0"/>
+                            <a:cs typeface="Arial" panose="020B0604020202020204" pitchFamily="34" charset="0"/>
+                          </a:endParaRPr>
+                        </a:p>
+                      </a:txBody>
+                      <a:tcPr marL="28727" marR="28727" marT="0" marB="0"/>
+                    </a:tc>
+                    <a:extLst>
+                      <a:ext uri="{0D108BD9-81ED-4DB2-BD59-A6C34878D82A}">
+                        <a16:rowId xmlns:a16="http://schemas.microsoft.com/office/drawing/2014/main" val="293046006"/>
+                      </a:ext>
+                    </a:extLst>
+                  </a:tr>
+                  <a:tr h="195810">
+                    <a:tc>
+                      <a:txBody>
+                        <a:bodyPr/>
+                        <a:lstStyle/>
+                        <a:p>
+                          <a:pPr algn="ctr">
+                            <a:lnSpc>
+                              <a:spcPct val="100000"/>
+                            </a:lnSpc>
+                            <a:spcAft>
+                              <a:spcPts val="800"/>
+                            </a:spcAft>
+                          </a:pPr>
+                          <a:r>
+                            <a:rPr lang="en-US" sz="1050" b="1" dirty="0">
+                              <a:effectLst/>
+                            </a:rPr>
+                            <a:t>Aluminum</a:t>
+                          </a:r>
+                          <a:endParaRPr lang="en-US" sz="1050" b="1" dirty="0">
+                            <a:effectLst/>
+                            <a:latin typeface="Calibri" panose="020F0502020204030204" pitchFamily="34" charset="0"/>
+                            <a:ea typeface="Calibri" panose="020F0502020204030204" pitchFamily="34" charset="0"/>
+                            <a:cs typeface="Arial" panose="020B0604020202020204" pitchFamily="34" charset="0"/>
+                          </a:endParaRPr>
+                        </a:p>
+                      </a:txBody>
+                      <a:tcPr marL="28727" marR="28727" marT="0" marB="0"/>
+                    </a:tc>
+                    <a:tc>
+                      <a:txBody>
+                        <a:bodyPr/>
+                        <a:lstStyle/>
+                        <a:p>
+                          <a:pPr algn="ctr">
+                            <a:lnSpc>
+                              <a:spcPct val="100000"/>
+                            </a:lnSpc>
+                            <a:spcAft>
+                              <a:spcPts val="800"/>
+                            </a:spcAft>
+                          </a:pPr>
+                          <a:r>
+                            <a:rPr lang="en-US" sz="1050" b="1" dirty="0">
+                              <a:effectLst/>
+                            </a:rPr>
+                            <a:t> 0.3 mm</a:t>
+                          </a:r>
+                          <a:endParaRPr lang="en-US" sz="1050" b="1" dirty="0">
+                            <a:effectLst/>
+                            <a:latin typeface="Calibri" panose="020F0502020204030204" pitchFamily="34" charset="0"/>
+                            <a:ea typeface="Calibri" panose="020F0502020204030204" pitchFamily="34" charset="0"/>
+                            <a:cs typeface="Arial" panose="020B0604020202020204" pitchFamily="34" charset="0"/>
+                          </a:endParaRPr>
+                        </a:p>
+                      </a:txBody>
+                      <a:tcPr marL="28727" marR="28727" marT="0" marB="0"/>
+                    </a:tc>
+                    <a:tc>
+                      <a:txBody>
+                        <a:bodyPr/>
+                        <a:lstStyle/>
+                        <a:p>
+                          <a:pPr algn="ctr">
+                            <a:lnSpc>
+                              <a:spcPct val="100000"/>
+                            </a:lnSpc>
+                            <a:spcAft>
+                              <a:spcPts val="800"/>
+                            </a:spcAft>
+                          </a:pPr>
+                          <a:r>
+                            <a:rPr lang="en-US" sz="1050" b="1" dirty="0">
+                              <a:effectLst/>
+                            </a:rPr>
+                            <a:t> 8KG</a:t>
+                          </a:r>
+                          <a:endParaRPr lang="en-US" sz="1050" b="1" dirty="0">
+                            <a:effectLst/>
+                            <a:latin typeface="Calibri" panose="020F0502020204030204" pitchFamily="34" charset="0"/>
+                            <a:ea typeface="Calibri" panose="020F0502020204030204" pitchFamily="34" charset="0"/>
+                            <a:cs typeface="Arial" panose="020B0604020202020204" pitchFamily="34" charset="0"/>
+                          </a:endParaRPr>
+                        </a:p>
+                      </a:txBody>
+                      <a:tcPr marL="28727" marR="28727" marT="0" marB="0"/>
+                    </a:tc>
+                    <a:tc>
+                      <a:txBody>
+                        <a:bodyPr/>
+                        <a:lstStyle/>
+                        <a:p>
+                          <a:pPr algn="ctr">
+                            <a:lnSpc>
+                              <a:spcPct val="100000"/>
+                            </a:lnSpc>
+                            <a:spcAft>
+                              <a:spcPts val="800"/>
+                            </a:spcAft>
+                          </a:pPr>
+                          <a:r>
+                            <a:rPr lang="en-US" sz="1050" b="1" dirty="0">
+                              <a:effectLst/>
+                            </a:rPr>
+                            <a:t> 250 kg</a:t>
+                          </a:r>
+                          <a:endParaRPr lang="en-US" sz="1050" b="1" dirty="0">
+                            <a:effectLst/>
+                            <a:latin typeface="Calibri" panose="020F0502020204030204" pitchFamily="34" charset="0"/>
+                            <a:ea typeface="Calibri" panose="020F0502020204030204" pitchFamily="34" charset="0"/>
+                            <a:cs typeface="Arial" panose="020B0604020202020204" pitchFamily="34" charset="0"/>
+                          </a:endParaRPr>
+                        </a:p>
+                      </a:txBody>
+                      <a:tcPr marL="28727" marR="28727" marT="0" marB="0"/>
+                    </a:tc>
+                    <a:tc>
+                      <a:txBody>
+                        <a:bodyPr/>
+                        <a:lstStyle/>
+                        <a:p>
+                          <a:pPr algn="ctr">
+                            <a:lnSpc>
+                              <a:spcPct val="100000"/>
+                            </a:lnSpc>
+                            <a:spcAft>
+                              <a:spcPts val="800"/>
+                            </a:spcAft>
+                          </a:pPr>
+                          <a:r>
+                            <a:rPr lang="en-US" sz="1050" b="1" dirty="0">
+                              <a:effectLst/>
+                            </a:rPr>
+                            <a:t> 1.22 mm</a:t>
+                          </a:r>
+                          <a:endParaRPr lang="en-US" sz="1050" b="1" dirty="0">
+                            <a:effectLst/>
+                            <a:latin typeface="Calibri" panose="020F0502020204030204" pitchFamily="34" charset="0"/>
+                            <a:ea typeface="Calibri" panose="020F0502020204030204" pitchFamily="34" charset="0"/>
+                            <a:cs typeface="Arial" panose="020B0604020202020204" pitchFamily="34" charset="0"/>
+                          </a:endParaRPr>
+                        </a:p>
+                      </a:txBody>
+                      <a:tcPr marL="28727" marR="28727" marT="0" marB="0"/>
+                    </a:tc>
+                    <a:tc>
+                      <a:txBody>
+                        <a:bodyPr/>
+                        <a:lstStyle/>
+                        <a:p>
+                          <a:pPr algn="ctr">
+                            <a:lnSpc>
+                              <a:spcPct val="100000"/>
+                            </a:lnSpc>
+                            <a:spcAft>
+                              <a:spcPts val="800"/>
+                            </a:spcAft>
+                          </a:pPr>
+                          <a:r>
+                            <a:rPr lang="en-US" sz="1050" b="1" dirty="0">
+                              <a:effectLst/>
+                            </a:rPr>
+                            <a:t> </a:t>
+                          </a:r>
+                          <a:endParaRPr lang="en-US" sz="1050" b="1" dirty="0">
+                            <a:effectLst/>
+                            <a:latin typeface="Calibri" panose="020F0502020204030204" pitchFamily="34" charset="0"/>
+                            <a:ea typeface="Calibri" panose="020F0502020204030204" pitchFamily="34" charset="0"/>
+                            <a:cs typeface="Arial" panose="020B0604020202020204" pitchFamily="34" charset="0"/>
+                          </a:endParaRPr>
+                        </a:p>
+                      </a:txBody>
+                      <a:tcPr marL="28727" marR="28727" marT="0" marB="0"/>
+                    </a:tc>
+                    <a:extLst>
+                      <a:ext uri="{0D108BD9-81ED-4DB2-BD59-A6C34878D82A}">
+                        <a16:rowId xmlns:a16="http://schemas.microsoft.com/office/drawing/2014/main" val="1273504914"/>
+                      </a:ext>
+                    </a:extLst>
+                  </a:tr>
+                  <a:tr h="457244">
+                    <a:tc>
+                      <a:txBody>
+                        <a:bodyPr/>
+                        <a:lstStyle/>
+                        <a:p>
+                          <a:pPr algn="ctr">
+                            <a:lnSpc>
+                              <a:spcPct val="100000"/>
+                            </a:lnSpc>
+                            <a:spcAft>
+                              <a:spcPts val="800"/>
+                            </a:spcAft>
+                          </a:pPr>
+                          <a:endParaRPr lang="en-US" sz="1050" b="1" dirty="0">
+                            <a:effectLst/>
+                          </a:endParaRPr>
+                        </a:p>
+                        <a:p>
+                          <a:pPr algn="ctr">
+                            <a:lnSpc>
+                              <a:spcPct val="100000"/>
+                            </a:lnSpc>
+                            <a:spcAft>
+                              <a:spcPts val="800"/>
+                            </a:spcAft>
+                          </a:pPr>
+                          <a:r>
+                            <a:rPr lang="en-US" sz="1050" b="1" dirty="0">
+                              <a:effectLst/>
+                            </a:rPr>
+                            <a:t> Stainless Steel</a:t>
+                          </a:r>
+                          <a:endParaRPr lang="en-US" sz="1050" b="1" dirty="0">
+                            <a:effectLst/>
+                            <a:latin typeface="Calibri" panose="020F0502020204030204" pitchFamily="34" charset="0"/>
+                            <a:ea typeface="Calibri" panose="020F0502020204030204" pitchFamily="34" charset="0"/>
+                            <a:cs typeface="Arial" panose="020B0604020202020204" pitchFamily="34" charset="0"/>
+                          </a:endParaRPr>
+                        </a:p>
+                      </a:txBody>
+                      <a:tcPr marL="28727" marR="28727" marT="0" marB="0"/>
+                    </a:tc>
+                    <a:tc>
+                      <a:txBody>
+                        <a:bodyPr/>
+                        <a:lstStyle/>
+                        <a:p>
+                          <a:pPr algn="ctr">
+                            <a:lnSpc>
+                              <a:spcPct val="100000"/>
+                            </a:lnSpc>
+                            <a:spcAft>
+                              <a:spcPts val="800"/>
+                            </a:spcAft>
+                          </a:pPr>
+                          <a:r>
+                            <a:rPr lang="en-US" sz="1050" b="1" dirty="0">
+                              <a:effectLst/>
+                            </a:rPr>
+                            <a:t> 0.2 mm</a:t>
+                          </a:r>
+                          <a:endParaRPr lang="en-US" sz="1050" b="1" dirty="0">
+                            <a:effectLst/>
+                            <a:latin typeface="Calibri" panose="020F0502020204030204" pitchFamily="34" charset="0"/>
+                            <a:ea typeface="Calibri" panose="020F0502020204030204" pitchFamily="34" charset="0"/>
+                            <a:cs typeface="Arial" panose="020B0604020202020204" pitchFamily="34" charset="0"/>
+                          </a:endParaRPr>
+                        </a:p>
+                      </a:txBody>
+                      <a:tcPr marL="28727" marR="28727" marT="0" marB="0"/>
+                    </a:tc>
+                    <a:tc>
+                      <a:txBody>
+                        <a:bodyPr/>
+                        <a:lstStyle/>
+                        <a:p>
+                          <a:pPr algn="ctr">
+                            <a:lnSpc>
+                              <a:spcPct val="100000"/>
+                            </a:lnSpc>
+                            <a:spcAft>
+                              <a:spcPts val="800"/>
+                            </a:spcAft>
+                          </a:pPr>
+                          <a:r>
+                            <a:rPr lang="en-US" sz="1050" b="1" dirty="0">
+                              <a:effectLst/>
+                            </a:rPr>
+                            <a:t> 16 KG</a:t>
+                          </a:r>
+                          <a:endParaRPr lang="en-US" sz="1050" b="1" dirty="0">
+                            <a:effectLst/>
+                            <a:latin typeface="Calibri" panose="020F0502020204030204" pitchFamily="34" charset="0"/>
+                            <a:ea typeface="Calibri" panose="020F0502020204030204" pitchFamily="34" charset="0"/>
+                            <a:cs typeface="Arial" panose="020B0604020202020204" pitchFamily="34" charset="0"/>
+                          </a:endParaRPr>
+                        </a:p>
+                      </a:txBody>
+                      <a:tcPr marL="28727" marR="28727" marT="0" marB="0"/>
+                    </a:tc>
+                    <a:tc>
+                      <a:txBody>
+                        <a:bodyPr/>
+                        <a:lstStyle/>
+                        <a:p>
+                          <a:pPr algn="ctr">
+                            <a:lnSpc>
+                              <a:spcPct val="100000"/>
+                            </a:lnSpc>
+                            <a:spcAft>
+                              <a:spcPts val="800"/>
+                            </a:spcAft>
+                          </a:pPr>
+                          <a:r>
+                            <a:rPr lang="en-US" sz="1050" b="1" dirty="0">
+                              <a:effectLst/>
+                            </a:rPr>
+                            <a:t> 250 KG</a:t>
+                          </a:r>
+                          <a:endParaRPr lang="en-US" sz="1050" b="1" dirty="0">
+                            <a:effectLst/>
+                            <a:latin typeface="Calibri" panose="020F0502020204030204" pitchFamily="34" charset="0"/>
+                            <a:ea typeface="Calibri" panose="020F0502020204030204" pitchFamily="34" charset="0"/>
+                            <a:cs typeface="Arial" panose="020B0604020202020204" pitchFamily="34" charset="0"/>
+                          </a:endParaRPr>
+                        </a:p>
+                      </a:txBody>
+                      <a:tcPr marL="28727" marR="28727" marT="0" marB="0"/>
+                    </a:tc>
+                    <a:tc>
+                      <a:txBody>
+                        <a:bodyPr/>
+                        <a:lstStyle/>
+                        <a:p>
+                          <a:pPr algn="ctr">
+                            <a:lnSpc>
+                              <a:spcPct val="100000"/>
+                            </a:lnSpc>
+                            <a:spcAft>
+                              <a:spcPts val="800"/>
+                            </a:spcAft>
+                          </a:pPr>
+                          <a:r>
+                            <a:rPr lang="en-US" sz="1050" b="1" dirty="0">
+                              <a:effectLst/>
+                            </a:rPr>
+                            <a:t> </a:t>
+                          </a:r>
+                          <a14:m>
+                            <m:oMath xmlns:m="http://schemas.openxmlformats.org/officeDocument/2006/math">
+                              <m:r>
+                                <a:rPr lang="en-US" sz="1050" b="1" i="1" smtClean="0">
+                                  <a:effectLst/>
+                                  <a:latin typeface="Cambria Math" panose="02040503050406030204" pitchFamily="18" charset="0"/>
+                                </a:rPr>
+                                <m:t>𝟖</m:t>
+                              </m:r>
+                              <m:r>
+                                <a:rPr lang="en-US" sz="1050" b="1">
+                                  <a:effectLst/>
+                                  <a:latin typeface="Cambria Math" panose="02040503050406030204" pitchFamily="18" charset="0"/>
+                                </a:rPr>
+                                <m:t>.</m:t>
+                              </m:r>
+                              <m:r>
+                                <a:rPr lang="en-US" sz="1050" b="1" i="1">
+                                  <a:effectLst/>
+                                  <a:latin typeface="Cambria Math" panose="02040503050406030204" pitchFamily="18" charset="0"/>
+                                </a:rPr>
+                                <m:t>𝟎𝟐</m:t>
+                              </m:r>
+                              <m:r>
+                                <a:rPr lang="en-US" sz="1050" b="1">
+                                  <a:effectLst/>
+                                  <a:latin typeface="Cambria Math" panose="02040503050406030204" pitchFamily="18" charset="0"/>
+                                </a:rPr>
+                                <m:t>×</m:t>
+                              </m:r>
+                              <m:sSup>
+                                <m:sSupPr>
+                                  <m:ctrlPr>
+                                    <a:rPr lang="en-US" sz="1050" b="1">
+                                      <a:effectLst/>
+                                    </a:rPr>
+                                  </m:ctrlPr>
+                                </m:sSupPr>
+                                <m:e>
+                                  <m:r>
+                                    <a:rPr lang="en-US" sz="1050" b="1" i="1" smtClean="0">
+                                      <a:effectLst/>
+                                      <a:latin typeface="Cambria Math" panose="02040503050406030204" pitchFamily="18" charset="0"/>
+                                    </a:rPr>
+                                    <m:t>𝟏𝟎</m:t>
+                                  </m:r>
+                                </m:e>
+                                <m:sup>
+                                  <m:r>
+                                    <a:rPr lang="en-US" sz="1050" b="1" smtClean="0">
+                                      <a:effectLst/>
+                                      <a:latin typeface="Cambria Math" panose="02040503050406030204" pitchFamily="18" charset="0"/>
+                                    </a:rPr>
+                                    <m:t>−</m:t>
+                                  </m:r>
+                                  <m:r>
+                                    <a:rPr lang="en-US" sz="1050" b="1" i="1">
+                                      <a:effectLst/>
+                                      <a:latin typeface="Cambria Math" panose="02040503050406030204" pitchFamily="18" charset="0"/>
+                                    </a:rPr>
+                                    <m:t>𝟏</m:t>
+                                  </m:r>
+                                </m:sup>
+                              </m:sSup>
+                            </m:oMath>
+                          </a14:m>
+                          <a:endParaRPr lang="en-US" sz="1050" b="1" dirty="0">
+                            <a:effectLst/>
+                          </a:endParaRPr>
+                        </a:p>
+                        <a:p>
+                          <a:pPr algn="ctr">
+                            <a:lnSpc>
+                              <a:spcPct val="100000"/>
+                            </a:lnSpc>
+                            <a:spcAft>
+                              <a:spcPts val="800"/>
+                            </a:spcAft>
+                          </a:pPr>
+                          <a14:m>
+                            <m:oMathPara xmlns:m="http://schemas.openxmlformats.org/officeDocument/2006/math">
+                              <m:oMathParaPr>
+                                <m:jc m:val="centerGroup"/>
+                              </m:oMathParaPr>
+                              <m:oMath xmlns:m="http://schemas.openxmlformats.org/officeDocument/2006/math">
+                                <m:r>
+                                  <a:rPr lang="en-US" sz="1050" b="1" smtClean="0">
+                                    <a:effectLst/>
+                                    <a:latin typeface="Cambria Math" panose="02040503050406030204" pitchFamily="18" charset="0"/>
+                                  </a:rPr>
+                                  <m:t> </m:t>
+                                </m:r>
+                                <m:r>
+                                  <a:rPr lang="en-US" sz="1050" b="1" i="1">
+                                    <a:effectLst/>
+                                    <a:latin typeface="Cambria Math" panose="02040503050406030204" pitchFamily="18" charset="0"/>
+                                  </a:rPr>
+                                  <m:t>𝐦𝐦</m:t>
+                                </m:r>
+                              </m:oMath>
+                            </m:oMathPara>
+                          </a14:m>
+                          <a:endParaRPr lang="en-US" sz="1050" b="1" dirty="0">
+                            <a:effectLst/>
+                            <a:latin typeface="Calibri" panose="020F0502020204030204" pitchFamily="34" charset="0"/>
+                            <a:ea typeface="Calibri" panose="020F0502020204030204" pitchFamily="34" charset="0"/>
+                            <a:cs typeface="Arial" panose="020B0604020202020204" pitchFamily="34" charset="0"/>
+                          </a:endParaRPr>
+                        </a:p>
+                      </a:txBody>
+                      <a:tcPr marL="28727" marR="28727" marT="0" marB="0"/>
+                    </a:tc>
+                    <a:tc>
+                      <a:txBody>
+                        <a:bodyPr/>
+                        <a:lstStyle/>
+                        <a:p>
+                          <a:pPr algn="ctr">
+                            <a:lnSpc>
+                              <a:spcPct val="100000"/>
+                            </a:lnSpc>
+                            <a:spcAft>
+                              <a:spcPts val="800"/>
+                            </a:spcAft>
+                          </a:pPr>
+                          <a:r>
+                            <a:rPr lang="en-US" sz="1050" b="1" dirty="0">
+                              <a:effectLst/>
+                            </a:rPr>
+                            <a:t> </a:t>
+                          </a:r>
+                          <a:endParaRPr lang="en-US" sz="1050" b="1" dirty="0">
+                            <a:effectLst/>
+                            <a:latin typeface="Calibri" panose="020F0502020204030204" pitchFamily="34" charset="0"/>
+                            <a:ea typeface="Calibri" panose="020F0502020204030204" pitchFamily="34" charset="0"/>
+                            <a:cs typeface="Arial" panose="020B0604020202020204" pitchFamily="34" charset="0"/>
+                          </a:endParaRPr>
+                        </a:p>
+                      </a:txBody>
+                      <a:tcPr marL="28727" marR="28727" marT="0" marB="0"/>
+                    </a:tc>
+                    <a:extLst>
+                      <a:ext uri="{0D108BD9-81ED-4DB2-BD59-A6C34878D82A}">
+                        <a16:rowId xmlns:a16="http://schemas.microsoft.com/office/drawing/2014/main" val="11570053"/>
+                      </a:ext>
+                    </a:extLst>
+                  </a:tr>
+                  <a:tr h="457244">
+                    <a:tc>
+                      <a:txBody>
+                        <a:bodyPr/>
+                        <a:lstStyle/>
+                        <a:p>
+                          <a:pPr algn="ctr">
+                            <a:lnSpc>
+                              <a:spcPct val="100000"/>
+                            </a:lnSpc>
+                            <a:spcAft>
+                              <a:spcPts val="800"/>
+                            </a:spcAft>
+                          </a:pPr>
+                          <a:r>
+                            <a:rPr lang="en-US" sz="1050" b="1" dirty="0">
+                              <a:effectLst/>
+                            </a:rPr>
+                            <a:t> </a:t>
+                          </a:r>
+                        </a:p>
+                        <a:p>
+                          <a:pPr algn="ctr">
+                            <a:lnSpc>
+                              <a:spcPct val="100000"/>
+                            </a:lnSpc>
+                            <a:spcAft>
+                              <a:spcPts val="800"/>
+                            </a:spcAft>
+                          </a:pPr>
+                          <a:r>
+                            <a:rPr lang="en-US" sz="1050" b="1" dirty="0">
+                              <a:effectLst/>
+                            </a:rPr>
+                            <a:t>Stainless Steel</a:t>
+                          </a:r>
+                          <a:endParaRPr lang="en-US" sz="1050" b="1" dirty="0">
+                            <a:effectLst/>
+                            <a:latin typeface="Calibri" panose="020F0502020204030204" pitchFamily="34" charset="0"/>
+                            <a:ea typeface="Calibri" panose="020F0502020204030204" pitchFamily="34" charset="0"/>
+                            <a:cs typeface="Arial" panose="020B0604020202020204" pitchFamily="34" charset="0"/>
+                          </a:endParaRPr>
+                        </a:p>
+                      </a:txBody>
+                      <a:tcPr marL="28727" marR="28727" marT="0" marB="0"/>
+                    </a:tc>
+                    <a:tc>
+                      <a:txBody>
+                        <a:bodyPr/>
+                        <a:lstStyle/>
+                        <a:p>
+                          <a:pPr algn="ctr">
+                            <a:lnSpc>
+                              <a:spcPct val="100000"/>
+                            </a:lnSpc>
+                            <a:spcAft>
+                              <a:spcPts val="800"/>
+                            </a:spcAft>
+                          </a:pPr>
+                          <a:r>
+                            <a:rPr lang="en-US" sz="1050" b="1" dirty="0">
+                              <a:effectLst/>
+                            </a:rPr>
+                            <a:t> 0.3 mm</a:t>
+                          </a:r>
+                          <a:endParaRPr lang="en-US" sz="1050" b="1" dirty="0">
+                            <a:effectLst/>
+                            <a:latin typeface="Calibri" panose="020F0502020204030204" pitchFamily="34" charset="0"/>
+                            <a:ea typeface="Calibri" panose="020F0502020204030204" pitchFamily="34" charset="0"/>
+                            <a:cs typeface="Arial" panose="020B0604020202020204" pitchFamily="34" charset="0"/>
+                          </a:endParaRPr>
+                        </a:p>
+                      </a:txBody>
+                      <a:tcPr marL="28727" marR="28727" marT="0" marB="0"/>
+                    </a:tc>
+                    <a:tc>
+                      <a:txBody>
+                        <a:bodyPr/>
+                        <a:lstStyle/>
+                        <a:p>
+                          <a:pPr algn="ctr">
+                            <a:lnSpc>
+                              <a:spcPct val="100000"/>
+                            </a:lnSpc>
+                            <a:spcAft>
+                              <a:spcPts val="800"/>
+                            </a:spcAft>
+                          </a:pPr>
+                          <a:r>
+                            <a:rPr lang="en-US" sz="1050" b="1" dirty="0">
+                              <a:effectLst/>
+                            </a:rPr>
+                            <a:t> 22 KG</a:t>
+                          </a:r>
+                          <a:endParaRPr lang="en-US" sz="1050" b="1" dirty="0">
+                            <a:effectLst/>
+                            <a:latin typeface="Calibri" panose="020F0502020204030204" pitchFamily="34" charset="0"/>
+                            <a:ea typeface="Calibri" panose="020F0502020204030204" pitchFamily="34" charset="0"/>
+                            <a:cs typeface="Arial" panose="020B0604020202020204" pitchFamily="34" charset="0"/>
+                          </a:endParaRPr>
+                        </a:p>
+                      </a:txBody>
+                      <a:tcPr marL="28727" marR="28727" marT="0" marB="0"/>
+                    </a:tc>
+                    <a:tc>
+                      <a:txBody>
+                        <a:bodyPr/>
+                        <a:lstStyle/>
+                        <a:p>
+                          <a:pPr algn="ctr">
+                            <a:lnSpc>
+                              <a:spcPct val="100000"/>
+                            </a:lnSpc>
+                            <a:spcAft>
+                              <a:spcPts val="800"/>
+                            </a:spcAft>
+                          </a:pPr>
+                          <a:r>
+                            <a:rPr lang="en-US" sz="1050" b="1" dirty="0">
+                              <a:effectLst/>
+                            </a:rPr>
+                            <a:t> 250 KG</a:t>
+                          </a:r>
+                          <a:endParaRPr lang="en-US" sz="1050" b="1" dirty="0">
+                            <a:effectLst/>
+                            <a:latin typeface="Calibri" panose="020F0502020204030204" pitchFamily="34" charset="0"/>
+                            <a:ea typeface="Calibri" panose="020F0502020204030204" pitchFamily="34" charset="0"/>
+                            <a:cs typeface="Arial" panose="020B0604020202020204" pitchFamily="34" charset="0"/>
+                          </a:endParaRPr>
+                        </a:p>
+                      </a:txBody>
+                      <a:tcPr marL="28727" marR="28727" marT="0" marB="0"/>
+                    </a:tc>
+                    <a:tc>
+                      <a:txBody>
+                        <a:bodyPr/>
+                        <a:lstStyle/>
+                        <a:p>
+                          <a:pPr algn="ctr">
+                            <a:lnSpc>
+                              <a:spcPct val="100000"/>
+                            </a:lnSpc>
+                            <a:spcAft>
+                              <a:spcPts val="800"/>
+                            </a:spcAft>
+                          </a:pPr>
+                          <a:r>
+                            <a:rPr lang="en-US" sz="1050" b="1" dirty="0">
+                              <a:effectLst/>
+                            </a:rPr>
+                            <a:t> </a:t>
+                          </a:r>
+                          <a14:m>
+                            <m:oMath xmlns:m="http://schemas.openxmlformats.org/officeDocument/2006/math">
+                              <m:r>
+                                <a:rPr lang="en-US" sz="1050" b="1" i="1" smtClean="0">
+                                  <a:effectLst/>
+                                  <a:latin typeface="Cambria Math" panose="02040503050406030204" pitchFamily="18" charset="0"/>
+                                </a:rPr>
+                                <m:t>𝟒</m:t>
+                              </m:r>
+                              <m:r>
+                                <a:rPr lang="en-US" sz="1050" b="1">
+                                  <a:effectLst/>
+                                  <a:latin typeface="Cambria Math" panose="02040503050406030204" pitchFamily="18" charset="0"/>
+                                </a:rPr>
+                                <m:t>.</m:t>
+                              </m:r>
+                              <m:r>
+                                <a:rPr lang="en-US" sz="1050" b="1" i="1">
+                                  <a:effectLst/>
+                                  <a:latin typeface="Cambria Math" panose="02040503050406030204" pitchFamily="18" charset="0"/>
+                                </a:rPr>
+                                <m:t>𝟎𝟏</m:t>
+                              </m:r>
+                              <m:r>
+                                <a:rPr lang="en-US" sz="1050" b="1">
+                                  <a:effectLst/>
+                                  <a:latin typeface="Cambria Math" panose="02040503050406030204" pitchFamily="18" charset="0"/>
+                                </a:rPr>
+                                <m:t>×</m:t>
+                              </m:r>
+                              <m:sSup>
+                                <m:sSupPr>
+                                  <m:ctrlPr>
+                                    <a:rPr lang="en-US" sz="1050" b="1">
+                                      <a:effectLst/>
+                                    </a:rPr>
+                                  </m:ctrlPr>
+                                </m:sSupPr>
+                                <m:e>
+                                  <m:r>
+                                    <a:rPr lang="en-US" sz="1050" b="1" i="1" smtClean="0">
+                                      <a:effectLst/>
+                                      <a:latin typeface="Cambria Math" panose="02040503050406030204" pitchFamily="18" charset="0"/>
+                                    </a:rPr>
+                                    <m:t>𝟏𝟎</m:t>
+                                  </m:r>
+                                </m:e>
+                                <m:sup>
+                                  <m:r>
+                                    <a:rPr lang="en-US" sz="1050" b="1" smtClean="0">
+                                      <a:effectLst/>
+                                      <a:latin typeface="Cambria Math" panose="02040503050406030204" pitchFamily="18" charset="0"/>
+                                    </a:rPr>
+                                    <m:t>−</m:t>
+                                  </m:r>
+                                  <m:r>
+                                    <a:rPr lang="en-US" sz="1050" b="1" i="1">
+                                      <a:effectLst/>
+                                      <a:latin typeface="Cambria Math" panose="02040503050406030204" pitchFamily="18" charset="0"/>
+                                    </a:rPr>
+                                    <m:t>𝟏</m:t>
+                                  </m:r>
+                                </m:sup>
+                              </m:sSup>
+                            </m:oMath>
+                          </a14:m>
+                          <a:endParaRPr lang="en-US" sz="1050" b="1" dirty="0">
+                            <a:effectLst/>
+                          </a:endParaRPr>
+                        </a:p>
+                        <a:p>
+                          <a:pPr algn="ctr">
+                            <a:lnSpc>
+                              <a:spcPct val="100000"/>
+                            </a:lnSpc>
+                            <a:spcAft>
+                              <a:spcPts val="800"/>
+                            </a:spcAft>
+                          </a:pPr>
+                          <a14:m>
+                            <m:oMathPara xmlns:m="http://schemas.openxmlformats.org/officeDocument/2006/math">
+                              <m:oMathParaPr>
+                                <m:jc m:val="centerGroup"/>
+                              </m:oMathParaPr>
+                              <m:oMath xmlns:m="http://schemas.openxmlformats.org/officeDocument/2006/math">
+                                <m:r>
+                                  <a:rPr lang="en-US" sz="1050" b="1" smtClean="0">
+                                    <a:effectLst/>
+                                    <a:latin typeface="Cambria Math" panose="02040503050406030204" pitchFamily="18" charset="0"/>
+                                  </a:rPr>
+                                  <m:t> </m:t>
+                                </m:r>
+                                <m:r>
+                                  <a:rPr lang="en-US" sz="1050" b="1" i="1">
+                                    <a:effectLst/>
+                                    <a:latin typeface="Cambria Math" panose="02040503050406030204" pitchFamily="18" charset="0"/>
+                                  </a:rPr>
+                                  <m:t>𝐦𝐦</m:t>
+                                </m:r>
+                              </m:oMath>
+                            </m:oMathPara>
+                          </a14:m>
+                          <a:endParaRPr lang="en-US" sz="1050" b="1" dirty="0">
+                            <a:effectLst/>
+                            <a:latin typeface="Calibri" panose="020F0502020204030204" pitchFamily="34" charset="0"/>
+                            <a:ea typeface="Calibri" panose="020F0502020204030204" pitchFamily="34" charset="0"/>
+                            <a:cs typeface="Arial" panose="020B0604020202020204" pitchFamily="34" charset="0"/>
+                          </a:endParaRPr>
+                        </a:p>
+                      </a:txBody>
+                      <a:tcPr marL="28727" marR="28727" marT="0" marB="0"/>
+                    </a:tc>
+                    <a:tc>
+                      <a:txBody>
+                        <a:bodyPr/>
+                        <a:lstStyle/>
+                        <a:p>
+                          <a:pPr algn="ctr">
+                            <a:lnSpc>
+                              <a:spcPct val="100000"/>
+                            </a:lnSpc>
+                            <a:spcAft>
+                              <a:spcPts val="800"/>
+                            </a:spcAft>
+                          </a:pPr>
+                          <a:r>
+                            <a:rPr lang="en-US" sz="1050" b="1" dirty="0">
+                              <a:effectLst/>
+                            </a:rPr>
+                            <a:t>From 2.15 $ </a:t>
+                          </a:r>
+                        </a:p>
+                        <a:p>
+                          <a:pPr algn="ctr">
+                            <a:lnSpc>
+                              <a:spcPct val="100000"/>
+                            </a:lnSpc>
+                            <a:spcAft>
+                              <a:spcPts val="800"/>
+                            </a:spcAft>
+                          </a:pPr>
+                          <a:r>
+                            <a:rPr lang="en-US" sz="1050" b="1" dirty="0">
+                              <a:effectLst/>
+                            </a:rPr>
+                            <a:t>To 2.65 $ per Kg</a:t>
+                          </a:r>
+                          <a:endParaRPr lang="en-US" sz="1050" b="1" dirty="0">
+                            <a:effectLst/>
+                            <a:latin typeface="Calibri" panose="020F0502020204030204" pitchFamily="34" charset="0"/>
+                            <a:ea typeface="Calibri" panose="020F0502020204030204" pitchFamily="34" charset="0"/>
+                            <a:cs typeface="Arial" panose="020B0604020202020204" pitchFamily="34" charset="0"/>
+                          </a:endParaRPr>
+                        </a:p>
+                      </a:txBody>
+                      <a:tcPr marL="28727" marR="28727" marT="0" marB="0"/>
+                    </a:tc>
+                    <a:extLst>
+                      <a:ext uri="{0D108BD9-81ED-4DB2-BD59-A6C34878D82A}">
+                        <a16:rowId xmlns:a16="http://schemas.microsoft.com/office/drawing/2014/main" val="1100781932"/>
+                      </a:ext>
+                    </a:extLst>
+                  </a:tr>
+                  <a:tr h="365883">
+                    <a:tc>
+                      <a:txBody>
+                        <a:bodyPr/>
+                        <a:lstStyle/>
+                        <a:p>
+                          <a:pPr algn="ctr">
+                            <a:lnSpc>
+                              <a:spcPct val="100000"/>
+                            </a:lnSpc>
+                            <a:spcAft>
+                              <a:spcPts val="800"/>
+                            </a:spcAft>
+                          </a:pPr>
+                          <a:r>
+                            <a:rPr lang="en-US" sz="1050" b="1" dirty="0">
+                              <a:effectLst/>
+                            </a:rPr>
+                            <a:t>3D printed </a:t>
+                          </a:r>
+                        </a:p>
+                        <a:p>
+                          <a:pPr algn="ctr">
+                            <a:lnSpc>
+                              <a:spcPct val="100000"/>
+                            </a:lnSpc>
+                            <a:spcAft>
+                              <a:spcPts val="800"/>
+                            </a:spcAft>
+                          </a:pPr>
+                          <a:r>
+                            <a:rPr lang="en-US" sz="1050" b="1" dirty="0">
+                              <a:effectLst/>
+                            </a:rPr>
+                            <a:t>ABS</a:t>
+                          </a:r>
+                          <a:endParaRPr lang="en-US" sz="1050" b="1" dirty="0">
+                            <a:effectLst/>
+                            <a:latin typeface="Calibri" panose="020F0502020204030204" pitchFamily="34" charset="0"/>
+                            <a:ea typeface="Calibri" panose="020F0502020204030204" pitchFamily="34" charset="0"/>
+                            <a:cs typeface="Arial" panose="020B0604020202020204" pitchFamily="34" charset="0"/>
+                          </a:endParaRPr>
+                        </a:p>
+                      </a:txBody>
+                      <a:tcPr marL="28727" marR="28727" marT="0" marB="0"/>
+                    </a:tc>
+                    <a:tc>
+                      <a:txBody>
+                        <a:bodyPr/>
+                        <a:lstStyle/>
+                        <a:p>
+                          <a:pPr algn="ctr">
+                            <a:lnSpc>
+                              <a:spcPct val="100000"/>
+                            </a:lnSpc>
+                            <a:spcAft>
+                              <a:spcPts val="800"/>
+                            </a:spcAft>
+                          </a:pPr>
+                          <a:r>
+                            <a:rPr lang="en-US" sz="1050" b="1" dirty="0">
+                              <a:effectLst/>
+                            </a:rPr>
+                            <a:t> 5 mm</a:t>
+                          </a:r>
+                          <a:endParaRPr lang="en-US" sz="1050" b="1" dirty="0">
+                            <a:effectLst/>
+                            <a:latin typeface="Calibri" panose="020F0502020204030204" pitchFamily="34" charset="0"/>
+                            <a:ea typeface="Calibri" panose="020F0502020204030204" pitchFamily="34" charset="0"/>
+                            <a:cs typeface="Arial" panose="020B0604020202020204" pitchFamily="34" charset="0"/>
+                          </a:endParaRPr>
+                        </a:p>
+                      </a:txBody>
+                      <a:tcPr marL="28727" marR="28727" marT="0" marB="0"/>
+                    </a:tc>
+                    <a:tc>
+                      <a:txBody>
+                        <a:bodyPr/>
+                        <a:lstStyle/>
+                        <a:p>
+                          <a:pPr algn="ctr">
+                            <a:lnSpc>
+                              <a:spcPct val="100000"/>
+                            </a:lnSpc>
+                            <a:spcAft>
+                              <a:spcPts val="800"/>
+                            </a:spcAft>
+                          </a:pPr>
+                          <a:r>
+                            <a:rPr lang="en-US" sz="1050" b="1" dirty="0">
+                              <a:effectLst/>
+                            </a:rPr>
+                            <a:t> 3.5 KG</a:t>
+                          </a:r>
+                          <a:endParaRPr lang="en-US" sz="1050" b="1" dirty="0">
+                            <a:effectLst/>
+                            <a:latin typeface="Calibri" panose="020F0502020204030204" pitchFamily="34" charset="0"/>
+                            <a:ea typeface="Calibri" panose="020F0502020204030204" pitchFamily="34" charset="0"/>
+                            <a:cs typeface="Arial" panose="020B0604020202020204" pitchFamily="34" charset="0"/>
+                          </a:endParaRPr>
+                        </a:p>
+                      </a:txBody>
+                      <a:tcPr marL="28727" marR="28727" marT="0" marB="0"/>
+                    </a:tc>
+                    <a:tc>
+                      <a:txBody>
+                        <a:bodyPr/>
+                        <a:lstStyle/>
+                        <a:p>
+                          <a:pPr algn="ctr">
+                            <a:lnSpc>
+                              <a:spcPct val="100000"/>
+                            </a:lnSpc>
+                            <a:spcAft>
+                              <a:spcPts val="800"/>
+                            </a:spcAft>
+                          </a:pPr>
+                          <a:r>
+                            <a:rPr lang="en-US" sz="1050" b="1">
+                              <a:effectLst/>
+                            </a:rPr>
+                            <a:t> </a:t>
+                          </a:r>
+                        </a:p>
+                        <a:p>
+                          <a:pPr algn="ctr">
+                            <a:lnSpc>
+                              <a:spcPct val="100000"/>
+                            </a:lnSpc>
+                            <a:spcAft>
+                              <a:spcPts val="800"/>
+                            </a:spcAft>
+                          </a:pPr>
+                          <a:r>
+                            <a:rPr lang="en-US" sz="1050" b="1">
+                              <a:effectLst/>
+                            </a:rPr>
+                            <a:t> </a:t>
+                          </a:r>
+                          <a:endParaRPr lang="en-US" sz="1050" b="1">
+                            <a:effectLst/>
+                            <a:latin typeface="Calibri" panose="020F0502020204030204" pitchFamily="34" charset="0"/>
+                            <a:ea typeface="Calibri" panose="020F0502020204030204" pitchFamily="34" charset="0"/>
+                            <a:cs typeface="Arial" panose="020B0604020202020204" pitchFamily="34" charset="0"/>
+                          </a:endParaRPr>
+                        </a:p>
+                      </a:txBody>
+                      <a:tcPr marL="28727" marR="28727" marT="0" marB="0"/>
+                    </a:tc>
+                    <a:tc>
+                      <a:txBody>
+                        <a:bodyPr/>
+                        <a:lstStyle/>
+                        <a:p>
+                          <a:pPr algn="ctr">
+                            <a:lnSpc>
+                              <a:spcPct val="100000"/>
+                            </a:lnSpc>
+                            <a:spcAft>
+                              <a:spcPts val="800"/>
+                            </a:spcAft>
+                          </a:pPr>
+                          <a:r>
+                            <a:rPr lang="en-US" sz="1050" b="1" dirty="0">
+                              <a:effectLst/>
+                            </a:rPr>
+                            <a:t> </a:t>
+                          </a:r>
+                          <a:endParaRPr lang="en-US" sz="1050" b="1" dirty="0">
+                            <a:effectLst/>
+                            <a:latin typeface="Calibri" panose="020F0502020204030204" pitchFamily="34" charset="0"/>
+                            <a:ea typeface="Calibri" panose="020F0502020204030204" pitchFamily="34" charset="0"/>
+                            <a:cs typeface="Arial" panose="020B0604020202020204" pitchFamily="34" charset="0"/>
+                          </a:endParaRPr>
+                        </a:p>
+                      </a:txBody>
+                      <a:tcPr marL="28727" marR="28727" marT="0" marB="0"/>
+                    </a:tc>
+                    <a:tc>
+                      <a:txBody>
+                        <a:bodyPr/>
+                        <a:lstStyle/>
+                        <a:p>
+                          <a:pPr algn="ctr">
+                            <a:lnSpc>
+                              <a:spcPct val="100000"/>
+                            </a:lnSpc>
+                            <a:spcAft>
+                              <a:spcPts val="800"/>
+                            </a:spcAft>
+                          </a:pPr>
+                          <a:r>
+                            <a:rPr lang="en-US" sz="1050" b="1" dirty="0">
+                              <a:effectLst/>
+                            </a:rPr>
+                            <a:t> </a:t>
+                          </a:r>
+                          <a:endParaRPr lang="en-US" sz="1050" b="1" dirty="0">
+                            <a:effectLst/>
+                            <a:latin typeface="Calibri" panose="020F0502020204030204" pitchFamily="34" charset="0"/>
+                            <a:ea typeface="Calibri" panose="020F0502020204030204" pitchFamily="34" charset="0"/>
+                            <a:cs typeface="Arial" panose="020B0604020202020204" pitchFamily="34" charset="0"/>
+                          </a:endParaRPr>
+                        </a:p>
+                      </a:txBody>
+                      <a:tcPr marL="28727" marR="28727" marT="0" marB="0"/>
+                    </a:tc>
+                    <a:extLst>
+                      <a:ext uri="{0D108BD9-81ED-4DB2-BD59-A6C34878D82A}">
+                        <a16:rowId xmlns:a16="http://schemas.microsoft.com/office/drawing/2014/main" val="1324458157"/>
+                      </a:ext>
+                    </a:extLst>
+                  </a:tr>
+                  <a:tr h="365883">
+                    <a:tc>
+                      <a:txBody>
+                        <a:bodyPr/>
+                        <a:lstStyle/>
+                        <a:p>
+                          <a:pPr algn="ctr">
+                            <a:lnSpc>
+                              <a:spcPct val="100000"/>
+                            </a:lnSpc>
+                            <a:spcAft>
+                              <a:spcPts val="800"/>
+                            </a:spcAft>
+                          </a:pPr>
+                          <a:r>
+                            <a:rPr lang="en-US" sz="1050" b="1">
+                              <a:effectLst/>
+                            </a:rPr>
+                            <a:t>3D printed </a:t>
+                          </a:r>
+                        </a:p>
+                        <a:p>
+                          <a:pPr algn="ctr">
+                            <a:lnSpc>
+                              <a:spcPct val="100000"/>
+                            </a:lnSpc>
+                            <a:spcAft>
+                              <a:spcPts val="800"/>
+                            </a:spcAft>
+                          </a:pPr>
+                          <a:r>
+                            <a:rPr lang="en-US" sz="1050" b="1">
+                              <a:effectLst/>
+                            </a:rPr>
+                            <a:t>ABS</a:t>
+                          </a:r>
+                          <a:endParaRPr lang="en-US" sz="1050" b="1">
+                            <a:effectLst/>
+                            <a:latin typeface="Calibri" panose="020F0502020204030204" pitchFamily="34" charset="0"/>
+                            <a:ea typeface="Calibri" panose="020F0502020204030204" pitchFamily="34" charset="0"/>
+                            <a:cs typeface="Arial" panose="020B0604020202020204" pitchFamily="34" charset="0"/>
+                          </a:endParaRPr>
+                        </a:p>
+                      </a:txBody>
+                      <a:tcPr marL="28727" marR="28727" marT="0" marB="0"/>
+                    </a:tc>
+                    <a:tc>
+                      <a:txBody>
+                        <a:bodyPr/>
+                        <a:lstStyle/>
+                        <a:p>
+                          <a:pPr algn="ctr">
+                            <a:lnSpc>
+                              <a:spcPct val="100000"/>
+                            </a:lnSpc>
+                            <a:spcAft>
+                              <a:spcPts val="800"/>
+                            </a:spcAft>
+                          </a:pPr>
+                          <a:r>
+                            <a:rPr lang="en-US" sz="1050" b="1" dirty="0">
+                              <a:effectLst/>
+                            </a:rPr>
+                            <a:t> 10 mm</a:t>
+                          </a:r>
+                          <a:endParaRPr lang="en-US" sz="1050" b="1" dirty="0">
+                            <a:effectLst/>
+                            <a:latin typeface="Calibri" panose="020F0502020204030204" pitchFamily="34" charset="0"/>
+                            <a:ea typeface="Calibri" panose="020F0502020204030204" pitchFamily="34" charset="0"/>
+                            <a:cs typeface="Arial" panose="020B0604020202020204" pitchFamily="34" charset="0"/>
+                          </a:endParaRPr>
+                        </a:p>
+                      </a:txBody>
+                      <a:tcPr marL="28727" marR="28727" marT="0" marB="0"/>
+                    </a:tc>
+                    <a:tc>
+                      <a:txBody>
+                        <a:bodyPr/>
+                        <a:lstStyle/>
+                        <a:p>
+                          <a:pPr algn="ctr">
+                            <a:lnSpc>
+                              <a:spcPct val="100000"/>
+                            </a:lnSpc>
+                            <a:spcAft>
+                              <a:spcPts val="800"/>
+                            </a:spcAft>
+                          </a:pPr>
+                          <a:r>
+                            <a:rPr lang="en-US" sz="1050" b="1">
+                              <a:effectLst/>
+                            </a:rPr>
+                            <a:t> </a:t>
+                          </a:r>
+                        </a:p>
+                        <a:p>
+                          <a:pPr algn="ctr">
+                            <a:lnSpc>
+                              <a:spcPct val="100000"/>
+                            </a:lnSpc>
+                            <a:spcAft>
+                              <a:spcPts val="800"/>
+                            </a:spcAft>
+                          </a:pPr>
+                          <a:r>
+                            <a:rPr lang="en-US" sz="1050" b="1">
+                              <a:effectLst/>
+                            </a:rPr>
+                            <a:t> </a:t>
+                          </a:r>
+                          <a:endParaRPr lang="en-US" sz="1050" b="1">
+                            <a:effectLst/>
+                            <a:latin typeface="Calibri" panose="020F0502020204030204" pitchFamily="34" charset="0"/>
+                            <a:ea typeface="Calibri" panose="020F0502020204030204" pitchFamily="34" charset="0"/>
+                            <a:cs typeface="Arial" panose="020B0604020202020204" pitchFamily="34" charset="0"/>
+                          </a:endParaRPr>
+                        </a:p>
+                      </a:txBody>
+                      <a:tcPr marL="28727" marR="28727" marT="0" marB="0"/>
+                    </a:tc>
+                    <a:tc>
+                      <a:txBody>
+                        <a:bodyPr/>
+                        <a:lstStyle/>
+                        <a:p>
+                          <a:pPr algn="ctr">
+                            <a:lnSpc>
+                              <a:spcPct val="100000"/>
+                            </a:lnSpc>
+                            <a:spcAft>
+                              <a:spcPts val="800"/>
+                            </a:spcAft>
+                          </a:pPr>
+                          <a:r>
+                            <a:rPr lang="en-US" sz="1050" b="1">
+                              <a:effectLst/>
+                            </a:rPr>
+                            <a:t> </a:t>
+                          </a:r>
+                          <a:endParaRPr lang="en-US" sz="1050" b="1">
+                            <a:effectLst/>
+                            <a:latin typeface="Calibri" panose="020F0502020204030204" pitchFamily="34" charset="0"/>
+                            <a:ea typeface="Calibri" panose="020F0502020204030204" pitchFamily="34" charset="0"/>
+                            <a:cs typeface="Arial" panose="020B0604020202020204" pitchFamily="34" charset="0"/>
+                          </a:endParaRPr>
+                        </a:p>
+                      </a:txBody>
+                      <a:tcPr marL="28727" marR="28727" marT="0" marB="0"/>
+                    </a:tc>
+                    <a:tc>
+                      <a:txBody>
+                        <a:bodyPr/>
+                        <a:lstStyle/>
+                        <a:p>
+                          <a:pPr algn="ctr">
+                            <a:lnSpc>
+                              <a:spcPct val="100000"/>
+                            </a:lnSpc>
+                            <a:spcAft>
+                              <a:spcPts val="800"/>
+                            </a:spcAft>
+                          </a:pPr>
+                          <a:r>
+                            <a:rPr lang="en-US" sz="1050" b="1" dirty="0">
+                              <a:effectLst/>
+                            </a:rPr>
+                            <a:t> </a:t>
+                          </a:r>
+                          <a:endParaRPr lang="en-US" sz="1050" b="1" dirty="0">
+                            <a:effectLst/>
+                            <a:latin typeface="Calibri" panose="020F0502020204030204" pitchFamily="34" charset="0"/>
+                            <a:ea typeface="Calibri" panose="020F0502020204030204" pitchFamily="34" charset="0"/>
+                            <a:cs typeface="Arial" panose="020B0604020202020204" pitchFamily="34" charset="0"/>
+                          </a:endParaRPr>
+                        </a:p>
+                      </a:txBody>
+                      <a:tcPr marL="28727" marR="28727" marT="0" marB="0"/>
+                    </a:tc>
+                    <a:tc>
+                      <a:txBody>
+                        <a:bodyPr/>
+                        <a:lstStyle/>
+                        <a:p>
+                          <a:pPr algn="ctr">
+                            <a:lnSpc>
+                              <a:spcPct val="100000"/>
+                            </a:lnSpc>
+                            <a:spcAft>
+                              <a:spcPts val="800"/>
+                            </a:spcAft>
+                          </a:pPr>
+                          <a:r>
+                            <a:rPr lang="en-US" sz="1050" b="1" dirty="0">
+                              <a:effectLst/>
+                            </a:rPr>
+                            <a:t> </a:t>
+                          </a:r>
+                          <a:endParaRPr lang="en-US" sz="1050" b="1" dirty="0">
+                            <a:effectLst/>
+                            <a:latin typeface="Calibri" panose="020F0502020204030204" pitchFamily="34" charset="0"/>
+                            <a:ea typeface="Calibri" panose="020F0502020204030204" pitchFamily="34" charset="0"/>
+                            <a:cs typeface="Arial" panose="020B0604020202020204" pitchFamily="34" charset="0"/>
+                          </a:endParaRPr>
+                        </a:p>
+                      </a:txBody>
+                      <a:tcPr marL="28727" marR="28727" marT="0" marB="0"/>
+                    </a:tc>
+                    <a:extLst>
+                      <a:ext uri="{0D108BD9-81ED-4DB2-BD59-A6C34878D82A}">
+                        <a16:rowId xmlns:a16="http://schemas.microsoft.com/office/drawing/2014/main" val="883065859"/>
+                      </a:ext>
+                    </a:extLst>
+                  </a:tr>
+                </a:tbl>
+              </a:graphicData>
+            </a:graphic>
+          </p:graphicFrame>
+        </mc:Choice>
+        <mc:Fallback>
+          <p:graphicFrame>
+            <p:nvGraphicFramePr>
+              <p:cNvPr id="11" name="Table 10">
+                <a:extLst>
+                  <a:ext uri="{FF2B5EF4-FFF2-40B4-BE49-F238E27FC236}">
+                    <a16:creationId xmlns:a16="http://schemas.microsoft.com/office/drawing/2014/main" id="{6947FAD1-1A31-DF3B-1C3A-BAF14361ED35}"/>
+                  </a:ext>
+                </a:extLst>
+              </p:cNvPr>
+              <p:cNvGraphicFramePr>
+                <a:graphicFrameLocks noGrp="1"/>
+              </p:cNvGraphicFramePr>
+              <p:nvPr>
+                <p:extLst>
+                  <p:ext uri="{D42A27DB-BD31-4B8C-83A1-F6EECF244321}">
+                    <p14:modId xmlns:p14="http://schemas.microsoft.com/office/powerpoint/2010/main" val="1668401498"/>
+                  </p:ext>
+                </p:extLst>
+              </p:nvPr>
+            </p:nvGraphicFramePr>
+            <p:xfrm>
+              <a:off x="827582" y="1059582"/>
+              <a:ext cx="7776866" cy="4046387"/>
+            </p:xfrm>
+            <a:graphic>
+              <a:graphicData uri="http://schemas.openxmlformats.org/drawingml/2006/table">
+                <a:tbl>
+                  <a:tblPr firstRow="1" firstCol="1" bandRow="1">
+                    <a:tableStyleId>{5C22544A-7EE6-4342-B048-85BDC9FD1C3A}</a:tableStyleId>
+                  </a:tblPr>
+                  <a:tblGrid>
+                    <a:gridCol w="1295844">
+                      <a:extLst>
+                        <a:ext uri="{9D8B030D-6E8A-4147-A177-3AD203B41FA5}">
+                          <a16:colId xmlns:a16="http://schemas.microsoft.com/office/drawing/2014/main" val="2973517586"/>
+                        </a:ext>
+                      </a:extLst>
+                    </a:gridCol>
+                    <a:gridCol w="1295844">
+                      <a:extLst>
+                        <a:ext uri="{9D8B030D-6E8A-4147-A177-3AD203B41FA5}">
+                          <a16:colId xmlns:a16="http://schemas.microsoft.com/office/drawing/2014/main" val="1895361919"/>
+                        </a:ext>
+                      </a:extLst>
+                    </a:gridCol>
+                    <a:gridCol w="1295844">
+                      <a:extLst>
+                        <a:ext uri="{9D8B030D-6E8A-4147-A177-3AD203B41FA5}">
+                          <a16:colId xmlns:a16="http://schemas.microsoft.com/office/drawing/2014/main" val="2109454116"/>
+                        </a:ext>
+                      </a:extLst>
+                    </a:gridCol>
+                    <a:gridCol w="1153028">
+                      <a:extLst>
+                        <a:ext uri="{9D8B030D-6E8A-4147-A177-3AD203B41FA5}">
+                          <a16:colId xmlns:a16="http://schemas.microsoft.com/office/drawing/2014/main" val="1073207242"/>
+                        </a:ext>
+                      </a:extLst>
+                    </a:gridCol>
+                    <a:gridCol w="1439561">
+                      <a:extLst>
+                        <a:ext uri="{9D8B030D-6E8A-4147-A177-3AD203B41FA5}">
+                          <a16:colId xmlns:a16="http://schemas.microsoft.com/office/drawing/2014/main" val="1036216511"/>
+                        </a:ext>
+                      </a:extLst>
+                    </a:gridCol>
+                    <a:gridCol w="1296745">
+                      <a:extLst>
+                        <a:ext uri="{9D8B030D-6E8A-4147-A177-3AD203B41FA5}">
+                          <a16:colId xmlns:a16="http://schemas.microsoft.com/office/drawing/2014/main" val="3860746640"/>
+                        </a:ext>
+                      </a:extLst>
+                    </a:gridCol>
+                  </a:tblGrid>
+                  <a:tr h="477965">
+                    <a:tc>
+                      <a:txBody>
+                        <a:bodyPr/>
+                        <a:lstStyle/>
+                        <a:p>
+                          <a:pPr algn="ctr">
+                            <a:lnSpc>
+                              <a:spcPct val="100000"/>
+                            </a:lnSpc>
+                            <a:spcAft>
+                              <a:spcPts val="800"/>
+                            </a:spcAft>
+                          </a:pPr>
+                          <a:r>
+                            <a:rPr lang="en-US" sz="1050" b="1" dirty="0">
+                              <a:effectLst/>
+                            </a:rPr>
+                            <a:t> Material</a:t>
+                          </a:r>
+                          <a:endParaRPr lang="en-US" sz="1050" b="1" dirty="0">
+                            <a:effectLst/>
+                            <a:latin typeface="Calibri" panose="020F0502020204030204" pitchFamily="34" charset="0"/>
+                            <a:ea typeface="Calibri" panose="020F0502020204030204" pitchFamily="34" charset="0"/>
+                            <a:cs typeface="Arial" panose="020B0604020202020204" pitchFamily="34" charset="0"/>
+                          </a:endParaRPr>
+                        </a:p>
+                      </a:txBody>
+                      <a:tcPr marL="28727" marR="28727" marT="0" marB="0"/>
+                    </a:tc>
+                    <a:tc>
+                      <a:txBody>
+                        <a:bodyPr/>
+                        <a:lstStyle/>
+                        <a:p>
+                          <a:pPr algn="ctr">
+                            <a:lnSpc>
+                              <a:spcPct val="100000"/>
+                            </a:lnSpc>
+                            <a:spcAft>
+                              <a:spcPts val="800"/>
+                            </a:spcAft>
+                          </a:pPr>
+                          <a:r>
+                            <a:rPr lang="en-US" sz="1050" b="1" dirty="0">
+                              <a:effectLst/>
+                            </a:rPr>
+                            <a:t> Thickness</a:t>
+                          </a:r>
+                          <a:endParaRPr lang="en-US" sz="1050" b="1" dirty="0">
+                            <a:effectLst/>
+                            <a:latin typeface="Calibri" panose="020F0502020204030204" pitchFamily="34" charset="0"/>
+                            <a:ea typeface="Calibri" panose="020F0502020204030204" pitchFamily="34" charset="0"/>
+                            <a:cs typeface="Arial" panose="020B0604020202020204" pitchFamily="34" charset="0"/>
+                          </a:endParaRPr>
+                        </a:p>
+                      </a:txBody>
+                      <a:tcPr marL="28727" marR="28727" marT="0" marB="0"/>
+                    </a:tc>
+                    <a:tc>
+                      <a:txBody>
+                        <a:bodyPr/>
+                        <a:lstStyle/>
+                        <a:p>
+                          <a:pPr algn="ctr">
+                            <a:lnSpc>
+                              <a:spcPct val="100000"/>
+                            </a:lnSpc>
+                            <a:spcAft>
+                              <a:spcPts val="800"/>
+                            </a:spcAft>
+                          </a:pPr>
+                          <a:r>
+                            <a:rPr lang="en-US" sz="1050" b="1" dirty="0">
+                              <a:effectLst/>
+                            </a:rPr>
+                            <a:t> Weight </a:t>
+                          </a:r>
+                        </a:p>
+                        <a:p>
+                          <a:pPr algn="ctr">
+                            <a:lnSpc>
+                              <a:spcPct val="100000"/>
+                            </a:lnSpc>
+                            <a:spcAft>
+                              <a:spcPts val="800"/>
+                            </a:spcAft>
+                          </a:pPr>
+                          <a:r>
+                            <a:rPr lang="en-US" sz="1050" b="1" dirty="0">
+                              <a:effectLst/>
+                            </a:rPr>
+                            <a:t>Approx</a:t>
+                          </a:r>
+                          <a:endParaRPr lang="en-US" sz="1050" b="1" dirty="0">
+                            <a:effectLst/>
+                            <a:latin typeface="Calibri" panose="020F0502020204030204" pitchFamily="34" charset="0"/>
+                            <a:ea typeface="Calibri" panose="020F0502020204030204" pitchFamily="34" charset="0"/>
+                            <a:cs typeface="Arial" panose="020B0604020202020204" pitchFamily="34" charset="0"/>
+                          </a:endParaRPr>
+                        </a:p>
+                      </a:txBody>
+                      <a:tcPr marL="28727" marR="28727" marT="0" marB="0"/>
+                    </a:tc>
+                    <a:tc>
+                      <a:txBody>
+                        <a:bodyPr/>
+                        <a:lstStyle/>
+                        <a:p>
+                          <a:pPr algn="ctr">
+                            <a:lnSpc>
+                              <a:spcPct val="100000"/>
+                            </a:lnSpc>
+                            <a:spcAft>
+                              <a:spcPts val="800"/>
+                            </a:spcAft>
+                          </a:pPr>
+                          <a:r>
+                            <a:rPr lang="en-US" sz="1050" b="1" dirty="0">
+                              <a:effectLst/>
+                            </a:rPr>
+                            <a:t> Load</a:t>
+                          </a:r>
+                          <a:endParaRPr lang="en-US" sz="1050" b="1" dirty="0">
+                            <a:effectLst/>
+                            <a:latin typeface="Calibri" panose="020F0502020204030204" pitchFamily="34" charset="0"/>
+                            <a:ea typeface="Calibri" panose="020F0502020204030204" pitchFamily="34" charset="0"/>
+                            <a:cs typeface="Arial" panose="020B0604020202020204" pitchFamily="34" charset="0"/>
+                          </a:endParaRPr>
+                        </a:p>
+                      </a:txBody>
+                      <a:tcPr marL="28727" marR="28727" marT="0" marB="0"/>
+                    </a:tc>
+                    <a:tc>
+                      <a:txBody>
+                        <a:bodyPr/>
+                        <a:lstStyle/>
+                        <a:p>
+                          <a:pPr algn="ctr">
+                            <a:lnSpc>
+                              <a:spcPct val="100000"/>
+                            </a:lnSpc>
+                            <a:spcAft>
+                              <a:spcPts val="800"/>
+                            </a:spcAft>
+                          </a:pPr>
+                          <a:r>
+                            <a:rPr lang="en-US" sz="1050" b="1" dirty="0">
+                              <a:effectLst/>
+                            </a:rPr>
+                            <a:t> Deformation </a:t>
+                          </a:r>
+                        </a:p>
+                        <a:p>
+                          <a:pPr algn="ctr">
+                            <a:lnSpc>
+                              <a:spcPct val="100000"/>
+                            </a:lnSpc>
+                            <a:spcAft>
+                              <a:spcPts val="800"/>
+                            </a:spcAft>
+                          </a:pPr>
+                          <a:r>
+                            <a:rPr lang="en-US" sz="1050" b="1" dirty="0">
+                              <a:effectLst/>
+                            </a:rPr>
+                            <a:t>On top part</a:t>
+                          </a:r>
+                          <a:endParaRPr lang="en-US" sz="1050" b="1" dirty="0">
+                            <a:effectLst/>
+                            <a:latin typeface="Calibri" panose="020F0502020204030204" pitchFamily="34" charset="0"/>
+                            <a:ea typeface="Calibri" panose="020F0502020204030204" pitchFamily="34" charset="0"/>
+                            <a:cs typeface="Arial" panose="020B0604020202020204" pitchFamily="34" charset="0"/>
+                          </a:endParaRPr>
+                        </a:p>
+                      </a:txBody>
+                      <a:tcPr marL="28727" marR="28727" marT="0" marB="0"/>
+                    </a:tc>
+                    <a:tc>
+                      <a:txBody>
+                        <a:bodyPr/>
+                        <a:lstStyle/>
+                        <a:p>
+                          <a:pPr algn="ctr">
+                            <a:lnSpc>
+                              <a:spcPct val="100000"/>
+                            </a:lnSpc>
+                            <a:spcAft>
+                              <a:spcPts val="800"/>
+                            </a:spcAft>
+                          </a:pPr>
+                          <a:r>
+                            <a:rPr lang="en-US" sz="1050" b="1" dirty="0">
+                              <a:effectLst/>
+                            </a:rPr>
+                            <a:t> </a:t>
+                          </a:r>
+                          <a:endParaRPr lang="en-US" sz="1050" b="1" dirty="0">
+                            <a:effectLst/>
+                            <a:latin typeface="Calibri" panose="020F0502020204030204" pitchFamily="34" charset="0"/>
+                            <a:ea typeface="Calibri" panose="020F0502020204030204" pitchFamily="34" charset="0"/>
+                            <a:cs typeface="Arial" panose="020B0604020202020204" pitchFamily="34" charset="0"/>
+                          </a:endParaRPr>
+                        </a:p>
+                      </a:txBody>
+                      <a:tcPr marL="28727" marR="28727" marT="0" marB="0"/>
+                    </a:tc>
+                    <a:extLst>
+                      <a:ext uri="{0D108BD9-81ED-4DB2-BD59-A6C34878D82A}">
+                        <a16:rowId xmlns:a16="http://schemas.microsoft.com/office/drawing/2014/main" val="1984738391"/>
+                      </a:ext>
+                    </a:extLst>
+                  </a:tr>
+                  <a:tr h="526923">
+                    <a:tc>
+                      <a:txBody>
+                        <a:bodyPr/>
+                        <a:lstStyle/>
+                        <a:p>
+                          <a:pPr algn="ctr">
+                            <a:lnSpc>
+                              <a:spcPct val="100000"/>
+                            </a:lnSpc>
+                            <a:spcAft>
+                              <a:spcPts val="800"/>
+                            </a:spcAft>
+                          </a:pPr>
+                          <a:endParaRPr lang="en-US" sz="1050" b="1" dirty="0">
+                            <a:effectLst/>
+                          </a:endParaRPr>
+                        </a:p>
+                        <a:p>
+                          <a:pPr algn="ctr">
+                            <a:lnSpc>
+                              <a:spcPct val="100000"/>
+                            </a:lnSpc>
+                            <a:spcAft>
+                              <a:spcPts val="800"/>
+                            </a:spcAft>
+                          </a:pPr>
+                          <a:r>
+                            <a:rPr lang="en-US" sz="1050" b="1" dirty="0">
+                              <a:effectLst/>
+                            </a:rPr>
+                            <a:t> Steel</a:t>
+                          </a:r>
+                          <a:endParaRPr lang="en-US" sz="1050" b="1" dirty="0">
+                            <a:effectLst/>
+                            <a:latin typeface="Calibri" panose="020F0502020204030204" pitchFamily="34" charset="0"/>
+                            <a:ea typeface="Calibri" panose="020F0502020204030204" pitchFamily="34" charset="0"/>
+                            <a:cs typeface="Arial" panose="020B0604020202020204" pitchFamily="34" charset="0"/>
+                          </a:endParaRPr>
+                        </a:p>
+                      </a:txBody>
+                      <a:tcPr marL="28727" marR="28727" marT="0" marB="0"/>
+                    </a:tc>
+                    <a:tc>
+                      <a:txBody>
+                        <a:bodyPr/>
+                        <a:lstStyle/>
+                        <a:p>
+                          <a:pPr algn="ctr">
+                            <a:lnSpc>
+                              <a:spcPct val="100000"/>
+                            </a:lnSpc>
+                            <a:spcAft>
+                              <a:spcPts val="800"/>
+                            </a:spcAft>
+                          </a:pPr>
+                          <a:r>
+                            <a:rPr lang="en-US" sz="1050" b="1" dirty="0">
+                              <a:effectLst/>
+                            </a:rPr>
+                            <a:t> 0.2 mm</a:t>
+                          </a:r>
+                          <a:endParaRPr lang="en-US" sz="1050" b="1" dirty="0">
+                            <a:effectLst/>
+                            <a:latin typeface="Calibri" panose="020F0502020204030204" pitchFamily="34" charset="0"/>
+                            <a:ea typeface="Calibri" panose="020F0502020204030204" pitchFamily="34" charset="0"/>
+                            <a:cs typeface="Arial" panose="020B0604020202020204" pitchFamily="34" charset="0"/>
+                          </a:endParaRPr>
+                        </a:p>
+                      </a:txBody>
+                      <a:tcPr marL="28727" marR="28727" marT="0" marB="0"/>
+                    </a:tc>
+                    <a:tc>
+                      <a:txBody>
+                        <a:bodyPr/>
+                        <a:lstStyle/>
+                        <a:p>
+                          <a:pPr algn="ctr">
+                            <a:lnSpc>
+                              <a:spcPct val="100000"/>
+                            </a:lnSpc>
+                            <a:spcAft>
+                              <a:spcPts val="800"/>
+                            </a:spcAft>
+                          </a:pPr>
+                          <a:r>
+                            <a:rPr lang="en-US" sz="1050" b="1" dirty="0">
+                              <a:effectLst/>
+                            </a:rPr>
+                            <a:t> 16 KG</a:t>
+                          </a:r>
+                          <a:endParaRPr lang="en-US" sz="1050" b="1" dirty="0">
+                            <a:effectLst/>
+                            <a:latin typeface="Calibri" panose="020F0502020204030204" pitchFamily="34" charset="0"/>
+                            <a:ea typeface="Calibri" panose="020F0502020204030204" pitchFamily="34" charset="0"/>
+                            <a:cs typeface="Arial" panose="020B0604020202020204" pitchFamily="34" charset="0"/>
+                          </a:endParaRPr>
+                        </a:p>
+                      </a:txBody>
+                      <a:tcPr marL="28727" marR="28727" marT="0" marB="0"/>
+                    </a:tc>
+                    <a:tc>
+                      <a:txBody>
+                        <a:bodyPr/>
+                        <a:lstStyle/>
+                        <a:p>
+                          <a:pPr algn="ctr">
+                            <a:lnSpc>
+                              <a:spcPct val="100000"/>
+                            </a:lnSpc>
+                            <a:spcAft>
+                              <a:spcPts val="800"/>
+                            </a:spcAft>
+                          </a:pPr>
+                          <a:r>
+                            <a:rPr lang="en-US" sz="1050" b="1" dirty="0">
+                              <a:effectLst/>
+                            </a:rPr>
+                            <a:t> 250 Kg</a:t>
+                          </a:r>
+                          <a:endParaRPr lang="en-US" sz="1050" b="1" dirty="0">
+                            <a:effectLst/>
+                            <a:latin typeface="Calibri" panose="020F0502020204030204" pitchFamily="34" charset="0"/>
+                            <a:ea typeface="Calibri" panose="020F0502020204030204" pitchFamily="34" charset="0"/>
+                            <a:cs typeface="Arial" panose="020B0604020202020204" pitchFamily="34" charset="0"/>
+                          </a:endParaRPr>
+                        </a:p>
+                      </a:txBody>
+                      <a:tcPr marL="28727" marR="28727" marT="0" marB="0"/>
+                    </a:tc>
+                    <a:tc>
+                      <a:txBody>
+                        <a:bodyPr/>
+                        <a:lstStyle/>
+                        <a:p>
+                          <a:endParaRPr lang="en-US"/>
+                        </a:p>
+                      </a:txBody>
+                      <a:tcPr marL="28727" marR="28727" marT="0" marB="0">
+                        <a:blipFill>
+                          <a:blip r:embed="rId2"/>
+                          <a:stretch>
+                            <a:fillRect l="-351271" t="-98837" r="-91949" b="-596512"/>
+                          </a:stretch>
+                        </a:blipFill>
+                      </a:tcPr>
+                    </a:tc>
+                    <a:tc>
+                      <a:txBody>
+                        <a:bodyPr/>
+                        <a:lstStyle/>
+                        <a:p>
+                          <a:pPr algn="ctr">
+                            <a:lnSpc>
+                              <a:spcPct val="100000"/>
+                            </a:lnSpc>
+                            <a:spcAft>
+                              <a:spcPts val="800"/>
+                            </a:spcAft>
+                          </a:pPr>
+                          <a:r>
+                            <a:rPr lang="en-US" sz="1050" b="1" dirty="0">
+                              <a:effectLst/>
+                            </a:rPr>
+                            <a:t> </a:t>
+                          </a:r>
+                          <a:endParaRPr lang="en-US" sz="1050" b="1" dirty="0">
+                            <a:effectLst/>
+                            <a:latin typeface="Calibri" panose="020F0502020204030204" pitchFamily="34" charset="0"/>
+                            <a:ea typeface="Calibri" panose="020F0502020204030204" pitchFamily="34" charset="0"/>
+                            <a:cs typeface="Arial" panose="020B0604020202020204" pitchFamily="34" charset="0"/>
+                          </a:endParaRPr>
+                        </a:p>
+                      </a:txBody>
+                      <a:tcPr marL="28727" marR="28727" marT="0" marB="0"/>
+                    </a:tc>
+                    <a:extLst>
+                      <a:ext uri="{0D108BD9-81ED-4DB2-BD59-A6C34878D82A}">
+                        <a16:rowId xmlns:a16="http://schemas.microsoft.com/office/drawing/2014/main" val="3825272532"/>
+                      </a:ext>
+                    </a:extLst>
+                  </a:tr>
+                  <a:tr h="526923">
+                    <a:tc>
+                      <a:txBody>
+                        <a:bodyPr/>
+                        <a:lstStyle/>
+                        <a:p>
+                          <a:pPr algn="ctr">
+                            <a:lnSpc>
+                              <a:spcPct val="100000"/>
+                            </a:lnSpc>
+                            <a:spcAft>
+                              <a:spcPts val="800"/>
+                            </a:spcAft>
+                          </a:pPr>
+                          <a:r>
+                            <a:rPr lang="en-US" sz="1050" b="1" dirty="0">
+                              <a:effectLst/>
+                            </a:rPr>
+                            <a:t> </a:t>
+                          </a:r>
+                        </a:p>
+                        <a:p>
+                          <a:pPr algn="ctr">
+                            <a:lnSpc>
+                              <a:spcPct val="100000"/>
+                            </a:lnSpc>
+                            <a:spcAft>
+                              <a:spcPts val="800"/>
+                            </a:spcAft>
+                          </a:pPr>
+                          <a:r>
+                            <a:rPr lang="en-US" sz="1050" b="1" dirty="0">
+                              <a:effectLst/>
+                            </a:rPr>
+                            <a:t>Steel</a:t>
+                          </a:r>
+                          <a:endParaRPr lang="en-US" sz="1050" b="1" dirty="0">
+                            <a:effectLst/>
+                            <a:latin typeface="Calibri" panose="020F0502020204030204" pitchFamily="34" charset="0"/>
+                            <a:ea typeface="Calibri" panose="020F0502020204030204" pitchFamily="34" charset="0"/>
+                            <a:cs typeface="Arial" panose="020B0604020202020204" pitchFamily="34" charset="0"/>
+                          </a:endParaRPr>
+                        </a:p>
+                      </a:txBody>
+                      <a:tcPr marL="28727" marR="28727" marT="0" marB="0"/>
+                    </a:tc>
+                    <a:tc>
+                      <a:txBody>
+                        <a:bodyPr/>
+                        <a:lstStyle/>
+                        <a:p>
+                          <a:pPr algn="ctr">
+                            <a:lnSpc>
+                              <a:spcPct val="100000"/>
+                            </a:lnSpc>
+                            <a:spcAft>
+                              <a:spcPts val="800"/>
+                            </a:spcAft>
+                          </a:pPr>
+                          <a:r>
+                            <a:rPr lang="en-US" sz="1050" b="1" dirty="0">
+                              <a:effectLst/>
+                            </a:rPr>
+                            <a:t> 0.3 mm</a:t>
+                          </a:r>
+                          <a:endParaRPr lang="en-US" sz="1050" b="1" dirty="0">
+                            <a:effectLst/>
+                            <a:latin typeface="Calibri" panose="020F0502020204030204" pitchFamily="34" charset="0"/>
+                            <a:ea typeface="Calibri" panose="020F0502020204030204" pitchFamily="34" charset="0"/>
+                            <a:cs typeface="Arial" panose="020B0604020202020204" pitchFamily="34" charset="0"/>
+                          </a:endParaRPr>
+                        </a:p>
+                      </a:txBody>
+                      <a:tcPr marL="28727" marR="28727" marT="0" marB="0"/>
+                    </a:tc>
+                    <a:tc>
+                      <a:txBody>
+                        <a:bodyPr/>
+                        <a:lstStyle/>
+                        <a:p>
+                          <a:pPr algn="ctr">
+                            <a:lnSpc>
+                              <a:spcPct val="100000"/>
+                            </a:lnSpc>
+                            <a:spcAft>
+                              <a:spcPts val="800"/>
+                            </a:spcAft>
+                          </a:pPr>
+                          <a:r>
+                            <a:rPr lang="en-US" sz="1050" b="1" dirty="0">
+                              <a:effectLst/>
+                            </a:rPr>
+                            <a:t> 21.5 KG</a:t>
+                          </a:r>
+                          <a:endParaRPr lang="en-US" sz="1050" b="1" dirty="0">
+                            <a:effectLst/>
+                            <a:latin typeface="Calibri" panose="020F0502020204030204" pitchFamily="34" charset="0"/>
+                            <a:ea typeface="Calibri" panose="020F0502020204030204" pitchFamily="34" charset="0"/>
+                            <a:cs typeface="Arial" panose="020B0604020202020204" pitchFamily="34" charset="0"/>
+                          </a:endParaRPr>
+                        </a:p>
+                      </a:txBody>
+                      <a:tcPr marL="28727" marR="28727" marT="0" marB="0"/>
+                    </a:tc>
+                    <a:tc>
+                      <a:txBody>
+                        <a:bodyPr/>
+                        <a:lstStyle/>
+                        <a:p>
+                          <a:pPr algn="ctr">
+                            <a:lnSpc>
+                              <a:spcPct val="100000"/>
+                            </a:lnSpc>
+                            <a:spcAft>
+                              <a:spcPts val="800"/>
+                            </a:spcAft>
+                          </a:pPr>
+                          <a:r>
+                            <a:rPr lang="en-US" sz="1050" b="1" dirty="0">
+                              <a:effectLst/>
+                            </a:rPr>
+                            <a:t> 350 KG</a:t>
+                          </a:r>
+                          <a:endParaRPr lang="en-US" sz="1050" b="1" dirty="0">
+                            <a:effectLst/>
+                            <a:latin typeface="Calibri" panose="020F0502020204030204" pitchFamily="34" charset="0"/>
+                            <a:ea typeface="Calibri" panose="020F0502020204030204" pitchFamily="34" charset="0"/>
+                            <a:cs typeface="Arial" panose="020B0604020202020204" pitchFamily="34" charset="0"/>
+                          </a:endParaRPr>
+                        </a:p>
+                      </a:txBody>
+                      <a:tcPr marL="28727" marR="28727" marT="0" marB="0"/>
+                    </a:tc>
+                    <a:tc>
+                      <a:txBody>
+                        <a:bodyPr/>
+                        <a:lstStyle/>
+                        <a:p>
+                          <a:endParaRPr lang="en-US"/>
+                        </a:p>
+                      </a:txBody>
+                      <a:tcPr marL="28727" marR="28727" marT="0" marB="0">
+                        <a:blipFill>
+                          <a:blip r:embed="rId2"/>
+                          <a:stretch>
+                            <a:fillRect l="-351271" t="-196552" r="-91949" b="-489655"/>
+                          </a:stretch>
+                        </a:blipFill>
+                      </a:tcPr>
+                    </a:tc>
+                    <a:tc>
+                      <a:txBody>
+                        <a:bodyPr/>
+                        <a:lstStyle/>
+                        <a:p>
+                          <a:pPr algn="ctr">
+                            <a:lnSpc>
+                              <a:spcPct val="100000"/>
+                            </a:lnSpc>
+                            <a:spcAft>
+                              <a:spcPts val="800"/>
+                            </a:spcAft>
+                          </a:pPr>
+                          <a:r>
+                            <a:rPr lang="en-US" sz="1050" b="1" dirty="0">
+                              <a:effectLst/>
+                            </a:rPr>
+                            <a:t> </a:t>
+                          </a:r>
+                          <a:endParaRPr lang="en-US" sz="1050" b="1" dirty="0">
+                            <a:effectLst/>
+                            <a:latin typeface="Calibri" panose="020F0502020204030204" pitchFamily="34" charset="0"/>
+                            <a:ea typeface="Calibri" panose="020F0502020204030204" pitchFamily="34" charset="0"/>
+                            <a:cs typeface="Arial" panose="020B0604020202020204" pitchFamily="34" charset="0"/>
+                          </a:endParaRPr>
+                        </a:p>
+                      </a:txBody>
+                      <a:tcPr marL="28727" marR="28727" marT="0" marB="0"/>
+                    </a:tc>
+                    <a:extLst>
+                      <a:ext uri="{0D108BD9-81ED-4DB2-BD59-A6C34878D82A}">
+                        <a16:rowId xmlns:a16="http://schemas.microsoft.com/office/drawing/2014/main" val="2983160938"/>
+                      </a:ext>
+                    </a:extLst>
+                  </a:tr>
+                  <a:tr h="421640">
+                    <a:tc>
+                      <a:txBody>
+                        <a:bodyPr/>
+                        <a:lstStyle/>
+                        <a:p>
+                          <a:pPr algn="ctr">
+                            <a:lnSpc>
+                              <a:spcPct val="100000"/>
+                            </a:lnSpc>
+                            <a:spcAft>
+                              <a:spcPts val="800"/>
+                            </a:spcAft>
+                          </a:pPr>
+                          <a:r>
+                            <a:rPr lang="en-US" sz="1050" b="1" dirty="0">
+                              <a:effectLst/>
+                            </a:rPr>
+                            <a:t> Aluminum</a:t>
+                          </a:r>
+                          <a:endParaRPr lang="en-US" sz="1050" b="1" dirty="0">
+                            <a:effectLst/>
+                            <a:latin typeface="Calibri" panose="020F0502020204030204" pitchFamily="34" charset="0"/>
+                            <a:ea typeface="Calibri" panose="020F0502020204030204" pitchFamily="34" charset="0"/>
+                            <a:cs typeface="Arial" panose="020B0604020202020204" pitchFamily="34" charset="0"/>
+                          </a:endParaRPr>
+                        </a:p>
+                      </a:txBody>
+                      <a:tcPr marL="28727" marR="28727" marT="0" marB="0"/>
+                    </a:tc>
+                    <a:tc>
+                      <a:txBody>
+                        <a:bodyPr/>
+                        <a:lstStyle/>
+                        <a:p>
+                          <a:pPr algn="ctr">
+                            <a:lnSpc>
+                              <a:spcPct val="100000"/>
+                            </a:lnSpc>
+                            <a:spcAft>
+                              <a:spcPts val="800"/>
+                            </a:spcAft>
+                          </a:pPr>
+                          <a:r>
+                            <a:rPr lang="en-US" sz="1050" b="1" dirty="0">
+                              <a:effectLst/>
+                            </a:rPr>
+                            <a:t> 0.2 mm</a:t>
+                          </a:r>
+                          <a:endParaRPr lang="en-US" sz="1050" b="1" dirty="0">
+                            <a:effectLst/>
+                            <a:latin typeface="Calibri" panose="020F0502020204030204" pitchFamily="34" charset="0"/>
+                            <a:ea typeface="Calibri" panose="020F0502020204030204" pitchFamily="34" charset="0"/>
+                            <a:cs typeface="Arial" panose="020B0604020202020204" pitchFamily="34" charset="0"/>
+                          </a:endParaRPr>
+                        </a:p>
+                      </a:txBody>
+                      <a:tcPr marL="28727" marR="28727" marT="0" marB="0"/>
+                    </a:tc>
+                    <a:tc>
+                      <a:txBody>
+                        <a:bodyPr/>
+                        <a:lstStyle/>
+                        <a:p>
+                          <a:pPr algn="ctr">
+                            <a:lnSpc>
+                              <a:spcPct val="100000"/>
+                            </a:lnSpc>
+                            <a:spcAft>
+                              <a:spcPts val="800"/>
+                            </a:spcAft>
+                          </a:pPr>
+                          <a:r>
+                            <a:rPr lang="en-US" sz="1050" b="1" dirty="0">
+                              <a:effectLst/>
+                            </a:rPr>
+                            <a:t> 5.5 KG</a:t>
+                          </a:r>
+                          <a:endParaRPr lang="en-US" sz="1050" b="1" dirty="0">
+                            <a:effectLst/>
+                            <a:latin typeface="Calibri" panose="020F0502020204030204" pitchFamily="34" charset="0"/>
+                            <a:ea typeface="Calibri" panose="020F0502020204030204" pitchFamily="34" charset="0"/>
+                            <a:cs typeface="Arial" panose="020B0604020202020204" pitchFamily="34" charset="0"/>
+                          </a:endParaRPr>
+                        </a:p>
+                      </a:txBody>
+                      <a:tcPr marL="28727" marR="28727" marT="0" marB="0"/>
+                    </a:tc>
+                    <a:tc>
+                      <a:txBody>
+                        <a:bodyPr/>
+                        <a:lstStyle/>
+                        <a:p>
+                          <a:pPr algn="ctr">
+                            <a:lnSpc>
+                              <a:spcPct val="100000"/>
+                            </a:lnSpc>
+                            <a:spcAft>
+                              <a:spcPts val="800"/>
+                            </a:spcAft>
+                          </a:pPr>
+                          <a:r>
+                            <a:rPr lang="en-US" sz="1050" b="1" dirty="0">
+                              <a:effectLst/>
+                            </a:rPr>
+                            <a:t> 250 KG</a:t>
+                          </a:r>
+                          <a:endParaRPr lang="en-US" sz="1050" b="1" dirty="0">
+                            <a:effectLst/>
+                            <a:latin typeface="Calibri" panose="020F0502020204030204" pitchFamily="34" charset="0"/>
+                            <a:ea typeface="Calibri" panose="020F0502020204030204" pitchFamily="34" charset="0"/>
+                            <a:cs typeface="Arial" panose="020B0604020202020204" pitchFamily="34" charset="0"/>
+                          </a:endParaRPr>
+                        </a:p>
+                      </a:txBody>
+                      <a:tcPr marL="28727" marR="28727" marT="0" marB="0"/>
+                    </a:tc>
+                    <a:tc>
+                      <a:txBody>
+                        <a:bodyPr/>
+                        <a:lstStyle/>
+                        <a:p>
+                          <a:pPr algn="ctr">
+                            <a:lnSpc>
+                              <a:spcPct val="100000"/>
+                            </a:lnSpc>
+                            <a:spcAft>
+                              <a:spcPts val="800"/>
+                            </a:spcAft>
+                          </a:pPr>
+                          <a:r>
+                            <a:rPr lang="en-US" sz="1050" b="1" dirty="0">
+                              <a:effectLst/>
+                            </a:rPr>
+                            <a:t> 1.5 mm</a:t>
+                          </a:r>
+                          <a:endParaRPr lang="en-US" sz="1050" b="1" dirty="0">
+                            <a:effectLst/>
+                            <a:latin typeface="Calibri" panose="020F0502020204030204" pitchFamily="34" charset="0"/>
+                            <a:ea typeface="Calibri" panose="020F0502020204030204" pitchFamily="34" charset="0"/>
+                            <a:cs typeface="Arial" panose="020B0604020202020204" pitchFamily="34" charset="0"/>
+                          </a:endParaRPr>
+                        </a:p>
+                      </a:txBody>
+                      <a:tcPr marL="28727" marR="28727" marT="0" marB="0"/>
+                    </a:tc>
+                    <a:tc>
+                      <a:txBody>
+                        <a:bodyPr/>
+                        <a:lstStyle/>
+                        <a:p>
+                          <a:pPr algn="ctr">
+                            <a:lnSpc>
+                              <a:spcPct val="100000"/>
+                            </a:lnSpc>
+                            <a:spcAft>
+                              <a:spcPts val="800"/>
+                            </a:spcAft>
+                          </a:pPr>
+                          <a:r>
+                            <a:rPr lang="en-US" sz="1050" b="1" dirty="0">
+                              <a:effectLst/>
+                            </a:rPr>
+                            <a:t> </a:t>
+                          </a:r>
+                        </a:p>
+                        <a:p>
+                          <a:pPr algn="ctr">
+                            <a:lnSpc>
+                              <a:spcPct val="100000"/>
+                            </a:lnSpc>
+                            <a:spcAft>
+                              <a:spcPts val="800"/>
+                            </a:spcAft>
+                          </a:pPr>
+                          <a:r>
+                            <a:rPr lang="en-US" sz="1050" b="1" dirty="0">
+                              <a:effectLst/>
+                            </a:rPr>
+                            <a:t> </a:t>
+                          </a:r>
+                          <a:endParaRPr lang="en-US" sz="1050" b="1" dirty="0">
+                            <a:effectLst/>
+                            <a:latin typeface="Calibri" panose="020F0502020204030204" pitchFamily="34" charset="0"/>
+                            <a:ea typeface="Calibri" panose="020F0502020204030204" pitchFamily="34" charset="0"/>
+                            <a:cs typeface="Arial" panose="020B0604020202020204" pitchFamily="34" charset="0"/>
+                          </a:endParaRPr>
+                        </a:p>
+                      </a:txBody>
+                      <a:tcPr marL="28727" marR="28727" marT="0" marB="0"/>
+                    </a:tc>
+                    <a:extLst>
+                      <a:ext uri="{0D108BD9-81ED-4DB2-BD59-A6C34878D82A}">
+                        <a16:rowId xmlns:a16="http://schemas.microsoft.com/office/drawing/2014/main" val="293046006"/>
+                      </a:ext>
+                    </a:extLst>
+                  </a:tr>
+                  <a:tr h="195810">
+                    <a:tc>
+                      <a:txBody>
+                        <a:bodyPr/>
+                        <a:lstStyle/>
+                        <a:p>
+                          <a:pPr algn="ctr">
+                            <a:lnSpc>
+                              <a:spcPct val="100000"/>
+                            </a:lnSpc>
+                            <a:spcAft>
+                              <a:spcPts val="800"/>
+                            </a:spcAft>
+                          </a:pPr>
+                          <a:r>
+                            <a:rPr lang="en-US" sz="1050" b="1" dirty="0">
+                              <a:effectLst/>
+                            </a:rPr>
+                            <a:t>Aluminum</a:t>
+                          </a:r>
+                          <a:endParaRPr lang="en-US" sz="1050" b="1" dirty="0">
+                            <a:effectLst/>
+                            <a:latin typeface="Calibri" panose="020F0502020204030204" pitchFamily="34" charset="0"/>
+                            <a:ea typeface="Calibri" panose="020F0502020204030204" pitchFamily="34" charset="0"/>
+                            <a:cs typeface="Arial" panose="020B0604020202020204" pitchFamily="34" charset="0"/>
+                          </a:endParaRPr>
+                        </a:p>
+                      </a:txBody>
+                      <a:tcPr marL="28727" marR="28727" marT="0" marB="0"/>
+                    </a:tc>
+                    <a:tc>
+                      <a:txBody>
+                        <a:bodyPr/>
+                        <a:lstStyle/>
+                        <a:p>
+                          <a:pPr algn="ctr">
+                            <a:lnSpc>
+                              <a:spcPct val="100000"/>
+                            </a:lnSpc>
+                            <a:spcAft>
+                              <a:spcPts val="800"/>
+                            </a:spcAft>
+                          </a:pPr>
+                          <a:r>
+                            <a:rPr lang="en-US" sz="1050" b="1" dirty="0">
+                              <a:effectLst/>
+                            </a:rPr>
+                            <a:t> 0.3 mm</a:t>
+                          </a:r>
+                          <a:endParaRPr lang="en-US" sz="1050" b="1" dirty="0">
+                            <a:effectLst/>
+                            <a:latin typeface="Calibri" panose="020F0502020204030204" pitchFamily="34" charset="0"/>
+                            <a:ea typeface="Calibri" panose="020F0502020204030204" pitchFamily="34" charset="0"/>
+                            <a:cs typeface="Arial" panose="020B0604020202020204" pitchFamily="34" charset="0"/>
+                          </a:endParaRPr>
+                        </a:p>
+                      </a:txBody>
+                      <a:tcPr marL="28727" marR="28727" marT="0" marB="0"/>
+                    </a:tc>
+                    <a:tc>
+                      <a:txBody>
+                        <a:bodyPr/>
+                        <a:lstStyle/>
+                        <a:p>
+                          <a:pPr algn="ctr">
+                            <a:lnSpc>
+                              <a:spcPct val="100000"/>
+                            </a:lnSpc>
+                            <a:spcAft>
+                              <a:spcPts val="800"/>
+                            </a:spcAft>
+                          </a:pPr>
+                          <a:r>
+                            <a:rPr lang="en-US" sz="1050" b="1" dirty="0">
+                              <a:effectLst/>
+                            </a:rPr>
+                            <a:t> 8KG</a:t>
+                          </a:r>
+                          <a:endParaRPr lang="en-US" sz="1050" b="1" dirty="0">
+                            <a:effectLst/>
+                            <a:latin typeface="Calibri" panose="020F0502020204030204" pitchFamily="34" charset="0"/>
+                            <a:ea typeface="Calibri" panose="020F0502020204030204" pitchFamily="34" charset="0"/>
+                            <a:cs typeface="Arial" panose="020B0604020202020204" pitchFamily="34" charset="0"/>
+                          </a:endParaRPr>
+                        </a:p>
+                      </a:txBody>
+                      <a:tcPr marL="28727" marR="28727" marT="0" marB="0"/>
+                    </a:tc>
+                    <a:tc>
+                      <a:txBody>
+                        <a:bodyPr/>
+                        <a:lstStyle/>
+                        <a:p>
+                          <a:pPr algn="ctr">
+                            <a:lnSpc>
+                              <a:spcPct val="100000"/>
+                            </a:lnSpc>
+                            <a:spcAft>
+                              <a:spcPts val="800"/>
+                            </a:spcAft>
+                          </a:pPr>
+                          <a:r>
+                            <a:rPr lang="en-US" sz="1050" b="1" dirty="0">
+                              <a:effectLst/>
+                            </a:rPr>
+                            <a:t> 250 kg</a:t>
+                          </a:r>
+                          <a:endParaRPr lang="en-US" sz="1050" b="1" dirty="0">
+                            <a:effectLst/>
+                            <a:latin typeface="Calibri" panose="020F0502020204030204" pitchFamily="34" charset="0"/>
+                            <a:ea typeface="Calibri" panose="020F0502020204030204" pitchFamily="34" charset="0"/>
+                            <a:cs typeface="Arial" panose="020B0604020202020204" pitchFamily="34" charset="0"/>
+                          </a:endParaRPr>
+                        </a:p>
+                      </a:txBody>
+                      <a:tcPr marL="28727" marR="28727" marT="0" marB="0"/>
+                    </a:tc>
+                    <a:tc>
+                      <a:txBody>
+                        <a:bodyPr/>
+                        <a:lstStyle/>
+                        <a:p>
+                          <a:pPr algn="ctr">
+                            <a:lnSpc>
+                              <a:spcPct val="100000"/>
+                            </a:lnSpc>
+                            <a:spcAft>
+                              <a:spcPts val="800"/>
+                            </a:spcAft>
+                          </a:pPr>
+                          <a:r>
+                            <a:rPr lang="en-US" sz="1050" b="1" dirty="0">
+                              <a:effectLst/>
+                            </a:rPr>
+                            <a:t> 1.22 mm</a:t>
+                          </a:r>
+                          <a:endParaRPr lang="en-US" sz="1050" b="1" dirty="0">
+                            <a:effectLst/>
+                            <a:latin typeface="Calibri" panose="020F0502020204030204" pitchFamily="34" charset="0"/>
+                            <a:ea typeface="Calibri" panose="020F0502020204030204" pitchFamily="34" charset="0"/>
+                            <a:cs typeface="Arial" panose="020B0604020202020204" pitchFamily="34" charset="0"/>
+                          </a:endParaRPr>
+                        </a:p>
+                      </a:txBody>
+                      <a:tcPr marL="28727" marR="28727" marT="0" marB="0"/>
+                    </a:tc>
+                    <a:tc>
+                      <a:txBody>
+                        <a:bodyPr/>
+                        <a:lstStyle/>
+                        <a:p>
+                          <a:pPr algn="ctr">
+                            <a:lnSpc>
+                              <a:spcPct val="100000"/>
+                            </a:lnSpc>
+                            <a:spcAft>
+                              <a:spcPts val="800"/>
+                            </a:spcAft>
+                          </a:pPr>
+                          <a:r>
+                            <a:rPr lang="en-US" sz="1050" b="1" dirty="0">
+                              <a:effectLst/>
+                            </a:rPr>
+                            <a:t> </a:t>
+                          </a:r>
+                          <a:endParaRPr lang="en-US" sz="1050" b="1" dirty="0">
+                            <a:effectLst/>
+                            <a:latin typeface="Calibri" panose="020F0502020204030204" pitchFamily="34" charset="0"/>
+                            <a:ea typeface="Calibri" panose="020F0502020204030204" pitchFamily="34" charset="0"/>
+                            <a:cs typeface="Arial" panose="020B0604020202020204" pitchFamily="34" charset="0"/>
+                          </a:endParaRPr>
+                        </a:p>
+                      </a:txBody>
+                      <a:tcPr marL="28727" marR="28727" marT="0" marB="0"/>
+                    </a:tc>
+                    <a:extLst>
+                      <a:ext uri="{0D108BD9-81ED-4DB2-BD59-A6C34878D82A}">
+                        <a16:rowId xmlns:a16="http://schemas.microsoft.com/office/drawing/2014/main" val="1273504914"/>
+                      </a:ext>
+                    </a:extLst>
+                  </a:tr>
+                  <a:tr h="526923">
+                    <a:tc>
+                      <a:txBody>
+                        <a:bodyPr/>
+                        <a:lstStyle/>
+                        <a:p>
+                          <a:pPr algn="ctr">
+                            <a:lnSpc>
+                              <a:spcPct val="100000"/>
+                            </a:lnSpc>
+                            <a:spcAft>
+                              <a:spcPts val="800"/>
+                            </a:spcAft>
+                          </a:pPr>
+                          <a:endParaRPr lang="en-US" sz="1050" b="1" dirty="0">
+                            <a:effectLst/>
+                          </a:endParaRPr>
+                        </a:p>
+                        <a:p>
+                          <a:pPr algn="ctr">
+                            <a:lnSpc>
+                              <a:spcPct val="100000"/>
+                            </a:lnSpc>
+                            <a:spcAft>
+                              <a:spcPts val="800"/>
+                            </a:spcAft>
+                          </a:pPr>
+                          <a:r>
+                            <a:rPr lang="en-US" sz="1050" b="1" dirty="0">
+                              <a:effectLst/>
+                            </a:rPr>
+                            <a:t> Stainless Steel</a:t>
+                          </a:r>
+                          <a:endParaRPr lang="en-US" sz="1050" b="1" dirty="0">
+                            <a:effectLst/>
+                            <a:latin typeface="Calibri" panose="020F0502020204030204" pitchFamily="34" charset="0"/>
+                            <a:ea typeface="Calibri" panose="020F0502020204030204" pitchFamily="34" charset="0"/>
+                            <a:cs typeface="Arial" panose="020B0604020202020204" pitchFamily="34" charset="0"/>
+                          </a:endParaRPr>
+                        </a:p>
+                      </a:txBody>
+                      <a:tcPr marL="28727" marR="28727" marT="0" marB="0"/>
+                    </a:tc>
+                    <a:tc>
+                      <a:txBody>
+                        <a:bodyPr/>
+                        <a:lstStyle/>
+                        <a:p>
+                          <a:pPr algn="ctr">
+                            <a:lnSpc>
+                              <a:spcPct val="100000"/>
+                            </a:lnSpc>
+                            <a:spcAft>
+                              <a:spcPts val="800"/>
+                            </a:spcAft>
+                          </a:pPr>
+                          <a:r>
+                            <a:rPr lang="en-US" sz="1050" b="1" dirty="0">
+                              <a:effectLst/>
+                            </a:rPr>
+                            <a:t> 0.2 mm</a:t>
+                          </a:r>
+                          <a:endParaRPr lang="en-US" sz="1050" b="1" dirty="0">
+                            <a:effectLst/>
+                            <a:latin typeface="Calibri" panose="020F0502020204030204" pitchFamily="34" charset="0"/>
+                            <a:ea typeface="Calibri" panose="020F0502020204030204" pitchFamily="34" charset="0"/>
+                            <a:cs typeface="Arial" panose="020B0604020202020204" pitchFamily="34" charset="0"/>
+                          </a:endParaRPr>
+                        </a:p>
+                      </a:txBody>
+                      <a:tcPr marL="28727" marR="28727" marT="0" marB="0"/>
+                    </a:tc>
+                    <a:tc>
+                      <a:txBody>
+                        <a:bodyPr/>
+                        <a:lstStyle/>
+                        <a:p>
+                          <a:pPr algn="ctr">
+                            <a:lnSpc>
+                              <a:spcPct val="100000"/>
+                            </a:lnSpc>
+                            <a:spcAft>
+                              <a:spcPts val="800"/>
+                            </a:spcAft>
+                          </a:pPr>
+                          <a:r>
+                            <a:rPr lang="en-US" sz="1050" b="1" dirty="0">
+                              <a:effectLst/>
+                            </a:rPr>
+                            <a:t> 16 KG</a:t>
+                          </a:r>
+                          <a:endParaRPr lang="en-US" sz="1050" b="1" dirty="0">
+                            <a:effectLst/>
+                            <a:latin typeface="Calibri" panose="020F0502020204030204" pitchFamily="34" charset="0"/>
+                            <a:ea typeface="Calibri" panose="020F0502020204030204" pitchFamily="34" charset="0"/>
+                            <a:cs typeface="Arial" panose="020B0604020202020204" pitchFamily="34" charset="0"/>
+                          </a:endParaRPr>
+                        </a:p>
+                      </a:txBody>
+                      <a:tcPr marL="28727" marR="28727" marT="0" marB="0"/>
+                    </a:tc>
+                    <a:tc>
+                      <a:txBody>
+                        <a:bodyPr/>
+                        <a:lstStyle/>
+                        <a:p>
+                          <a:pPr algn="ctr">
+                            <a:lnSpc>
+                              <a:spcPct val="100000"/>
+                            </a:lnSpc>
+                            <a:spcAft>
+                              <a:spcPts val="800"/>
+                            </a:spcAft>
+                          </a:pPr>
+                          <a:r>
+                            <a:rPr lang="en-US" sz="1050" b="1" dirty="0">
+                              <a:effectLst/>
+                            </a:rPr>
+                            <a:t> 250 KG</a:t>
+                          </a:r>
+                          <a:endParaRPr lang="en-US" sz="1050" b="1" dirty="0">
+                            <a:effectLst/>
+                            <a:latin typeface="Calibri" panose="020F0502020204030204" pitchFamily="34" charset="0"/>
+                            <a:ea typeface="Calibri" panose="020F0502020204030204" pitchFamily="34" charset="0"/>
+                            <a:cs typeface="Arial" panose="020B0604020202020204" pitchFamily="34" charset="0"/>
+                          </a:endParaRPr>
+                        </a:p>
+                      </a:txBody>
+                      <a:tcPr marL="28727" marR="28727" marT="0" marB="0"/>
+                    </a:tc>
+                    <a:tc>
+                      <a:txBody>
+                        <a:bodyPr/>
+                        <a:lstStyle/>
+                        <a:p>
+                          <a:endParaRPr lang="en-US"/>
+                        </a:p>
+                      </a:txBody>
+                      <a:tcPr marL="28727" marR="28727" marT="0" marB="0">
+                        <a:blipFill>
+                          <a:blip r:embed="rId2"/>
+                          <a:stretch>
+                            <a:fillRect l="-351271" t="-412644" r="-91949" b="-273563"/>
+                          </a:stretch>
+                        </a:blipFill>
+                      </a:tcPr>
+                    </a:tc>
+                    <a:tc>
+                      <a:txBody>
+                        <a:bodyPr/>
+                        <a:lstStyle/>
+                        <a:p>
+                          <a:pPr algn="ctr">
+                            <a:lnSpc>
+                              <a:spcPct val="100000"/>
+                            </a:lnSpc>
+                            <a:spcAft>
+                              <a:spcPts val="800"/>
+                            </a:spcAft>
+                          </a:pPr>
+                          <a:r>
+                            <a:rPr lang="en-US" sz="1050" b="1" dirty="0">
+                              <a:effectLst/>
+                            </a:rPr>
+                            <a:t> </a:t>
+                          </a:r>
+                          <a:endParaRPr lang="en-US" sz="1050" b="1" dirty="0">
+                            <a:effectLst/>
+                            <a:latin typeface="Calibri" panose="020F0502020204030204" pitchFamily="34" charset="0"/>
+                            <a:ea typeface="Calibri" panose="020F0502020204030204" pitchFamily="34" charset="0"/>
+                            <a:cs typeface="Arial" panose="020B0604020202020204" pitchFamily="34" charset="0"/>
+                          </a:endParaRPr>
+                        </a:p>
+                      </a:txBody>
+                      <a:tcPr marL="28727" marR="28727" marT="0" marB="0"/>
+                    </a:tc>
+                    <a:extLst>
+                      <a:ext uri="{0D108BD9-81ED-4DB2-BD59-A6C34878D82A}">
+                        <a16:rowId xmlns:a16="http://schemas.microsoft.com/office/drawing/2014/main" val="11570053"/>
+                      </a:ext>
+                    </a:extLst>
+                  </a:tr>
+                  <a:tr h="526923">
+                    <a:tc>
+                      <a:txBody>
+                        <a:bodyPr/>
+                        <a:lstStyle/>
+                        <a:p>
+                          <a:pPr algn="ctr">
+                            <a:lnSpc>
+                              <a:spcPct val="100000"/>
+                            </a:lnSpc>
+                            <a:spcAft>
+                              <a:spcPts val="800"/>
+                            </a:spcAft>
+                          </a:pPr>
+                          <a:r>
+                            <a:rPr lang="en-US" sz="1050" b="1" dirty="0">
+                              <a:effectLst/>
+                            </a:rPr>
+                            <a:t> </a:t>
+                          </a:r>
+                        </a:p>
+                        <a:p>
+                          <a:pPr algn="ctr">
+                            <a:lnSpc>
+                              <a:spcPct val="100000"/>
+                            </a:lnSpc>
+                            <a:spcAft>
+                              <a:spcPts val="800"/>
+                            </a:spcAft>
+                          </a:pPr>
+                          <a:r>
+                            <a:rPr lang="en-US" sz="1050" b="1" dirty="0">
+                              <a:effectLst/>
+                            </a:rPr>
+                            <a:t>Stainless Steel</a:t>
+                          </a:r>
+                          <a:endParaRPr lang="en-US" sz="1050" b="1" dirty="0">
+                            <a:effectLst/>
+                            <a:latin typeface="Calibri" panose="020F0502020204030204" pitchFamily="34" charset="0"/>
+                            <a:ea typeface="Calibri" panose="020F0502020204030204" pitchFamily="34" charset="0"/>
+                            <a:cs typeface="Arial" panose="020B0604020202020204" pitchFamily="34" charset="0"/>
+                          </a:endParaRPr>
+                        </a:p>
+                      </a:txBody>
+                      <a:tcPr marL="28727" marR="28727" marT="0" marB="0"/>
+                    </a:tc>
+                    <a:tc>
+                      <a:txBody>
+                        <a:bodyPr/>
+                        <a:lstStyle/>
+                        <a:p>
+                          <a:pPr algn="ctr">
+                            <a:lnSpc>
+                              <a:spcPct val="100000"/>
+                            </a:lnSpc>
+                            <a:spcAft>
+                              <a:spcPts val="800"/>
+                            </a:spcAft>
+                          </a:pPr>
+                          <a:r>
+                            <a:rPr lang="en-US" sz="1050" b="1" dirty="0">
+                              <a:effectLst/>
+                            </a:rPr>
+                            <a:t> 0.3 mm</a:t>
+                          </a:r>
+                          <a:endParaRPr lang="en-US" sz="1050" b="1" dirty="0">
+                            <a:effectLst/>
+                            <a:latin typeface="Calibri" panose="020F0502020204030204" pitchFamily="34" charset="0"/>
+                            <a:ea typeface="Calibri" panose="020F0502020204030204" pitchFamily="34" charset="0"/>
+                            <a:cs typeface="Arial" panose="020B0604020202020204" pitchFamily="34" charset="0"/>
+                          </a:endParaRPr>
+                        </a:p>
+                      </a:txBody>
+                      <a:tcPr marL="28727" marR="28727" marT="0" marB="0"/>
+                    </a:tc>
+                    <a:tc>
+                      <a:txBody>
+                        <a:bodyPr/>
+                        <a:lstStyle/>
+                        <a:p>
+                          <a:pPr algn="ctr">
+                            <a:lnSpc>
+                              <a:spcPct val="100000"/>
+                            </a:lnSpc>
+                            <a:spcAft>
+                              <a:spcPts val="800"/>
+                            </a:spcAft>
+                          </a:pPr>
+                          <a:r>
+                            <a:rPr lang="en-US" sz="1050" b="1" dirty="0">
+                              <a:effectLst/>
+                            </a:rPr>
+                            <a:t> 22 KG</a:t>
+                          </a:r>
+                          <a:endParaRPr lang="en-US" sz="1050" b="1" dirty="0">
+                            <a:effectLst/>
+                            <a:latin typeface="Calibri" panose="020F0502020204030204" pitchFamily="34" charset="0"/>
+                            <a:ea typeface="Calibri" panose="020F0502020204030204" pitchFamily="34" charset="0"/>
+                            <a:cs typeface="Arial" panose="020B0604020202020204" pitchFamily="34" charset="0"/>
+                          </a:endParaRPr>
+                        </a:p>
+                      </a:txBody>
+                      <a:tcPr marL="28727" marR="28727" marT="0" marB="0"/>
+                    </a:tc>
+                    <a:tc>
+                      <a:txBody>
+                        <a:bodyPr/>
+                        <a:lstStyle/>
+                        <a:p>
+                          <a:pPr algn="ctr">
+                            <a:lnSpc>
+                              <a:spcPct val="100000"/>
+                            </a:lnSpc>
+                            <a:spcAft>
+                              <a:spcPts val="800"/>
+                            </a:spcAft>
+                          </a:pPr>
+                          <a:r>
+                            <a:rPr lang="en-US" sz="1050" b="1" dirty="0">
+                              <a:effectLst/>
+                            </a:rPr>
+                            <a:t> 250 KG</a:t>
+                          </a:r>
+                          <a:endParaRPr lang="en-US" sz="1050" b="1" dirty="0">
+                            <a:effectLst/>
+                            <a:latin typeface="Calibri" panose="020F0502020204030204" pitchFamily="34" charset="0"/>
+                            <a:ea typeface="Calibri" panose="020F0502020204030204" pitchFamily="34" charset="0"/>
+                            <a:cs typeface="Arial" panose="020B0604020202020204" pitchFamily="34" charset="0"/>
+                          </a:endParaRPr>
+                        </a:p>
+                      </a:txBody>
+                      <a:tcPr marL="28727" marR="28727" marT="0" marB="0"/>
+                    </a:tc>
+                    <a:tc>
+                      <a:txBody>
+                        <a:bodyPr/>
+                        <a:lstStyle/>
+                        <a:p>
+                          <a:endParaRPr lang="en-US"/>
+                        </a:p>
+                      </a:txBody>
+                      <a:tcPr marL="28727" marR="28727" marT="0" marB="0">
+                        <a:blipFill>
+                          <a:blip r:embed="rId2"/>
+                          <a:stretch>
+                            <a:fillRect l="-351271" t="-518605" r="-91949" b="-176744"/>
+                          </a:stretch>
+                        </a:blipFill>
+                      </a:tcPr>
+                    </a:tc>
+                    <a:tc>
+                      <a:txBody>
+                        <a:bodyPr/>
+                        <a:lstStyle/>
+                        <a:p>
+                          <a:pPr algn="ctr">
+                            <a:lnSpc>
+                              <a:spcPct val="100000"/>
+                            </a:lnSpc>
+                            <a:spcAft>
+                              <a:spcPts val="800"/>
+                            </a:spcAft>
+                          </a:pPr>
+                          <a:r>
+                            <a:rPr lang="en-US" sz="1050" b="1" dirty="0">
+                              <a:effectLst/>
+                            </a:rPr>
+                            <a:t>From 2.15 $ </a:t>
+                          </a:r>
+                        </a:p>
+                        <a:p>
+                          <a:pPr algn="ctr">
+                            <a:lnSpc>
+                              <a:spcPct val="100000"/>
+                            </a:lnSpc>
+                            <a:spcAft>
+                              <a:spcPts val="800"/>
+                            </a:spcAft>
+                          </a:pPr>
+                          <a:r>
+                            <a:rPr lang="en-US" sz="1050" b="1" dirty="0">
+                              <a:effectLst/>
+                            </a:rPr>
+                            <a:t>To 2.65 $ per Kg</a:t>
+                          </a:r>
+                          <a:endParaRPr lang="en-US" sz="1050" b="1" dirty="0">
+                            <a:effectLst/>
+                            <a:latin typeface="Calibri" panose="020F0502020204030204" pitchFamily="34" charset="0"/>
+                            <a:ea typeface="Calibri" panose="020F0502020204030204" pitchFamily="34" charset="0"/>
+                            <a:cs typeface="Arial" panose="020B0604020202020204" pitchFamily="34" charset="0"/>
+                          </a:endParaRPr>
+                        </a:p>
+                      </a:txBody>
+                      <a:tcPr marL="28727" marR="28727" marT="0" marB="0"/>
+                    </a:tc>
+                    <a:extLst>
+                      <a:ext uri="{0D108BD9-81ED-4DB2-BD59-A6C34878D82A}">
+                        <a16:rowId xmlns:a16="http://schemas.microsoft.com/office/drawing/2014/main" val="1100781932"/>
+                      </a:ext>
+                    </a:extLst>
+                  </a:tr>
+                  <a:tr h="421640">
+                    <a:tc>
+                      <a:txBody>
+                        <a:bodyPr/>
+                        <a:lstStyle/>
+                        <a:p>
+                          <a:pPr algn="ctr">
+                            <a:lnSpc>
+                              <a:spcPct val="100000"/>
+                            </a:lnSpc>
+                            <a:spcAft>
+                              <a:spcPts val="800"/>
+                            </a:spcAft>
+                          </a:pPr>
+                          <a:r>
+                            <a:rPr lang="en-US" sz="1050" b="1" dirty="0">
+                              <a:effectLst/>
+                            </a:rPr>
+                            <a:t>3D printed </a:t>
+                          </a:r>
+                        </a:p>
+                        <a:p>
+                          <a:pPr algn="ctr">
+                            <a:lnSpc>
+                              <a:spcPct val="100000"/>
+                            </a:lnSpc>
+                            <a:spcAft>
+                              <a:spcPts val="800"/>
+                            </a:spcAft>
+                          </a:pPr>
+                          <a:r>
+                            <a:rPr lang="en-US" sz="1050" b="1" dirty="0">
+                              <a:effectLst/>
+                            </a:rPr>
+                            <a:t>ABS</a:t>
+                          </a:r>
+                          <a:endParaRPr lang="en-US" sz="1050" b="1" dirty="0">
+                            <a:effectLst/>
+                            <a:latin typeface="Calibri" panose="020F0502020204030204" pitchFamily="34" charset="0"/>
+                            <a:ea typeface="Calibri" panose="020F0502020204030204" pitchFamily="34" charset="0"/>
+                            <a:cs typeface="Arial" panose="020B0604020202020204" pitchFamily="34" charset="0"/>
+                          </a:endParaRPr>
+                        </a:p>
+                      </a:txBody>
+                      <a:tcPr marL="28727" marR="28727" marT="0" marB="0"/>
+                    </a:tc>
+                    <a:tc>
+                      <a:txBody>
+                        <a:bodyPr/>
+                        <a:lstStyle/>
+                        <a:p>
+                          <a:pPr algn="ctr">
+                            <a:lnSpc>
+                              <a:spcPct val="100000"/>
+                            </a:lnSpc>
+                            <a:spcAft>
+                              <a:spcPts val="800"/>
+                            </a:spcAft>
+                          </a:pPr>
+                          <a:r>
+                            <a:rPr lang="en-US" sz="1050" b="1" dirty="0">
+                              <a:effectLst/>
+                            </a:rPr>
+                            <a:t> 5 mm</a:t>
+                          </a:r>
+                          <a:endParaRPr lang="en-US" sz="1050" b="1" dirty="0">
+                            <a:effectLst/>
+                            <a:latin typeface="Calibri" panose="020F0502020204030204" pitchFamily="34" charset="0"/>
+                            <a:ea typeface="Calibri" panose="020F0502020204030204" pitchFamily="34" charset="0"/>
+                            <a:cs typeface="Arial" panose="020B0604020202020204" pitchFamily="34" charset="0"/>
+                          </a:endParaRPr>
+                        </a:p>
+                      </a:txBody>
+                      <a:tcPr marL="28727" marR="28727" marT="0" marB="0"/>
+                    </a:tc>
+                    <a:tc>
+                      <a:txBody>
+                        <a:bodyPr/>
+                        <a:lstStyle/>
+                        <a:p>
+                          <a:pPr algn="ctr">
+                            <a:lnSpc>
+                              <a:spcPct val="100000"/>
+                            </a:lnSpc>
+                            <a:spcAft>
+                              <a:spcPts val="800"/>
+                            </a:spcAft>
+                          </a:pPr>
+                          <a:r>
+                            <a:rPr lang="en-US" sz="1050" b="1" dirty="0">
+                              <a:effectLst/>
+                            </a:rPr>
+                            <a:t> 3.5 KG</a:t>
+                          </a:r>
+                          <a:endParaRPr lang="en-US" sz="1050" b="1" dirty="0">
+                            <a:effectLst/>
+                            <a:latin typeface="Calibri" panose="020F0502020204030204" pitchFamily="34" charset="0"/>
+                            <a:ea typeface="Calibri" panose="020F0502020204030204" pitchFamily="34" charset="0"/>
+                            <a:cs typeface="Arial" panose="020B0604020202020204" pitchFamily="34" charset="0"/>
+                          </a:endParaRPr>
+                        </a:p>
+                      </a:txBody>
+                      <a:tcPr marL="28727" marR="28727" marT="0" marB="0"/>
+                    </a:tc>
+                    <a:tc>
+                      <a:txBody>
+                        <a:bodyPr/>
+                        <a:lstStyle/>
+                        <a:p>
+                          <a:pPr algn="ctr">
+                            <a:lnSpc>
+                              <a:spcPct val="100000"/>
+                            </a:lnSpc>
+                            <a:spcAft>
+                              <a:spcPts val="800"/>
+                            </a:spcAft>
+                          </a:pPr>
+                          <a:r>
+                            <a:rPr lang="en-US" sz="1050" b="1">
+                              <a:effectLst/>
+                            </a:rPr>
+                            <a:t> </a:t>
+                          </a:r>
+                        </a:p>
+                        <a:p>
+                          <a:pPr algn="ctr">
+                            <a:lnSpc>
+                              <a:spcPct val="100000"/>
+                            </a:lnSpc>
+                            <a:spcAft>
+                              <a:spcPts val="800"/>
+                            </a:spcAft>
+                          </a:pPr>
+                          <a:r>
+                            <a:rPr lang="en-US" sz="1050" b="1">
+                              <a:effectLst/>
+                            </a:rPr>
+                            <a:t> </a:t>
+                          </a:r>
+                          <a:endParaRPr lang="en-US" sz="1050" b="1">
+                            <a:effectLst/>
+                            <a:latin typeface="Calibri" panose="020F0502020204030204" pitchFamily="34" charset="0"/>
+                            <a:ea typeface="Calibri" panose="020F0502020204030204" pitchFamily="34" charset="0"/>
+                            <a:cs typeface="Arial" panose="020B0604020202020204" pitchFamily="34" charset="0"/>
+                          </a:endParaRPr>
+                        </a:p>
+                      </a:txBody>
+                      <a:tcPr marL="28727" marR="28727" marT="0" marB="0"/>
+                    </a:tc>
+                    <a:tc>
+                      <a:txBody>
+                        <a:bodyPr/>
+                        <a:lstStyle/>
+                        <a:p>
+                          <a:pPr algn="ctr">
+                            <a:lnSpc>
+                              <a:spcPct val="100000"/>
+                            </a:lnSpc>
+                            <a:spcAft>
+                              <a:spcPts val="800"/>
+                            </a:spcAft>
+                          </a:pPr>
+                          <a:r>
+                            <a:rPr lang="en-US" sz="1050" b="1" dirty="0">
+                              <a:effectLst/>
+                            </a:rPr>
+                            <a:t> </a:t>
+                          </a:r>
+                          <a:endParaRPr lang="en-US" sz="1050" b="1" dirty="0">
+                            <a:effectLst/>
+                            <a:latin typeface="Calibri" panose="020F0502020204030204" pitchFamily="34" charset="0"/>
+                            <a:ea typeface="Calibri" panose="020F0502020204030204" pitchFamily="34" charset="0"/>
+                            <a:cs typeface="Arial" panose="020B0604020202020204" pitchFamily="34" charset="0"/>
+                          </a:endParaRPr>
+                        </a:p>
+                      </a:txBody>
+                      <a:tcPr marL="28727" marR="28727" marT="0" marB="0"/>
+                    </a:tc>
+                    <a:tc>
+                      <a:txBody>
+                        <a:bodyPr/>
+                        <a:lstStyle/>
+                        <a:p>
+                          <a:pPr algn="ctr">
+                            <a:lnSpc>
+                              <a:spcPct val="100000"/>
+                            </a:lnSpc>
+                            <a:spcAft>
+                              <a:spcPts val="800"/>
+                            </a:spcAft>
+                          </a:pPr>
+                          <a:r>
+                            <a:rPr lang="en-US" sz="1050" b="1" dirty="0">
+                              <a:effectLst/>
+                            </a:rPr>
+                            <a:t> </a:t>
+                          </a:r>
+                          <a:endParaRPr lang="en-US" sz="1050" b="1" dirty="0">
+                            <a:effectLst/>
+                            <a:latin typeface="Calibri" panose="020F0502020204030204" pitchFamily="34" charset="0"/>
+                            <a:ea typeface="Calibri" panose="020F0502020204030204" pitchFamily="34" charset="0"/>
+                            <a:cs typeface="Arial" panose="020B0604020202020204" pitchFamily="34" charset="0"/>
+                          </a:endParaRPr>
+                        </a:p>
+                      </a:txBody>
+                      <a:tcPr marL="28727" marR="28727" marT="0" marB="0"/>
+                    </a:tc>
+                    <a:extLst>
+                      <a:ext uri="{0D108BD9-81ED-4DB2-BD59-A6C34878D82A}">
+                        <a16:rowId xmlns:a16="http://schemas.microsoft.com/office/drawing/2014/main" val="1324458157"/>
+                      </a:ext>
+                    </a:extLst>
+                  </a:tr>
+                  <a:tr h="421640">
+                    <a:tc>
+                      <a:txBody>
+                        <a:bodyPr/>
+                        <a:lstStyle/>
+                        <a:p>
+                          <a:pPr algn="ctr">
+                            <a:lnSpc>
+                              <a:spcPct val="100000"/>
+                            </a:lnSpc>
+                            <a:spcAft>
+                              <a:spcPts val="800"/>
+                            </a:spcAft>
+                          </a:pPr>
+                          <a:r>
+                            <a:rPr lang="en-US" sz="1050" b="1">
+                              <a:effectLst/>
+                            </a:rPr>
+                            <a:t>3D printed </a:t>
+                          </a:r>
+                        </a:p>
+                        <a:p>
+                          <a:pPr algn="ctr">
+                            <a:lnSpc>
+                              <a:spcPct val="100000"/>
+                            </a:lnSpc>
+                            <a:spcAft>
+                              <a:spcPts val="800"/>
+                            </a:spcAft>
+                          </a:pPr>
+                          <a:r>
+                            <a:rPr lang="en-US" sz="1050" b="1">
+                              <a:effectLst/>
+                            </a:rPr>
+                            <a:t>ABS</a:t>
+                          </a:r>
+                          <a:endParaRPr lang="en-US" sz="1050" b="1">
+                            <a:effectLst/>
+                            <a:latin typeface="Calibri" panose="020F0502020204030204" pitchFamily="34" charset="0"/>
+                            <a:ea typeface="Calibri" panose="020F0502020204030204" pitchFamily="34" charset="0"/>
+                            <a:cs typeface="Arial" panose="020B0604020202020204" pitchFamily="34" charset="0"/>
+                          </a:endParaRPr>
+                        </a:p>
+                      </a:txBody>
+                      <a:tcPr marL="28727" marR="28727" marT="0" marB="0"/>
+                    </a:tc>
+                    <a:tc>
+                      <a:txBody>
+                        <a:bodyPr/>
+                        <a:lstStyle/>
+                        <a:p>
+                          <a:pPr algn="ctr">
+                            <a:lnSpc>
+                              <a:spcPct val="100000"/>
+                            </a:lnSpc>
+                            <a:spcAft>
+                              <a:spcPts val="800"/>
+                            </a:spcAft>
+                          </a:pPr>
+                          <a:r>
+                            <a:rPr lang="en-US" sz="1050" b="1" dirty="0">
+                              <a:effectLst/>
+                            </a:rPr>
+                            <a:t> 10 mm</a:t>
+                          </a:r>
+                          <a:endParaRPr lang="en-US" sz="1050" b="1" dirty="0">
+                            <a:effectLst/>
+                            <a:latin typeface="Calibri" panose="020F0502020204030204" pitchFamily="34" charset="0"/>
+                            <a:ea typeface="Calibri" panose="020F0502020204030204" pitchFamily="34" charset="0"/>
+                            <a:cs typeface="Arial" panose="020B0604020202020204" pitchFamily="34" charset="0"/>
+                          </a:endParaRPr>
+                        </a:p>
+                      </a:txBody>
+                      <a:tcPr marL="28727" marR="28727" marT="0" marB="0"/>
+                    </a:tc>
+                    <a:tc>
+                      <a:txBody>
+                        <a:bodyPr/>
+                        <a:lstStyle/>
+                        <a:p>
+                          <a:pPr algn="ctr">
+                            <a:lnSpc>
+                              <a:spcPct val="100000"/>
+                            </a:lnSpc>
+                            <a:spcAft>
+                              <a:spcPts val="800"/>
+                            </a:spcAft>
+                          </a:pPr>
+                          <a:r>
+                            <a:rPr lang="en-US" sz="1050" b="1">
+                              <a:effectLst/>
+                            </a:rPr>
+                            <a:t> </a:t>
+                          </a:r>
+                        </a:p>
+                        <a:p>
+                          <a:pPr algn="ctr">
+                            <a:lnSpc>
+                              <a:spcPct val="100000"/>
+                            </a:lnSpc>
+                            <a:spcAft>
+                              <a:spcPts val="800"/>
+                            </a:spcAft>
+                          </a:pPr>
+                          <a:r>
+                            <a:rPr lang="en-US" sz="1050" b="1">
+                              <a:effectLst/>
+                            </a:rPr>
+                            <a:t> </a:t>
+                          </a:r>
+                          <a:endParaRPr lang="en-US" sz="1050" b="1">
+                            <a:effectLst/>
+                            <a:latin typeface="Calibri" panose="020F0502020204030204" pitchFamily="34" charset="0"/>
+                            <a:ea typeface="Calibri" panose="020F0502020204030204" pitchFamily="34" charset="0"/>
+                            <a:cs typeface="Arial" panose="020B0604020202020204" pitchFamily="34" charset="0"/>
+                          </a:endParaRPr>
+                        </a:p>
+                      </a:txBody>
+                      <a:tcPr marL="28727" marR="28727" marT="0" marB="0"/>
+                    </a:tc>
+                    <a:tc>
+                      <a:txBody>
+                        <a:bodyPr/>
+                        <a:lstStyle/>
+                        <a:p>
+                          <a:pPr algn="ctr">
+                            <a:lnSpc>
+                              <a:spcPct val="100000"/>
+                            </a:lnSpc>
+                            <a:spcAft>
+                              <a:spcPts val="800"/>
+                            </a:spcAft>
+                          </a:pPr>
+                          <a:r>
+                            <a:rPr lang="en-US" sz="1050" b="1">
+                              <a:effectLst/>
+                            </a:rPr>
+                            <a:t> </a:t>
+                          </a:r>
+                          <a:endParaRPr lang="en-US" sz="1050" b="1">
+                            <a:effectLst/>
+                            <a:latin typeface="Calibri" panose="020F0502020204030204" pitchFamily="34" charset="0"/>
+                            <a:ea typeface="Calibri" panose="020F0502020204030204" pitchFamily="34" charset="0"/>
+                            <a:cs typeface="Arial" panose="020B0604020202020204" pitchFamily="34" charset="0"/>
+                          </a:endParaRPr>
+                        </a:p>
+                      </a:txBody>
+                      <a:tcPr marL="28727" marR="28727" marT="0" marB="0"/>
+                    </a:tc>
+                    <a:tc>
+                      <a:txBody>
+                        <a:bodyPr/>
+                        <a:lstStyle/>
+                        <a:p>
+                          <a:pPr algn="ctr">
+                            <a:lnSpc>
+                              <a:spcPct val="100000"/>
+                            </a:lnSpc>
+                            <a:spcAft>
+                              <a:spcPts val="800"/>
+                            </a:spcAft>
+                          </a:pPr>
+                          <a:r>
+                            <a:rPr lang="en-US" sz="1050" b="1" dirty="0">
+                              <a:effectLst/>
+                            </a:rPr>
+                            <a:t> </a:t>
+                          </a:r>
+                          <a:endParaRPr lang="en-US" sz="1050" b="1" dirty="0">
+                            <a:effectLst/>
+                            <a:latin typeface="Calibri" panose="020F0502020204030204" pitchFamily="34" charset="0"/>
+                            <a:ea typeface="Calibri" panose="020F0502020204030204" pitchFamily="34" charset="0"/>
+                            <a:cs typeface="Arial" panose="020B0604020202020204" pitchFamily="34" charset="0"/>
+                          </a:endParaRPr>
+                        </a:p>
+                      </a:txBody>
+                      <a:tcPr marL="28727" marR="28727" marT="0" marB="0"/>
+                    </a:tc>
+                    <a:tc>
+                      <a:txBody>
+                        <a:bodyPr/>
+                        <a:lstStyle/>
+                        <a:p>
+                          <a:pPr algn="ctr">
+                            <a:lnSpc>
+                              <a:spcPct val="100000"/>
+                            </a:lnSpc>
+                            <a:spcAft>
+                              <a:spcPts val="800"/>
+                            </a:spcAft>
+                          </a:pPr>
+                          <a:r>
+                            <a:rPr lang="en-US" sz="1050" b="1" dirty="0">
+                              <a:effectLst/>
+                            </a:rPr>
+                            <a:t> </a:t>
+                          </a:r>
+                          <a:endParaRPr lang="en-US" sz="1050" b="1" dirty="0">
+                            <a:effectLst/>
+                            <a:latin typeface="Calibri" panose="020F0502020204030204" pitchFamily="34" charset="0"/>
+                            <a:ea typeface="Calibri" panose="020F0502020204030204" pitchFamily="34" charset="0"/>
+                            <a:cs typeface="Arial" panose="020B0604020202020204" pitchFamily="34" charset="0"/>
+                          </a:endParaRPr>
+                        </a:p>
+                      </a:txBody>
+                      <a:tcPr marL="28727" marR="28727" marT="0" marB="0"/>
+                    </a:tc>
+                    <a:extLst>
+                      <a:ext uri="{0D108BD9-81ED-4DB2-BD59-A6C34878D82A}">
+                        <a16:rowId xmlns:a16="http://schemas.microsoft.com/office/drawing/2014/main" val="883065859"/>
+                      </a:ext>
+                    </a:extLst>
+                  </a:tr>
+                </a:tbl>
+              </a:graphicData>
+            </a:graphic>
+          </p:graphicFrame>
+        </mc:Fallback>
+      </mc:AlternateContent>
+    </p:spTree>
+    <p:extLst>
+      <p:ext uri="{BB962C8B-B14F-4D97-AF65-F5344CB8AC3E}">
+        <p14:creationId xmlns:p14="http://schemas.microsoft.com/office/powerpoint/2010/main" val="3836961513"/>
+      </p:ext>
+    </p:extLst>
+  </p:cSld>
+  <p:clrMapOvr>
+    <a:masterClrMapping/>
+  </p:clrMapOvr>
+</p:sld>
+</file>
+
+<file path=ppt/slides/slide14.xml><?xml version="1.0" encoding="utf-8"?>
+<p:sld xmlns:a="http://schemas.openxmlformats.org/drawingml/2006/main" xmlns:r="http://schemas.openxmlformats.org/officeDocument/2006/relationships" xmlns:p="http://schemas.openxmlformats.org/presentationml/2006/main">
+  <p:cSld>
+    <p:spTree>
+      <p:nvGrpSpPr>
+        <p:cNvPr id="1" name=""/>
+        <p:cNvGrpSpPr/>
+        <p:nvPr/>
+      </p:nvGrpSpPr>
+      <p:grpSpPr>
+        <a:xfrm>
+          <a:off x="0" y="0"/>
+          <a:ext cx="0" cy="0"/>
+          <a:chOff x="0" y="0"/>
+          <a:chExt cx="0" cy="0"/>
+        </a:xfrm>
+      </p:grpSpPr>
+      <p:sp>
+        <p:nvSpPr>
+          <p:cNvPr id="36" name="Text Placeholder 1"/>
+          <p:cNvSpPr txBox="1">
+            <a:spLocks/>
+          </p:cNvSpPr>
+          <p:nvPr/>
+        </p:nvSpPr>
+        <p:spPr>
+          <a:xfrm>
+            <a:off x="395536" y="147331"/>
+            <a:ext cx="8748464" cy="1200283"/>
+          </a:xfrm>
+          <a:prstGeom prst="rect">
+            <a:avLst/>
+          </a:prstGeom>
+        </p:spPr>
+        <p:txBody>
+          <a:bodyPr/>
+          <a:lstStyle>
+            <a:lvl1pPr marL="342900" indent="-342900" algn="l" defTabSz="914400" rtl="0" eaLnBrk="1" latinLnBrk="1" hangingPunct="1">
+              <a:spcBef>
+                <a:spcPct val="20000"/>
+              </a:spcBef>
+              <a:buFont typeface="Arial" pitchFamily="34" charset="0"/>
+              <a:buChar char="•"/>
+              <a:defRPr sz="3200" kern="1200">
+                <a:solidFill>
+                  <a:schemeClr val="tx1"/>
+                </a:solidFill>
+                <a:latin typeface="+mn-lt"/>
+                <a:ea typeface="+mn-ea"/>
+                <a:cs typeface="+mn-cs"/>
+              </a:defRPr>
+            </a:lvl1pPr>
+            <a:lvl2pPr marL="742950" indent="-285750" algn="l" defTabSz="914400" rtl="0" eaLnBrk="1" latinLnBrk="1" hangingPunct="1">
+              <a:spcBef>
+                <a:spcPct val="20000"/>
+              </a:spcBef>
+              <a:buFont typeface="Arial" pitchFamily="34" charset="0"/>
+              <a:buChar char="–"/>
+              <a:defRPr sz="2800" kern="1200">
+                <a:solidFill>
+                  <a:schemeClr val="tx1"/>
+                </a:solidFill>
+                <a:latin typeface="+mn-lt"/>
+                <a:ea typeface="+mn-ea"/>
+                <a:cs typeface="+mn-cs"/>
+              </a:defRPr>
+            </a:lvl2pPr>
+            <a:lvl3pPr marL="1143000" indent="-228600" algn="l" defTabSz="914400" rtl="0" eaLnBrk="1" latinLnBrk="1" hangingPunct="1">
+              <a:spcBef>
+                <a:spcPct val="20000"/>
+              </a:spcBef>
+              <a:buFont typeface="Arial" pitchFamily="34" charset="0"/>
+              <a:buChar char="•"/>
+              <a:defRPr sz="2400" kern="1200">
+                <a:solidFill>
+                  <a:schemeClr val="tx1"/>
+                </a:solidFill>
+                <a:latin typeface="+mn-lt"/>
+                <a:ea typeface="+mn-ea"/>
+                <a:cs typeface="+mn-cs"/>
+              </a:defRPr>
+            </a:lvl3pPr>
+            <a:lvl4pPr marL="1600200" indent="-228600" algn="l" defTabSz="914400" rtl="0" eaLnBrk="1" latinLnBrk="1" hangingPunct="1">
+              <a:spcBef>
+                <a:spcPct val="20000"/>
+              </a:spcBef>
+              <a:buFont typeface="Arial" pitchFamily="34" charset="0"/>
+              <a:buChar char="–"/>
+              <a:defRPr sz="2000" kern="1200">
+                <a:solidFill>
+                  <a:schemeClr val="tx1"/>
+                </a:solidFill>
+                <a:latin typeface="+mn-lt"/>
+                <a:ea typeface="+mn-ea"/>
+                <a:cs typeface="+mn-cs"/>
+              </a:defRPr>
+            </a:lvl4pPr>
+            <a:lvl5pPr marL="2057400" indent="-228600" algn="l" defTabSz="914400" rtl="0" eaLnBrk="1" latinLnBrk="1" hangingPunct="1">
+              <a:spcBef>
+                <a:spcPct val="20000"/>
+              </a:spcBef>
+              <a:buFont typeface="Arial" pitchFamily="34" charset="0"/>
+              <a:buChar char="»"/>
+              <a:defRPr sz="2000" kern="1200">
+                <a:solidFill>
+                  <a:schemeClr val="tx1"/>
+                </a:solidFill>
+                <a:latin typeface="+mn-lt"/>
+                <a:ea typeface="+mn-ea"/>
+                <a:cs typeface="+mn-cs"/>
+              </a:defRPr>
+            </a:lvl5pPr>
+            <a:lvl6pPr marL="2514600" indent="-228600" algn="l" defTabSz="914400" rtl="0" eaLnBrk="1" latinLnBrk="1" hangingPunct="1">
+              <a:spcBef>
+                <a:spcPct val="20000"/>
+              </a:spcBef>
+              <a:buFont typeface="Arial" pitchFamily="34" charset="0"/>
+              <a:buChar char="•"/>
+              <a:defRPr sz="2000" kern="1200">
+                <a:solidFill>
+                  <a:schemeClr val="tx1"/>
+                </a:solidFill>
+                <a:latin typeface="+mn-lt"/>
+                <a:ea typeface="+mn-ea"/>
+                <a:cs typeface="+mn-cs"/>
+              </a:defRPr>
+            </a:lvl6pPr>
+            <a:lvl7pPr marL="2971800" indent="-228600" algn="l" defTabSz="914400" rtl="0" eaLnBrk="1" latinLnBrk="1" hangingPunct="1">
+              <a:spcBef>
+                <a:spcPct val="20000"/>
+              </a:spcBef>
+              <a:buFont typeface="Arial" pitchFamily="34" charset="0"/>
+              <a:buChar char="•"/>
+              <a:defRPr sz="2000" kern="1200">
+                <a:solidFill>
+                  <a:schemeClr val="tx1"/>
+                </a:solidFill>
+                <a:latin typeface="+mn-lt"/>
+                <a:ea typeface="+mn-ea"/>
+                <a:cs typeface="+mn-cs"/>
+              </a:defRPr>
+            </a:lvl7pPr>
+            <a:lvl8pPr marL="3429000" indent="-228600" algn="l" defTabSz="914400" rtl="0" eaLnBrk="1" latinLnBrk="1" hangingPunct="1">
+              <a:spcBef>
+                <a:spcPct val="20000"/>
+              </a:spcBef>
+              <a:buFont typeface="Arial" pitchFamily="34" charset="0"/>
+              <a:buChar char="•"/>
+              <a:defRPr sz="2000" kern="1200">
+                <a:solidFill>
+                  <a:schemeClr val="tx1"/>
+                </a:solidFill>
+                <a:latin typeface="+mn-lt"/>
+                <a:ea typeface="+mn-ea"/>
+                <a:cs typeface="+mn-cs"/>
+              </a:defRPr>
+            </a:lvl8pPr>
+            <a:lvl9pPr marL="3886200" indent="-228600" algn="l" defTabSz="914400" rtl="0" eaLnBrk="1" latinLnBrk="1" hangingPunct="1">
+              <a:spcBef>
+                <a:spcPct val="20000"/>
+              </a:spcBef>
+              <a:buFont typeface="Arial" pitchFamily="34" charset="0"/>
+              <a:buChar char="•"/>
+              <a:defRPr sz="2000" kern="1200">
+                <a:solidFill>
+                  <a:schemeClr val="tx1"/>
+                </a:solidFill>
+                <a:latin typeface="+mn-lt"/>
+                <a:ea typeface="+mn-ea"/>
+                <a:cs typeface="+mn-cs"/>
+              </a:defRPr>
+            </a:lvl9pPr>
+          </a:lstStyle>
+          <a:p>
+            <a:pPr marL="0" indent="0">
+              <a:buNone/>
+            </a:pPr>
+            <a:r>
+              <a:rPr lang="en-US" altLang="ko-KR" b="1" dirty="0">
+                <a:solidFill>
+                  <a:schemeClr val="tx1">
+                    <a:lumMod val="75000"/>
+                    <a:lumOff val="25000"/>
+                  </a:schemeClr>
+                </a:solidFill>
+                <a:latin typeface="+mj-lt"/>
+                <a:cs typeface="Arial" pitchFamily="34" charset="0"/>
+              </a:rPr>
+              <a:t>AMR and Conveyor belt system and forklift</a:t>
+            </a:r>
+          </a:p>
+        </p:txBody>
+      </p:sp>
+      <p:sp>
+        <p:nvSpPr>
+          <p:cNvPr id="3" name="TextBox 2">
+            <a:extLst>
+              <a:ext uri="{FF2B5EF4-FFF2-40B4-BE49-F238E27FC236}">
+                <a16:creationId xmlns:a16="http://schemas.microsoft.com/office/drawing/2014/main" id="{1821BE5A-6CF5-CA8E-8E5E-681A16F2D7FC}"/>
+              </a:ext>
+            </a:extLst>
+          </p:cNvPr>
+          <p:cNvSpPr txBox="1"/>
+          <p:nvPr/>
+        </p:nvSpPr>
+        <p:spPr>
+          <a:xfrm>
+            <a:off x="395536" y="1059582"/>
+            <a:ext cx="8352928" cy="3970318"/>
+          </a:xfrm>
+          <a:prstGeom prst="rect">
+            <a:avLst/>
+          </a:prstGeom>
+          <a:noFill/>
+        </p:spPr>
+        <p:txBody>
+          <a:bodyPr wrap="square" rtlCol="0">
+            <a:spAutoFit/>
+          </a:bodyPr>
+          <a:lstStyle/>
+          <a:p>
+            <a:r>
+              <a:rPr lang="en-US" dirty="0"/>
+              <a:t>An Autonomous mobile robot is a moving robot that navigates the environment </a:t>
+            </a:r>
+          </a:p>
+          <a:p>
+            <a:r>
+              <a:rPr lang="en-US" dirty="0"/>
+              <a:t>around it, knows the paths and places where there are obstacles, and draws a </a:t>
+            </a:r>
+          </a:p>
+          <a:p>
+            <a:r>
+              <a:rPr lang="en-US" dirty="0"/>
+              <a:t>map of the environment around it. As for the conveyor belt, it is a fixed system </a:t>
+            </a:r>
+          </a:p>
+          <a:p>
+            <a:r>
+              <a:rPr lang="en-US" dirty="0"/>
+              <a:t>that is designed according to the area and shape of the warehouse or factory, </a:t>
+            </a:r>
+          </a:p>
+          <a:p>
+            <a:r>
+              <a:rPr lang="en-US" dirty="0"/>
+              <a:t>and if any change occurs in the environment, modification is necessary On the </a:t>
+            </a:r>
+          </a:p>
+          <a:p>
+            <a:r>
+              <a:rPr lang="en-US" dirty="0"/>
+              <a:t>system, meaning that it is not possible to take the same system and place it in </a:t>
+            </a:r>
+          </a:p>
+          <a:p>
+            <a:r>
+              <a:rPr lang="en-US" dirty="0"/>
+              <a:t>another factory that differs in area and design. Rather, this difference must be </a:t>
+            </a:r>
+          </a:p>
+          <a:p>
+            <a:r>
+              <a:rPr lang="en-US" dirty="0"/>
+              <a:t>taken into account, and the system must be modified. As for the Autonomous </a:t>
+            </a:r>
+          </a:p>
+          <a:p>
+            <a:r>
+              <a:rPr lang="en-US" dirty="0"/>
+              <a:t>mobile robot, this can be done as it scans and performs navigation of the enviro-</a:t>
+            </a:r>
+            <a:r>
+              <a:rPr lang="en-US" dirty="0" err="1"/>
+              <a:t>nment</a:t>
+            </a:r>
+            <a:r>
+              <a:rPr lang="en-US" dirty="0"/>
+              <a:t> around it. To obtain a map with which he can move in the new </a:t>
+            </a:r>
+            <a:r>
+              <a:rPr lang="en-US" dirty="0" err="1"/>
+              <a:t>environme-nt</a:t>
+            </a:r>
+            <a:r>
+              <a:rPr lang="en-US" dirty="0"/>
+              <a:t>, and as for the forklift, it needs a worker to drive it, and as for the Autonomous mobile robot, it works without the need for a worker and is flexible, as it can </a:t>
+            </a:r>
+            <a:r>
+              <a:rPr lang="en-US" dirty="0" err="1"/>
+              <a:t>tran</a:t>
+            </a:r>
+            <a:r>
+              <a:rPr lang="en-US" dirty="0"/>
+              <a:t>-sport goods to a different station each time, according to the order it receives, </a:t>
+            </a:r>
+          </a:p>
+          <a:p>
+            <a:r>
+              <a:rPr lang="en-US" dirty="0"/>
+              <a:t>and not transporting goods in a specific path as the conveyor belt</a:t>
+            </a:r>
+          </a:p>
+        </p:txBody>
+      </p:sp>
+    </p:spTree>
+    <p:extLst>
+      <p:ext uri="{BB962C8B-B14F-4D97-AF65-F5344CB8AC3E}">
+        <p14:creationId xmlns:p14="http://schemas.microsoft.com/office/powerpoint/2010/main" val="3180868478"/>
+      </p:ext>
+    </p:extLst>
+  </p:cSld>
+  <p:clrMapOvr>
+    <a:masterClrMapping/>
+  </p:clrMapOvr>
+</p:sld>
+</file>
+
+<file path=ppt/slides/slide15.xml><?xml version="1.0" encoding="utf-8"?>
+<p:sld xmlns:a="http://schemas.openxmlformats.org/drawingml/2006/main" xmlns:r="http://schemas.openxmlformats.org/officeDocument/2006/relationships" xmlns:p="http://schemas.openxmlformats.org/presentationml/2006/main">
+  <p:cSld>
+    <p:spTree>
+      <p:nvGrpSpPr>
+        <p:cNvPr id="1" name=""/>
+        <p:cNvGrpSpPr/>
+        <p:nvPr/>
+      </p:nvGrpSpPr>
+      <p:grpSpPr>
+        <a:xfrm>
+          <a:off x="0" y="0"/>
+          <a:ext cx="0" cy="0"/>
+          <a:chOff x="0" y="0"/>
+          <a:chExt cx="0" cy="0"/>
+        </a:xfrm>
+      </p:grpSpPr>
       <p:grpSp>
         <p:nvGrpSpPr>
           <p:cNvPr id="8" name="Group 7"/>
@@ -23306,7 +28045,7 @@
           <a:lstStyle/>
           <a:p>
             <a:r>
-              <a:rPr lang="en-US" altLang="ko-KR" sz="1200" b="1" dirty="0" err="1">
+              <a:rPr lang="en-US" altLang="ko-KR" sz="1200" b="1" dirty="0">
                 <a:solidFill>
                   <a:schemeClr val="tx1">
                     <a:lumMod val="75000"/>
@@ -23315,7 +28054,19 @@
                 </a:solidFill>
                 <a:cs typeface="Arial" pitchFamily="34" charset="0"/>
               </a:rPr>
-              <a:t>Beaglebone</a:t>
+              <a:t>Beagle</a:t>
+            </a:r>
+            <a:r>
+              <a:rPr lang="ar-EG" altLang="ko-KR" sz="1200" b="1" dirty="0">
+                <a:solidFill>
+                  <a:schemeClr val="tx1">
+                    <a:lumMod val="75000"/>
+                    <a:lumOff val="25000"/>
+                  </a:schemeClr>
+                </a:solidFill>
+                <a:cs typeface="Arial" pitchFamily="34" charset="0"/>
+              </a:rPr>
+              <a:t>-</a:t>
             </a:r>
             <a:r>
               <a:rPr lang="en-US" altLang="ko-KR" sz="1200" b="1" dirty="0">
@@ -23327,7 +28078,7 @@
                 </a:solidFill>
                 <a:cs typeface="Arial" pitchFamily="34" charset="0"/>
               </a:rPr>
-              <a:t> black rev c</a:t>
+              <a:t>bone black rev c</a:t>
             </a:r>
             <a:endParaRPr lang="ko-KR" altLang="en-US" sz="1200" b="1" dirty="0">
               <a:solidFill>
@@ -23968,7 +28719,7 @@
           <a:lstStyle/>
           <a:p>
             <a:r>
-              <a:rPr lang="en-US" altLang="ko-KR" sz="1200" b="1" dirty="0" err="1">
+              <a:rPr lang="en-US" altLang="ko-KR" sz="1200" b="1" dirty="0">
                 <a:solidFill>
                   <a:schemeClr val="tx1">
                     <a:lumMod val="75000"/>
@@ -23977,7 +28728,19 @@
                 </a:solidFill>
                 <a:cs typeface="Arial" pitchFamily="34" charset="0"/>
               </a:rPr>
-              <a:t>Lipo</a:t>
+              <a:t>Li</a:t>
+            </a:r>
+            <a:r>
+              <a:rPr lang="ar-EG" altLang="ko-KR" sz="1200" b="1" dirty="0">
+                <a:solidFill>
+                  <a:schemeClr val="tx1">
+                    <a:lumMod val="75000"/>
+                    <a:lumOff val="25000"/>
+                  </a:schemeClr>
+                </a:solidFill>
+                <a:cs typeface="Arial" pitchFamily="34" charset="0"/>
+              </a:rPr>
+              <a:t>-</a:t>
             </a:r>
             <a:r>
               <a:rPr lang="en-US" altLang="ko-KR" sz="1200" b="1" dirty="0">
@@ -23989,7 +28752,7 @@
                 </a:solidFill>
                 <a:cs typeface="Arial" pitchFamily="34" charset="0"/>
               </a:rPr>
-              <a:t> battery </a:t>
+              <a:t>po battery </a:t>
             </a:r>
             <a:endParaRPr lang="ko-KR" altLang="en-US" sz="1200" b="1" dirty="0">
               <a:solidFill>
@@ -24209,7 +28972,7 @@
     </p:spTree>
     <p:extLst>
       <p:ext uri="{BB962C8B-B14F-4D97-AF65-F5344CB8AC3E}">
-        <p14:creationId xmlns:p14="http://schemas.microsoft.com/office/powerpoint/2010/main" val="3836961513"/>
+        <p14:creationId xmlns:p14="http://schemas.microsoft.com/office/powerpoint/2010/main" val="2012619649"/>
       </p:ext>
     </p:extLst>
   </p:cSld>
@@ -24219,7 +28982,7 @@
 </p:sld>
 </file>
 
-<file path=ppt/slides/slide14.xml><?xml version="1.0" encoding="utf-8"?>
+<file path=ppt/slides/slide16.xml><?xml version="1.0" encoding="utf-8"?>
 <p:sld xmlns:a="http://schemas.openxmlformats.org/drawingml/2006/main" xmlns:r="http://schemas.openxmlformats.org/officeDocument/2006/relationships" xmlns:p="http://schemas.openxmlformats.org/presentationml/2006/main">
   <p:cSld>
     <p:spTree>
@@ -24258,15 +29021,7 @@
           <a:p>
             <a:r>
               <a:rPr lang="en-US" altLang="ko-KR" dirty="0"/>
-              <a:t>Project </a:t>
-            </a:r>
-            <a:r>
-              <a:rPr lang="en-US" altLang="ko-KR" dirty="0" err="1"/>
-              <a:t>Managment</a:t>
-            </a:r>
-            <a:r>
-              <a:rPr lang="en-US" altLang="ko-KR" dirty="0"/>
-              <a:t> </a:t>
+              <a:t>Project Management </a:t>
             </a:r>
             <a:endParaRPr lang="ko-KR" altLang="en-US" dirty="0"/>
           </a:p>
@@ -24285,7 +29040,7 @@
 </p:sld>
 </file>
 
-<file path=ppt/slides/slide15.xml><?xml version="1.0" encoding="utf-8"?>
+<file path=ppt/slides/slide17.xml><?xml version="1.0" encoding="utf-8"?>
 <p:sld xmlns:a="http://schemas.openxmlformats.org/drawingml/2006/main" xmlns:r="http://schemas.openxmlformats.org/officeDocument/2006/relationships" xmlns:p="http://schemas.openxmlformats.org/presentationml/2006/main">
   <p:cSld>
     <p:spTree>
@@ -25169,7 +29924,7 @@
 </p:sld>
 </file>
 
-<file path=ppt/slides/slide16.xml><?xml version="1.0" encoding="utf-8"?>
+<file path=ppt/slides/slide18.xml><?xml version="1.0" encoding="utf-8"?>
 <p:sld xmlns:a="http://schemas.openxmlformats.org/drawingml/2006/main" xmlns:r="http://schemas.openxmlformats.org/officeDocument/2006/relationships" xmlns:p="http://schemas.openxmlformats.org/presentationml/2006/main">
   <p:cSld>
     <p:spTree>
@@ -25227,7 +29982,7 @@
 </p:sld>
 </file>
 
-<file path=ppt/slides/slide17.xml><?xml version="1.0" encoding="utf-8"?>
+<file path=ppt/slides/slide19.xml><?xml version="1.0" encoding="utf-8"?>
 <p:sld xmlns:a="http://schemas.openxmlformats.org/drawingml/2006/main" xmlns:r="http://schemas.openxmlformats.org/officeDocument/2006/relationships" xmlns:p="http://schemas.openxmlformats.org/presentationml/2006/main">
   <p:cSld>
     <p:spTree>
@@ -25285,7 +30040,131 @@
 </p:sld>
 </file>
 
-<file path=ppt/slides/slide18.xml><?xml version="1.0" encoding="utf-8"?>
+<file path=ppt/slides/slide2.xml><?xml version="1.0" encoding="utf-8"?>
+<p:sld xmlns:a="http://schemas.openxmlformats.org/drawingml/2006/main" xmlns:r="http://schemas.openxmlformats.org/officeDocument/2006/relationships" xmlns:p="http://schemas.openxmlformats.org/presentationml/2006/main">
+  <p:cSld>
+    <p:spTree>
+      <p:nvGrpSpPr>
+        <p:cNvPr id="1" name=""/>
+        <p:cNvGrpSpPr/>
+        <p:nvPr/>
+      </p:nvGrpSpPr>
+      <p:grpSpPr>
+        <a:xfrm>
+          <a:off x="0" y="0"/>
+          <a:ext cx="0" cy="0"/>
+          <a:chOff x="0" y="0"/>
+          <a:chExt cx="0" cy="0"/>
+        </a:xfrm>
+      </p:grpSpPr>
+      <p:sp>
+        <p:nvSpPr>
+          <p:cNvPr id="2" name="Text Placeholder 1"/>
+          <p:cNvSpPr>
+            <a:spLocks noGrp="1"/>
+          </p:cNvSpPr>
+          <p:nvPr>
+            <p:ph type="body" sz="quarter" idx="10"/>
+          </p:nvPr>
+        </p:nvSpPr>
+        <p:spPr>
+          <a:xfrm>
+            <a:off x="3404708" y="2439888"/>
+            <a:ext cx="2823476" cy="576063"/>
+          </a:xfrm>
+        </p:spPr>
+        <p:txBody>
+          <a:bodyPr/>
+          <a:lstStyle/>
+          <a:p>
+            <a:r>
+              <a:rPr lang="en-US" altLang="ko-KR" dirty="0"/>
+              <a:t>Welcome!!</a:t>
+            </a:r>
+            <a:endParaRPr lang="ko-KR" altLang="en-US" dirty="0"/>
+          </a:p>
+        </p:txBody>
+      </p:sp>
+      <p:sp>
+        <p:nvSpPr>
+          <p:cNvPr id="3" name="Text Placeholder 2"/>
+          <p:cNvSpPr>
+            <a:spLocks noGrp="1"/>
+          </p:cNvSpPr>
+          <p:nvPr>
+            <p:ph type="body" sz="quarter" idx="11"/>
+          </p:nvPr>
+        </p:nvSpPr>
+        <p:spPr>
+          <a:xfrm>
+            <a:off x="2813480" y="3316338"/>
+            <a:ext cx="3894936" cy="288032"/>
+          </a:xfrm>
+        </p:spPr>
+        <p:txBody>
+          <a:bodyPr/>
+          <a:lstStyle/>
+          <a:p>
+            <a:pPr lvl="0"/>
+            <a:r>
+              <a:rPr lang="en-US" altLang="ko-KR" dirty="0"/>
+              <a:t>Professors and Doctors </a:t>
+            </a:r>
+          </a:p>
+        </p:txBody>
+      </p:sp>
+      <p:sp>
+        <p:nvSpPr>
+          <p:cNvPr id="5" name="TextBox 4"/>
+          <p:cNvSpPr txBox="1"/>
+          <p:nvPr/>
+        </p:nvSpPr>
+        <p:spPr>
+          <a:xfrm>
+            <a:off x="3104764" y="3651870"/>
+            <a:ext cx="3312368" cy="461665"/>
+          </a:xfrm>
+          <a:prstGeom prst="rect">
+            <a:avLst/>
+          </a:prstGeom>
+          <a:noFill/>
+        </p:spPr>
+        <p:txBody>
+          <a:bodyPr wrap="square" rtlCol="0">
+            <a:spAutoFit/>
+          </a:bodyPr>
+          <a:lstStyle/>
+          <a:p>
+            <a:pPr algn="ctr"/>
+            <a:r>
+              <a:rPr lang="en-US" altLang="ko-KR" sz="1200" dirty="0">
+                <a:solidFill>
+                  <a:schemeClr val="tx1">
+                    <a:lumMod val="75000"/>
+                    <a:lumOff val="25000"/>
+                  </a:schemeClr>
+                </a:solidFill>
+                <a:cs typeface="Arial" pitchFamily="34" charset="0"/>
+              </a:rPr>
+              <a:t>We are thrilled to extend a warm and hearty welcome to you</a:t>
+            </a:r>
+          </a:p>
+        </p:txBody>
+      </p:sp>
+    </p:spTree>
+    <p:extLst>
+      <p:ext uri="{BB962C8B-B14F-4D97-AF65-F5344CB8AC3E}">
+        <p14:creationId xmlns:p14="http://schemas.microsoft.com/office/powerpoint/2010/main" val="3239406661"/>
+      </p:ext>
+    </p:extLst>
+  </p:cSld>
+  <p:clrMapOvr>
+    <a:masterClrMapping/>
+  </p:clrMapOvr>
+</p:sld>
+</file>
+
+<file path=ppt/slides/slide20.xml><?xml version="1.0" encoding="utf-8"?>
 <p:sld xmlns:a="http://schemas.openxmlformats.org/drawingml/2006/main" xmlns:r="http://schemas.openxmlformats.org/officeDocument/2006/relationships" xmlns:p="http://schemas.openxmlformats.org/presentationml/2006/main" show="0">
   <p:cSld>
     <p:spTree>
@@ -25622,130 +30501,6 @@
     <p:extLst>
       <p:ext uri="{BB962C8B-B14F-4D97-AF65-F5344CB8AC3E}">
         <p14:creationId xmlns:p14="http://schemas.microsoft.com/office/powerpoint/2010/main" val="1153395363"/>
-      </p:ext>
-    </p:extLst>
-  </p:cSld>
-  <p:clrMapOvr>
-    <a:masterClrMapping/>
-  </p:clrMapOvr>
-</p:sld>
-</file>
-
-<file path=ppt/slides/slide2.xml><?xml version="1.0" encoding="utf-8"?>
-<p:sld xmlns:a="http://schemas.openxmlformats.org/drawingml/2006/main" xmlns:r="http://schemas.openxmlformats.org/officeDocument/2006/relationships" xmlns:p="http://schemas.openxmlformats.org/presentationml/2006/main">
-  <p:cSld>
-    <p:spTree>
-      <p:nvGrpSpPr>
-        <p:cNvPr id="1" name=""/>
-        <p:cNvGrpSpPr/>
-        <p:nvPr/>
-      </p:nvGrpSpPr>
-      <p:grpSpPr>
-        <a:xfrm>
-          <a:off x="0" y="0"/>
-          <a:ext cx="0" cy="0"/>
-          <a:chOff x="0" y="0"/>
-          <a:chExt cx="0" cy="0"/>
-        </a:xfrm>
-      </p:grpSpPr>
-      <p:sp>
-        <p:nvSpPr>
-          <p:cNvPr id="2" name="Text Placeholder 1"/>
-          <p:cNvSpPr>
-            <a:spLocks noGrp="1"/>
-          </p:cNvSpPr>
-          <p:nvPr>
-            <p:ph type="body" sz="quarter" idx="10"/>
-          </p:nvPr>
-        </p:nvSpPr>
-        <p:spPr>
-          <a:xfrm>
-            <a:off x="3404708" y="2439888"/>
-            <a:ext cx="2823476" cy="576063"/>
-          </a:xfrm>
-        </p:spPr>
-        <p:txBody>
-          <a:bodyPr/>
-          <a:lstStyle/>
-          <a:p>
-            <a:r>
-              <a:rPr lang="en-US" altLang="ko-KR" dirty="0"/>
-              <a:t>Welcome!!</a:t>
-            </a:r>
-            <a:endParaRPr lang="ko-KR" altLang="en-US" dirty="0"/>
-          </a:p>
-        </p:txBody>
-      </p:sp>
-      <p:sp>
-        <p:nvSpPr>
-          <p:cNvPr id="3" name="Text Placeholder 2"/>
-          <p:cNvSpPr>
-            <a:spLocks noGrp="1"/>
-          </p:cNvSpPr>
-          <p:nvPr>
-            <p:ph type="body" sz="quarter" idx="11"/>
-          </p:nvPr>
-        </p:nvSpPr>
-        <p:spPr>
-          <a:xfrm>
-            <a:off x="2813480" y="3316338"/>
-            <a:ext cx="3894936" cy="288032"/>
-          </a:xfrm>
-        </p:spPr>
-        <p:txBody>
-          <a:bodyPr/>
-          <a:lstStyle/>
-          <a:p>
-            <a:pPr lvl="0"/>
-            <a:r>
-              <a:rPr lang="en-US" altLang="ko-KR" dirty="0"/>
-              <a:t>Professors and Doctors </a:t>
-            </a:r>
-          </a:p>
-        </p:txBody>
-      </p:sp>
-      <p:sp>
-        <p:nvSpPr>
-          <p:cNvPr id="5" name="TextBox 4"/>
-          <p:cNvSpPr txBox="1"/>
-          <p:nvPr/>
-        </p:nvSpPr>
-        <p:spPr>
-          <a:xfrm>
-            <a:off x="3104764" y="3651870"/>
-            <a:ext cx="3312368" cy="461665"/>
-          </a:xfrm>
-          <a:prstGeom prst="rect">
-            <a:avLst/>
-          </a:prstGeom>
-          <a:noFill/>
-        </p:spPr>
-        <p:txBody>
-          <a:bodyPr wrap="square" rtlCol="0">
-            <a:spAutoFit/>
-          </a:bodyPr>
-          <a:lstStyle/>
-          <a:p>
-            <a:pPr algn="ctr"/>
-            <a:r>
-              <a:rPr lang="en-US" altLang="ko-KR" sz="1200" dirty="0">
-                <a:solidFill>
-                  <a:schemeClr val="tx1">
-                    <a:lumMod val="75000"/>
-                    <a:lumOff val="25000"/>
-                  </a:schemeClr>
-                </a:solidFill>
-                <a:cs typeface="Arial" pitchFamily="34" charset="0"/>
-              </a:rPr>
-              <a:t>We are thrilled to extend a warm and hearty welcome to you</a:t>
-            </a:r>
-          </a:p>
-        </p:txBody>
-      </p:sp>
-    </p:spTree>
-    <p:extLst>
-      <p:ext uri="{BB962C8B-B14F-4D97-AF65-F5344CB8AC3E}">
-        <p14:creationId xmlns:p14="http://schemas.microsoft.com/office/powerpoint/2010/main" val="3239406661"/>
       </p:ext>
     </p:extLst>
   </p:cSld>
@@ -32187,7 +36942,7 @@
         <p:spPr>
           <a:xfrm>
             <a:off x="4769767" y="1311849"/>
-            <a:ext cx="4154965" cy="577081"/>
+            <a:ext cx="4154965" cy="415498"/>
           </a:xfrm>
           <a:prstGeom prst="rect">
             <a:avLst/>
@@ -32206,23 +36961,7 @@
                 <a:ea typeface="Roboto" panose="02000000000000000000" pitchFamily="2" charset="0"/>
                 <a:cs typeface="Roboto" panose="02000000000000000000" pitchFamily="2" charset="0"/>
               </a:rPr>
-              <a:t>Manufacturing a robot that serves medium-sized shipping facilities, such as warehouses like </a:t>
-            </a:r>
-            <a:r>
-              <a:rPr lang="en-US" sz="1050" dirty="0" err="1">
-                <a:latin typeface="Roboto" panose="02000000000000000000" pitchFamily="2" charset="0"/>
-                <a:ea typeface="Roboto" panose="02000000000000000000" pitchFamily="2" charset="0"/>
-                <a:cs typeface="Roboto" panose="02000000000000000000" pitchFamily="2" charset="0"/>
-              </a:rPr>
-              <a:t>Breadfast</a:t>
-            </a:r>
-            <a:r>
-              <a:rPr lang="en-US" sz="1050" dirty="0">
-                <a:latin typeface="Roboto" panose="02000000000000000000" pitchFamily="2" charset="0"/>
-                <a:ea typeface="Roboto" panose="02000000000000000000" pitchFamily="2" charset="0"/>
-                <a:cs typeface="Roboto" panose="02000000000000000000" pitchFamily="2" charset="0"/>
-              </a:rPr>
-              <a:t>, and medium-sized workshops, with the following features available</a:t>
+              <a:t>Manufacturing a robot that serves medium-sized shipping facilities,  and medium-sized workshops, with the following features available</a:t>
             </a:r>
           </a:p>
         </p:txBody>

--- a/docs/AMR-MUST.pptx
+++ b/docs/AMR-MUST.pptx
@@ -21327,7 +21327,19 @@
             </a:pPr>
             <a:r>
               <a:rPr lang="en-US" altLang="ko-KR" b="1" dirty="0"/>
-              <a:t>Graduation Project at MUST </a:t>
+              <a:t>Graduation Project at MUST</a:t>
+            </a:r>
+          </a:p>
+          <a:p>
+            <a:pPr>
+              <a:spcBef>
+                <a:spcPts val="0"/>
+              </a:spcBef>
+              <a:defRPr/>
+            </a:pPr>
+            <a:r>
+              <a:rPr lang="en-US" altLang="ko-KR" b="1" dirty="0"/>
+              <a:t>Group #3 </a:t>
             </a:r>
           </a:p>
           <a:p>
@@ -23122,8 +23134,8 @@
           </a:p>
         </p:txBody>
       </p:sp>
-      <mc:AlternateContent xmlns:mc="http://schemas.openxmlformats.org/markup-compatibility/2006">
-        <mc:Choice xmlns:a14="http://schemas.microsoft.com/office/drawing/2010/main" Requires="a14">
+      <mc:AlternateContent xmlns:mc="http://schemas.openxmlformats.org/markup-compatibility/2006" xmlns:a14="http://schemas.microsoft.com/office/drawing/2010/main">
+        <mc:Choice Requires="a14">
           <p:graphicFrame>
             <p:nvGraphicFramePr>
               <p:cNvPr id="11" name="Table 10">
@@ -23593,8 +23605,9 @@
                               <m:sSup>
                                 <m:sSupPr>
                                   <m:ctrlPr>
-                                    <a:rPr lang="en-US" sz="1050" b="1">
+                                    <a:rPr lang="en-US" sz="1050" b="1" i="1">
                                       <a:effectLst/>
+                                      <a:latin typeface="Cambria Math" panose="02040503050406030204" pitchFamily="18" charset="0"/>
                                     </a:rPr>
                                   </m:ctrlPr>
                                 </m:sSupPr>
@@ -23892,8 +23905,9 @@
                               <m:sSup>
                                 <m:sSupPr>
                                   <m:ctrlPr>
-                                    <a:rPr lang="en-US" sz="1050" b="1">
+                                    <a:rPr lang="en-US" sz="1050" b="1" i="1">
                                       <a:effectLst/>
+                                      <a:latin typeface="Cambria Math" panose="02040503050406030204" pitchFamily="18" charset="0"/>
                                     </a:rPr>
                                   </m:ctrlPr>
                                 </m:sSupPr>
@@ -24566,8 +24580,9 @@
                               <m:sSup>
                                 <m:sSupPr>
                                   <m:ctrlPr>
-                                    <a:rPr lang="en-US" sz="1050" b="1">
+                                    <a:rPr lang="en-US" sz="1050" b="1" i="1">
                                       <a:effectLst/>
+                                      <a:latin typeface="Cambria Math" panose="02040503050406030204" pitchFamily="18" charset="0"/>
                                     </a:rPr>
                                   </m:ctrlPr>
                                 </m:sSupPr>
@@ -24865,8 +24880,9 @@
                               <m:sSup>
                                 <m:sSupPr>
                                   <m:ctrlPr>
-                                    <a:rPr lang="en-US" sz="1050" b="1">
+                                    <a:rPr lang="en-US" sz="1050" b="1" i="1">
                                       <a:effectLst/>
+                                      <a:latin typeface="Cambria Math" panose="02040503050406030204" pitchFamily="18" charset="0"/>
                                     </a:rPr>
                                   </m:ctrlPr>
                                 </m:sSupPr>
@@ -25426,7 +25442,7 @@
             </a:graphic>
           </p:graphicFrame>
         </mc:Choice>
-        <mc:Fallback>
+        <mc:Fallback xmlns="">
           <p:graphicFrame>
             <p:nvGraphicFramePr>
               <p:cNvPr id="11" name="Table 10">
